--- a/CAN总线.pptx
+++ b/CAN总线.pptx
@@ -28,14 +28,17 @@
     <p:sldId id="274" r:id="rId22"/>
     <p:sldId id="275" r:id="rId23"/>
     <p:sldId id="276" r:id="rId24"/>
-    <p:sldId id="277" r:id="rId25"/>
-    <p:sldId id="278" r:id="rId26"/>
-    <p:sldId id="279" r:id="rId27"/>
-    <p:sldId id="280" r:id="rId28"/>
-    <p:sldId id="281" r:id="rId29"/>
-    <p:sldId id="282" r:id="rId30"/>
-    <p:sldId id="283" r:id="rId31"/>
-    <p:sldId id="284" r:id="rId32"/>
+    <p:sldId id="278" r:id="rId25"/>
+    <p:sldId id="280" r:id="rId26"/>
+    <p:sldId id="281" r:id="rId27"/>
+    <p:sldId id="282" r:id="rId28"/>
+    <p:sldId id="283" r:id="rId29"/>
+    <p:sldId id="284" r:id="rId30"/>
+    <p:sldId id="287" r:id="rId31"/>
+    <p:sldId id="288" r:id="rId32"/>
+    <p:sldId id="289" r:id="rId33"/>
+    <p:sldId id="290" r:id="rId34"/>
+    <p:sldId id="291" r:id="rId35"/>
   </p:sldIdLst>
   <p:sldSz cx="12192000" cy="6858000"/>
   <p:notesSz cx="6858000" cy="9144000"/>
@@ -134,6 +137,11 @@
       </a:defRPr>
     </a:lvl9pPr>
   </p:defaultTextStyle>
+  <p:extLst>
+    <p:ext uri="{EFAFB233-063F-42B5-8137-9DF3F51BA10A}">
+      <p15:sldGuideLst xmlns:p15="http://schemas.microsoft.com/office/powerpoint/2012/main"/>
+    </p:ext>
+  </p:extLst>
 </p:presentation>
 </file>
 
@@ -351,7 +359,7 @@
             <a:fld id="{B61BEF0D-F0BB-DE4B-95CE-6DB70DBA9567}" type="datetimeFigureOut">
               <a:rPr lang="en-US" dirty="0"/>
               <a:pPr/>
-              <a:t>5/13/2018</a:t>
+              <a:t>5/16/2018</a:t>
             </a:fld>
             <a:endParaRPr lang="en-US" dirty="0"/>
           </a:p>
@@ -639,7 +647,7 @@
             <a:fld id="{B61BEF0D-F0BB-DE4B-95CE-6DB70DBA9567}" type="datetimeFigureOut">
               <a:rPr lang="en-US" dirty="0"/>
               <a:pPr/>
-              <a:t>5/13/2018</a:t>
+              <a:t>5/16/2018</a:t>
             </a:fld>
             <a:endParaRPr lang="en-US" dirty="0"/>
           </a:p>
@@ -895,7 +903,7 @@
             <a:fld id="{B61BEF0D-F0BB-DE4B-95CE-6DB70DBA9567}" type="datetimeFigureOut">
               <a:rPr lang="en-US" dirty="0"/>
               <a:pPr/>
-              <a:t>5/13/2018</a:t>
+              <a:t>5/16/2018</a:t>
             </a:fld>
             <a:endParaRPr lang="en-US" dirty="0"/>
           </a:p>
@@ -1361,7 +1369,7 @@
             <a:fld id="{B61BEF0D-F0BB-DE4B-95CE-6DB70DBA9567}" type="datetimeFigureOut">
               <a:rPr lang="en-US" dirty="0"/>
               <a:pPr/>
-              <a:t>5/13/2018</a:t>
+              <a:t>5/16/2018</a:t>
             </a:fld>
             <a:endParaRPr lang="en-US" dirty="0"/>
           </a:p>
@@ -1538,7 +1546,7 @@
             <a:fld id="{B61BEF0D-F0BB-DE4B-95CE-6DB70DBA9567}" type="datetimeFigureOut">
               <a:rPr lang="en-US" dirty="0"/>
               <a:pPr/>
-              <a:t>5/13/2018</a:t>
+              <a:t>5/16/2018</a:t>
             </a:fld>
             <a:endParaRPr lang="en-US" dirty="0"/>
           </a:p>
@@ -2111,7 +2119,7 @@
             <a:fld id="{B61BEF0D-F0BB-DE4B-95CE-6DB70DBA9567}" type="datetimeFigureOut">
               <a:rPr lang="en-US" dirty="0"/>
               <a:pPr/>
-              <a:t>5/13/2018</a:t>
+              <a:t>5/16/2018</a:t>
             </a:fld>
             <a:endParaRPr lang="en-US" dirty="0"/>
           </a:p>
@@ -2440,7 +2448,7 @@
             <a:fld id="{B61BEF0D-F0BB-DE4B-95CE-6DB70DBA9567}" type="datetimeFigureOut">
               <a:rPr lang="en-US" dirty="0"/>
               <a:pPr/>
-              <a:t>5/13/2018</a:t>
+              <a:t>5/16/2018</a:t>
             </a:fld>
             <a:endParaRPr lang="en-US" dirty="0"/>
           </a:p>
@@ -2612,7 +2620,7 @@
             <a:fld id="{B61BEF0D-F0BB-DE4B-95CE-6DB70DBA9567}" type="datetimeFigureOut">
               <a:rPr lang="en-US" dirty="0"/>
               <a:pPr/>
-              <a:t>5/13/2018</a:t>
+              <a:t>5/16/2018</a:t>
             </a:fld>
             <a:endParaRPr lang="en-US" dirty="0"/>
           </a:p>
@@ -2789,7 +2797,7 @@
             <a:fld id="{B61BEF0D-F0BB-DE4B-95CE-6DB70DBA9567}" type="datetimeFigureOut">
               <a:rPr lang="en-US" dirty="0"/>
               <a:pPr/>
-              <a:t>5/13/2018</a:t>
+              <a:t>5/16/2018</a:t>
             </a:fld>
             <a:endParaRPr lang="en-US" dirty="0"/>
           </a:p>
@@ -2956,7 +2964,7 @@
             <a:fld id="{B61BEF0D-F0BB-DE4B-95CE-6DB70DBA9567}" type="datetimeFigureOut">
               <a:rPr lang="en-US" dirty="0"/>
               <a:pPr/>
-              <a:t>5/13/2018</a:t>
+              <a:t>5/16/2018</a:t>
             </a:fld>
             <a:endParaRPr lang="en-US" dirty="0"/>
           </a:p>
@@ -3210,7 +3218,7 @@
             <a:fld id="{B61BEF0D-F0BB-DE4B-95CE-6DB70DBA9567}" type="datetimeFigureOut">
               <a:rPr lang="en-US" dirty="0"/>
               <a:pPr/>
-              <a:t>5/13/2018</a:t>
+              <a:t>5/16/2018</a:t>
             </a:fld>
             <a:endParaRPr lang="en-US" dirty="0"/>
           </a:p>
@@ -3499,7 +3507,7 @@
             <a:fld id="{B61BEF0D-F0BB-DE4B-95CE-6DB70DBA9567}" type="datetimeFigureOut">
               <a:rPr lang="en-US" dirty="0"/>
               <a:pPr/>
-              <a:t>5/13/2018</a:t>
+              <a:t>5/16/2018</a:t>
             </a:fld>
             <a:endParaRPr lang="en-US" dirty="0"/>
           </a:p>
@@ -3926,7 +3934,7 @@
             <a:fld id="{B61BEF0D-F0BB-DE4B-95CE-6DB70DBA9567}" type="datetimeFigureOut">
               <a:rPr lang="en-US" dirty="0"/>
               <a:pPr/>
-              <a:t>5/13/2018</a:t>
+              <a:t>5/16/2018</a:t>
             </a:fld>
             <a:endParaRPr lang="en-US" dirty="0"/>
           </a:p>
@@ -4041,7 +4049,7 @@
             <a:fld id="{B61BEF0D-F0BB-DE4B-95CE-6DB70DBA9567}" type="datetimeFigureOut">
               <a:rPr lang="en-US" dirty="0"/>
               <a:pPr/>
-              <a:t>5/13/2018</a:t>
+              <a:t>5/16/2018</a:t>
             </a:fld>
             <a:endParaRPr lang="en-US" dirty="0"/>
           </a:p>
@@ -4133,7 +4141,7 @@
             <a:fld id="{B61BEF0D-F0BB-DE4B-95CE-6DB70DBA9567}" type="datetimeFigureOut">
               <a:rPr lang="en-US" dirty="0"/>
               <a:pPr/>
-              <a:t>5/13/2018</a:t>
+              <a:t>5/16/2018</a:t>
             </a:fld>
             <a:endParaRPr lang="en-US" dirty="0"/>
           </a:p>
@@ -4413,7 +4421,7 @@
             <a:fld id="{B61BEF0D-F0BB-DE4B-95CE-6DB70DBA9567}" type="datetimeFigureOut">
               <a:rPr lang="en-US" dirty="0"/>
               <a:pPr/>
-              <a:t>5/13/2018</a:t>
+              <a:t>5/16/2018</a:t>
             </a:fld>
             <a:endParaRPr lang="en-US" dirty="0"/>
           </a:p>
@@ -4701,7 +4709,7 @@
             <a:fld id="{B61BEF0D-F0BB-DE4B-95CE-6DB70DBA9567}" type="datetimeFigureOut">
               <a:rPr lang="en-US" dirty="0"/>
               <a:pPr/>
-              <a:t>5/13/2018</a:t>
+              <a:t>5/16/2018</a:t>
             </a:fld>
             <a:endParaRPr lang="en-US" dirty="0"/>
           </a:p>
@@ -4929,7 +4937,7 @@
             <a:fld id="{B61BEF0D-F0BB-DE4B-95CE-6DB70DBA9567}" type="datetimeFigureOut">
               <a:rPr lang="en-US" dirty="0"/>
               <a:pPr/>
-              <a:t>5/13/2018</a:t>
+              <a:t>5/16/2018</a:t>
             </a:fld>
             <a:endParaRPr lang="en-US" dirty="0"/>
           </a:p>
@@ -7707,34 +7715,62 @@
       </p:sp>
       <p:pic>
         <p:nvPicPr>
-          <p:cNvPr id="4" name="内容占位符 3">
+          <p:cNvPr id="6" name="Picture 8">
             <a:extLst>
               <a:ext uri="{FF2B5EF4-FFF2-40B4-BE49-F238E27FC236}">
-                <a16:creationId xmlns:a16="http://schemas.microsoft.com/office/drawing/2014/main" id="{01F72198-715F-4F24-9B31-6B57D63CE67E}"/>
+                <a16:creationId xmlns:a16="http://schemas.microsoft.com/office/drawing/2014/main" id="{6E00E287-C18F-44AE-8C57-813D85FC0999}"/>
               </a:ext>
             </a:extLst>
           </p:cNvPr>
           <p:cNvPicPr>
-            <a:picLocks noGrp="1" noChangeAspect="1"/>
+            <a:picLocks noChangeAspect="1" noChangeArrowheads="1"/>
           </p:cNvPicPr>
-          <p:nvPr>
-            <p:ph idx="1"/>
-          </p:nvPr>
+          <p:nvPr/>
         </p:nvPicPr>
         <p:blipFill>
-          <a:blip r:embed="rId2"/>
+          <a:blip r:embed="rId2">
+            <a:extLst>
+              <a:ext uri="{28A0092B-C50C-407E-A947-70E740481C1C}">
+                <a14:useLocalDpi xmlns:a14="http://schemas.microsoft.com/office/drawing/2010/main" val="0"/>
+              </a:ext>
+            </a:extLst>
+          </a:blip>
+          <a:srcRect/>
           <a:stretch>
             <a:fillRect/>
           </a:stretch>
         </p:blipFill>
-        <p:spPr>
+        <p:spPr bwMode="auto">
           <a:xfrm>
-            <a:off x="1141413" y="1384676"/>
-            <a:ext cx="9905997" cy="5412624"/>
+            <a:off x="1205581" y="1433409"/>
+            <a:ext cx="10312149" cy="5424591"/>
           </a:xfrm>
           <a:prstGeom prst="rect">
             <a:avLst/>
           </a:prstGeom>
+          <a:noFill/>
+          <a:ln>
+            <a:noFill/>
+          </a:ln>
+          <a:extLst>
+            <a:ext uri="{909E8E84-426E-40DD-AFC4-6F175D3DCCD1}">
+              <a14:hiddenFill xmlns:a14="http://schemas.microsoft.com/office/drawing/2010/main">
+                <a:solidFill>
+                  <a:schemeClr val="accent1"/>
+                </a:solidFill>
+              </a14:hiddenFill>
+            </a:ext>
+            <a:ext uri="{91240B29-F687-4F45-9708-019B960494DF}">
+              <a14:hiddenLine xmlns:a14="http://schemas.microsoft.com/office/drawing/2010/main" w="9525">
+                <a:solidFill>
+                  <a:schemeClr val="tx1"/>
+                </a:solidFill>
+                <a:miter lim="800000"/>
+                <a:headEnd/>
+                <a:tailEnd/>
+              </a14:hiddenLine>
+            </a:ext>
+          </a:extLst>
         </p:spPr>
       </p:pic>
     </p:spTree>
@@ -9007,32 +9043,62 @@
       </p:sp>
       <p:pic>
         <p:nvPicPr>
-          <p:cNvPr id="4" name="图片 3">
+          <p:cNvPr id="5" name="Picture 11">
             <a:extLst>
               <a:ext uri="{FF2B5EF4-FFF2-40B4-BE49-F238E27FC236}">
-                <a16:creationId xmlns:a16="http://schemas.microsoft.com/office/drawing/2014/main" id="{6045CF2E-3A24-4625-89B8-F99EEF0B0899}"/>
+                <a16:creationId xmlns:a16="http://schemas.microsoft.com/office/drawing/2014/main" id="{D01F54CD-312F-4484-AEE8-A9A32EABC043}"/>
               </a:ext>
             </a:extLst>
           </p:cNvPr>
           <p:cNvPicPr>
-            <a:picLocks noChangeAspect="1"/>
+            <a:picLocks noChangeAspect="1" noChangeArrowheads="1"/>
           </p:cNvPicPr>
           <p:nvPr/>
         </p:nvPicPr>
         <p:blipFill>
-          <a:blip r:embed="rId2"/>
+          <a:blip r:embed="rId2">
+            <a:extLst>
+              <a:ext uri="{28A0092B-C50C-407E-A947-70E740481C1C}">
+                <a14:useLocalDpi xmlns:a14="http://schemas.microsoft.com/office/drawing/2010/main" val="0"/>
+              </a:ext>
+            </a:extLst>
+          </a:blip>
+          <a:srcRect/>
           <a:stretch>
             <a:fillRect/>
           </a:stretch>
         </p:blipFill>
-        <p:spPr>
+        <p:spPr bwMode="auto">
           <a:xfrm>
-            <a:off x="2367622" y="3748516"/>
-            <a:ext cx="7065136" cy="3109484"/>
+            <a:off x="1141412" y="3793290"/>
+            <a:ext cx="9905998" cy="2912310"/>
           </a:xfrm>
           <a:prstGeom prst="rect">
             <a:avLst/>
           </a:prstGeom>
+          <a:noFill/>
+          <a:ln>
+            <a:noFill/>
+          </a:ln>
+          <a:extLst>
+            <a:ext uri="{909E8E84-426E-40DD-AFC4-6F175D3DCCD1}">
+              <a14:hiddenFill xmlns:a14="http://schemas.microsoft.com/office/drawing/2010/main">
+                <a:solidFill>
+                  <a:schemeClr val="accent1"/>
+                </a:solidFill>
+              </a14:hiddenFill>
+            </a:ext>
+            <a:ext uri="{91240B29-F687-4F45-9708-019B960494DF}">
+              <a14:hiddenLine xmlns:a14="http://schemas.microsoft.com/office/drawing/2010/main" w="9525">
+                <a:solidFill>
+                  <a:schemeClr val="tx1"/>
+                </a:solidFill>
+                <a:miter lim="800000"/>
+                <a:headEnd/>
+                <a:tailEnd/>
+              </a14:hiddenLine>
+            </a:ext>
+          </a:extLst>
         </p:spPr>
       </p:pic>
     </p:spTree>
@@ -10115,32 +10181,62 @@
       </p:sp>
       <p:pic>
         <p:nvPicPr>
-          <p:cNvPr id="4" name="图片 3">
+          <p:cNvPr id="5" name="Picture 2">
             <a:extLst>
               <a:ext uri="{FF2B5EF4-FFF2-40B4-BE49-F238E27FC236}">
-                <a16:creationId xmlns:a16="http://schemas.microsoft.com/office/drawing/2014/main" id="{CFBE9954-B8A4-4E0A-A17B-B29B7666D11B}"/>
+                <a16:creationId xmlns:a16="http://schemas.microsoft.com/office/drawing/2014/main" id="{3F960D04-575E-4B28-886E-80EA3E785E65}"/>
               </a:ext>
             </a:extLst>
           </p:cNvPr>
           <p:cNvPicPr>
-            <a:picLocks noChangeAspect="1"/>
+            <a:picLocks noChangeAspect="1" noChangeArrowheads="1"/>
           </p:cNvPicPr>
           <p:nvPr/>
         </p:nvPicPr>
         <p:blipFill>
-          <a:blip r:embed="rId2"/>
+          <a:blip r:embed="rId2">
+            <a:extLst>
+              <a:ext uri="{28A0092B-C50C-407E-A947-70E740481C1C}">
+                <a14:useLocalDpi xmlns:a14="http://schemas.microsoft.com/office/drawing/2010/main" val="0"/>
+              </a:ext>
+            </a:extLst>
+          </a:blip>
+          <a:srcRect/>
           <a:stretch>
             <a:fillRect/>
           </a:stretch>
         </p:blipFill>
-        <p:spPr>
+        <p:spPr bwMode="auto">
           <a:xfrm>
-            <a:off x="1667106" y="1928012"/>
-            <a:ext cx="8854611" cy="3863881"/>
+            <a:off x="1141413" y="2155229"/>
+            <a:ext cx="10970266" cy="3863881"/>
           </a:xfrm>
           <a:prstGeom prst="rect">
             <a:avLst/>
           </a:prstGeom>
+          <a:noFill/>
+          <a:ln>
+            <a:noFill/>
+          </a:ln>
+          <a:extLst>
+            <a:ext uri="{909E8E84-426E-40DD-AFC4-6F175D3DCCD1}">
+              <a14:hiddenFill xmlns:a14="http://schemas.microsoft.com/office/drawing/2010/main">
+                <a:solidFill>
+                  <a:schemeClr val="accent1"/>
+                </a:solidFill>
+              </a14:hiddenFill>
+            </a:ext>
+            <a:ext uri="{91240B29-F687-4F45-9708-019B960494DF}">
+              <a14:hiddenLine xmlns:a14="http://schemas.microsoft.com/office/drawing/2010/main" w="9525">
+                <a:solidFill>
+                  <a:schemeClr val="tx1"/>
+                </a:solidFill>
+                <a:miter lim="800000"/>
+                <a:headEnd/>
+                <a:tailEnd/>
+              </a14:hiddenLine>
+            </a:ext>
+          </a:extLst>
         </p:spPr>
       </p:pic>
     </p:spTree>
@@ -10196,22 +10292,24 @@
           </a:xfrm>
         </p:spPr>
         <p:txBody>
-          <a:bodyPr/>
+          <a:bodyPr>
+            <a:normAutofit/>
+          </a:bodyPr>
           <a:lstStyle/>
           <a:p>
             <a:pPr marL="0" indent="0">
               <a:buNone/>
             </a:pPr>
             <a:r>
-              <a:rPr lang="en-US" altLang="zh-CN" dirty="0"/>
+              <a:rPr lang="en-US" altLang="zh-CN" sz="2400" b="1" dirty="0"/>
               <a:t>【</a:t>
             </a:r>
             <a:r>
-              <a:rPr lang="zh-CN" altLang="en-US" dirty="0"/>
+              <a:rPr lang="zh-CN" altLang="en-US" sz="2400" b="1" dirty="0"/>
               <a:t>注</a:t>
             </a:r>
             <a:r>
-              <a:rPr lang="en-US" altLang="zh-CN" dirty="0"/>
+              <a:rPr lang="en-US" altLang="zh-CN" sz="2400" b="1" dirty="0"/>
               <a:t>】 </a:t>
             </a:r>
           </a:p>
@@ -10220,35 +10318,35 @@
               <a:buNone/>
             </a:pPr>
             <a:r>
-              <a:rPr lang="en-US" altLang="zh-CN" dirty="0"/>
+              <a:rPr lang="en-US" altLang="zh-CN" sz="2400" b="1" dirty="0"/>
               <a:t>		</a:t>
             </a:r>
             <a:r>
-              <a:rPr lang="zh-CN" altLang="en-US" dirty="0"/>
+              <a:rPr lang="zh-CN" altLang="en-US" sz="2400" b="1" dirty="0"/>
               <a:t>*</a:t>
             </a:r>
             <a:r>
-              <a:rPr lang="en-US" altLang="zh-CN" dirty="0"/>
+              <a:rPr lang="en-US" altLang="zh-CN" sz="2400" b="1" dirty="0"/>
               <a:t>1 </a:t>
             </a:r>
             <a:r>
-              <a:rPr lang="zh-CN" altLang="en-US" dirty="0"/>
+              <a:rPr lang="zh-CN" altLang="en-US" sz="2400" b="1" dirty="0"/>
               <a:t>保留位（</a:t>
             </a:r>
             <a:r>
-              <a:rPr lang="en-US" altLang="zh-CN" dirty="0"/>
+              <a:rPr lang="en-US" altLang="zh-CN" sz="2400" b="1" dirty="0"/>
               <a:t>r0</a:t>
             </a:r>
             <a:r>
-              <a:rPr lang="zh-CN" altLang="en-US" dirty="0"/>
+              <a:rPr lang="zh-CN" altLang="en-US" sz="2400" b="1" dirty="0"/>
               <a:t>、</a:t>
             </a:r>
             <a:r>
-              <a:rPr lang="en-US" altLang="zh-CN" dirty="0"/>
+              <a:rPr lang="en-US" altLang="zh-CN" sz="2400" b="1" dirty="0"/>
               <a:t>r1</a:t>
             </a:r>
             <a:r>
-              <a:rPr lang="zh-CN" altLang="en-US" dirty="0"/>
+              <a:rPr lang="zh-CN" altLang="en-US" sz="2400" b="1" dirty="0"/>
               <a:t>）</a:t>
             </a:r>
           </a:p>
@@ -10257,11 +10355,11 @@
               <a:buNone/>
             </a:pPr>
             <a:r>
-              <a:rPr lang="en-US" altLang="zh-CN" dirty="0"/>
+              <a:rPr lang="en-US" altLang="zh-CN" sz="2400" b="1" dirty="0"/>
               <a:t>		</a:t>
             </a:r>
             <a:r>
-              <a:rPr lang="zh-CN" altLang="en-US" dirty="0"/>
+              <a:rPr lang="zh-CN" altLang="en-US" sz="2400" b="1" dirty="0"/>
               <a:t>保留位必须全部以显性电平发送。但接收方可以接收显性、隐性及其任意组合的电平。</a:t>
             </a:r>
           </a:p>
@@ -10270,27 +10368,27 @@
               <a:buNone/>
             </a:pPr>
             <a:r>
-              <a:rPr lang="en-US" altLang="zh-CN" dirty="0"/>
+              <a:rPr lang="en-US" altLang="zh-CN" sz="2400" b="1" dirty="0"/>
               <a:t>		</a:t>
             </a:r>
             <a:r>
-              <a:rPr lang="zh-CN" altLang="en-US" dirty="0"/>
+              <a:rPr lang="zh-CN" altLang="en-US" sz="2400" b="1" dirty="0"/>
               <a:t>*</a:t>
             </a:r>
             <a:r>
-              <a:rPr lang="en-US" altLang="zh-CN" dirty="0"/>
+              <a:rPr lang="en-US" altLang="zh-CN" sz="2400" b="1" dirty="0"/>
               <a:t>2 </a:t>
             </a:r>
             <a:r>
-              <a:rPr lang="zh-CN" altLang="en-US" dirty="0"/>
+              <a:rPr lang="zh-CN" altLang="en-US" sz="2400" b="1" dirty="0"/>
               <a:t>数据长度码（</a:t>
             </a:r>
             <a:r>
-              <a:rPr lang="en-US" altLang="zh-CN" dirty="0"/>
+              <a:rPr lang="en-US" altLang="zh-CN" sz="2400" b="1" dirty="0"/>
               <a:t>DLC</a:t>
             </a:r>
             <a:r>
-              <a:rPr lang="zh-CN" altLang="en-US" dirty="0"/>
+              <a:rPr lang="zh-CN" altLang="en-US" sz="2400" b="1" dirty="0"/>
               <a:t>）</a:t>
             </a:r>
           </a:p>
@@ -10299,19 +10397,19 @@
               <a:buNone/>
             </a:pPr>
             <a:r>
-              <a:rPr lang="en-US" altLang="zh-CN" dirty="0"/>
+              <a:rPr lang="en-US" altLang="zh-CN" sz="2400" b="1" dirty="0"/>
               <a:t>	</a:t>
             </a:r>
             <a:r>
-              <a:rPr lang="zh-CN" altLang="en-US" dirty="0"/>
+              <a:rPr lang="zh-CN" altLang="en-US" sz="2400" b="1" dirty="0"/>
               <a:t>数据长度码与数据的字节数的对应关系如表 </a:t>
             </a:r>
             <a:r>
-              <a:rPr lang="en-US" altLang="zh-CN" dirty="0"/>
+              <a:rPr lang="en-US" altLang="zh-CN" sz="2400" b="1" dirty="0"/>
               <a:t>8 </a:t>
             </a:r>
             <a:r>
-              <a:rPr lang="zh-CN" altLang="en-US" dirty="0"/>
+              <a:rPr lang="zh-CN" altLang="en-US" sz="2400" b="1" dirty="0"/>
               <a:t>所示。</a:t>
             </a:r>
           </a:p>
@@ -10320,43 +10418,43 @@
               <a:buNone/>
             </a:pPr>
             <a:r>
-              <a:rPr lang="en-US" altLang="zh-CN" dirty="0"/>
+              <a:rPr lang="en-US" altLang="zh-CN" sz="2400" b="1" dirty="0"/>
               <a:t>	</a:t>
             </a:r>
             <a:r>
-              <a:rPr lang="zh-CN" altLang="en-US" dirty="0"/>
+              <a:rPr lang="zh-CN" altLang="en-US" sz="2400" b="1" dirty="0"/>
               <a:t>数据的字节数必须为 </a:t>
             </a:r>
             <a:r>
-              <a:rPr lang="en-US" altLang="zh-CN" dirty="0"/>
+              <a:rPr lang="en-US" altLang="zh-CN" sz="2400" b="1" dirty="0"/>
               <a:t>0</a:t>
             </a:r>
             <a:r>
-              <a:rPr lang="zh-CN" altLang="en-US" dirty="0"/>
+              <a:rPr lang="zh-CN" altLang="en-US" sz="2400" b="1" dirty="0"/>
               <a:t>～</a:t>
             </a:r>
             <a:r>
-              <a:rPr lang="en-US" altLang="zh-CN" dirty="0"/>
+              <a:rPr lang="en-US" altLang="zh-CN" sz="2400" b="1" dirty="0"/>
               <a:t>8 </a:t>
             </a:r>
             <a:r>
-              <a:rPr lang="zh-CN" altLang="en-US" dirty="0"/>
+              <a:rPr lang="zh-CN" altLang="en-US" sz="2400" b="1" dirty="0"/>
               <a:t>字节。但接收方对</a:t>
             </a:r>
             <a:r>
-              <a:rPr lang="en-US" altLang="zh-CN" dirty="0"/>
+              <a:rPr lang="en-US" altLang="zh-CN" sz="2400" b="1" dirty="0"/>
               <a:t>DLC = 9</a:t>
             </a:r>
             <a:r>
-              <a:rPr lang="zh-CN" altLang="en-US" dirty="0"/>
+              <a:rPr lang="zh-CN" altLang="en-US" sz="2400" b="1" dirty="0"/>
               <a:t>～</a:t>
             </a:r>
             <a:r>
-              <a:rPr lang="en-US" altLang="zh-CN" dirty="0"/>
+              <a:rPr lang="en-US" altLang="zh-CN" sz="2400" b="1" dirty="0"/>
               <a:t>15 </a:t>
             </a:r>
             <a:r>
-              <a:rPr lang="zh-CN" altLang="en-US" dirty="0"/>
+              <a:rPr lang="zh-CN" altLang="en-US" sz="2400" b="1" dirty="0"/>
               <a:t>的情况并不视为错误。</a:t>
             </a:r>
           </a:p>
@@ -10456,39 +10554,6 @@
       </p:grpSpPr>
       <p:sp>
         <p:nvSpPr>
-          <p:cNvPr id="2" name="标题 1">
-            <a:extLst>
-              <a:ext uri="{FF2B5EF4-FFF2-40B4-BE49-F238E27FC236}">
-                <a16:creationId xmlns:a16="http://schemas.microsoft.com/office/drawing/2014/main" id="{3241B2EE-E01F-4954-A09F-A42F9989A4AA}"/>
-              </a:ext>
-            </a:extLst>
-          </p:cNvPr>
-          <p:cNvSpPr>
-            <a:spLocks noGrp="1"/>
-          </p:cNvSpPr>
-          <p:nvPr>
-            <p:ph type="title"/>
-          </p:nvPr>
-        </p:nvSpPr>
-        <p:spPr>
-          <a:xfrm>
-            <a:off x="1141413" y="609600"/>
-            <a:ext cx="9905998" cy="818147"/>
-          </a:xfrm>
-        </p:spPr>
-        <p:txBody>
-          <a:bodyPr/>
-          <a:lstStyle/>
-          <a:p>
-            <a:r>
-              <a:rPr lang="zh-CN" altLang="en-US" dirty="0"/>
-              <a:t>数据段</a:t>
-            </a:r>
-          </a:p>
-        </p:txBody>
-      </p:sp>
-      <p:sp>
-        <p:nvSpPr>
           <p:cNvPr id="3" name="内容占位符 2">
             <a:extLst>
               <a:ext uri="{FF2B5EF4-FFF2-40B4-BE49-F238E27FC236}">
@@ -10505,61 +10570,174 @@
         </p:nvSpPr>
         <p:spPr>
           <a:xfrm>
-            <a:off x="1141413" y="1427747"/>
-            <a:ext cx="9905998" cy="5261811"/>
+            <a:off x="1141413" y="1"/>
+            <a:ext cx="9905998" cy="6689558"/>
           </a:xfrm>
         </p:spPr>
         <p:txBody>
           <a:bodyPr/>
           <a:lstStyle/>
           <a:p>
-            <a:r>
-              <a:rPr lang="zh-CN" altLang="en-US" b="1" dirty="0"/>
-              <a:t>数据段可包含</a:t>
-            </a:r>
-            <a:r>
-              <a:rPr lang="en-US" altLang="zh-CN" b="1" dirty="0"/>
+            <a:pPr marL="0" indent="0">
+              <a:buNone/>
+            </a:pPr>
+            <a:r>
+              <a:rPr lang="zh-CN" altLang="en-US" sz="2400" b="1" dirty="0"/>
+              <a:t>数据段：数据段可包含</a:t>
+            </a:r>
+            <a:r>
+              <a:rPr lang="en-US" altLang="zh-CN" sz="2400" b="1" dirty="0"/>
               <a:t>0~8</a:t>
             </a:r>
             <a:r>
-              <a:rPr lang="zh-CN" altLang="en-US" b="1" dirty="0"/>
+              <a:rPr lang="zh-CN" altLang="en-US" sz="2400" b="1" dirty="0"/>
               <a:t>个字节的数据。从大端输出（</a:t>
             </a:r>
             <a:r>
-              <a:rPr lang="en-US" altLang="zh-CN" b="1" dirty="0"/>
+              <a:rPr lang="en-US" altLang="zh-CN" sz="2400" b="1" dirty="0"/>
               <a:t>MSB</a:t>
             </a:r>
             <a:r>
-              <a:rPr lang="zh-CN" altLang="en-US" b="1" dirty="0"/>
+              <a:rPr lang="zh-CN" altLang="en-US" sz="2400" b="1" dirty="0"/>
               <a:t>）</a:t>
             </a:r>
+            <a:endParaRPr lang="en-US" altLang="zh-CN" sz="2400" b="1" dirty="0"/>
+          </a:p>
+          <a:p>
             <a:endParaRPr lang="en-US" altLang="zh-CN" b="1" dirty="0"/>
           </a:p>
           <a:p>
             <a:endParaRPr lang="en-US" altLang="zh-CN" b="1" dirty="0"/>
           </a:p>
           <a:p>
+            <a:pPr marL="0" indent="0">
+              <a:buNone/>
+            </a:pPr>
             <a:endParaRPr lang="en-US" altLang="zh-CN" b="1" dirty="0"/>
           </a:p>
           <a:p>
             <a:endParaRPr lang="en-US" altLang="zh-CN" b="1" dirty="0"/>
           </a:p>
           <a:p>
+            <a:pPr marL="0" indent="0">
+              <a:buNone/>
+            </a:pPr>
+            <a:r>
+              <a:rPr lang="en-US" altLang="zh-CN" sz="2400" b="1" dirty="0"/>
+              <a:t>CRC</a:t>
+            </a:r>
+            <a:r>
+              <a:rPr lang="zh-CN" altLang="en-US" sz="2400" b="1" dirty="0"/>
+              <a:t>段：</a:t>
+            </a:r>
+            <a:r>
+              <a:rPr lang="en-US" altLang="zh-CN" sz="2400" b="1" dirty="0"/>
+              <a:t>CRC </a:t>
+            </a:r>
+            <a:r>
+              <a:rPr lang="zh-CN" altLang="en-US" sz="2400" b="1" dirty="0"/>
+              <a:t>段是检查帧传输错误的帧。由</a:t>
+            </a:r>
+            <a:r>
+              <a:rPr lang="en-US" altLang="zh-CN" sz="2400" b="1" dirty="0"/>
+              <a:t>15 </a:t>
+            </a:r>
+            <a:r>
+              <a:rPr lang="zh-CN" altLang="en-US" sz="2400" b="1" dirty="0"/>
+              <a:t>个位的</a:t>
+            </a:r>
+            <a:r>
+              <a:rPr lang="en-US" altLang="zh-CN" sz="2400" b="1" dirty="0"/>
+              <a:t>CRC </a:t>
+            </a:r>
+            <a:r>
+              <a:rPr lang="zh-CN" altLang="en-US" sz="2400" b="1" dirty="0"/>
+              <a:t>顺序*</a:t>
+            </a:r>
+            <a:r>
+              <a:rPr lang="en-US" altLang="zh-CN" sz="2400" b="1" dirty="0"/>
+              <a:t>1 </a:t>
+            </a:r>
+            <a:r>
+              <a:rPr lang="zh-CN" altLang="en-US" sz="2400" b="1" dirty="0"/>
+              <a:t>和</a:t>
+            </a:r>
+            <a:r>
+              <a:rPr lang="en-US" altLang="zh-CN" sz="2400" b="1" dirty="0"/>
+              <a:t>1 </a:t>
+            </a:r>
+            <a:r>
+              <a:rPr lang="zh-CN" altLang="en-US" sz="2400" b="1" dirty="0"/>
+              <a:t>个位的</a:t>
+            </a:r>
+            <a:r>
+              <a:rPr lang="en-US" altLang="zh-CN" sz="2400" b="1" dirty="0"/>
+              <a:t>CRC </a:t>
+            </a:r>
+            <a:r>
+              <a:rPr lang="zh-CN" altLang="en-US" sz="2400" b="1" dirty="0"/>
+              <a:t>界定符（用于分隔的位）构成。</a:t>
+            </a:r>
+            <a:endParaRPr lang="en-US" altLang="zh-CN" sz="2400" b="1" dirty="0"/>
+          </a:p>
+          <a:p>
+            <a:pPr marL="0" indent="0">
+              <a:buNone/>
+            </a:pPr>
+            <a:r>
+              <a:rPr lang="en-US" altLang="zh-CN" sz="2400" b="1" dirty="0"/>
+              <a:t>		CRC </a:t>
+            </a:r>
+            <a:r>
+              <a:rPr lang="zh-CN" altLang="en-US" sz="2400" b="1" dirty="0"/>
+              <a:t>顺序是根据多项式生成的</a:t>
+            </a:r>
+            <a:r>
+              <a:rPr lang="en-US" altLang="zh-CN" sz="2400" b="1" dirty="0"/>
+              <a:t>CRC </a:t>
+            </a:r>
+            <a:r>
+              <a:rPr lang="zh-CN" altLang="en-US" sz="2400" b="1" dirty="0"/>
+              <a:t>值，</a:t>
+            </a:r>
+            <a:r>
+              <a:rPr lang="en-US" altLang="zh-CN" sz="2400" b="1" dirty="0"/>
+              <a:t>CRC </a:t>
+            </a:r>
+            <a:r>
+              <a:rPr lang="zh-CN" altLang="en-US" sz="2400" b="1" dirty="0"/>
+              <a:t>的计算范围包括帧起始、仲裁段、控制段、数据段。</a:t>
+            </a:r>
+          </a:p>
+          <a:p>
+            <a:pPr marL="0" indent="0">
+              <a:buNone/>
+            </a:pPr>
+            <a:r>
+              <a:rPr lang="en-US" altLang="zh-CN" sz="2400" b="1" dirty="0"/>
+              <a:t>	</a:t>
+            </a:r>
+            <a:r>
+              <a:rPr lang="zh-CN" altLang="en-US" sz="2400" b="1" dirty="0"/>
+              <a:t>接收方以同样的算法计算 </a:t>
+            </a:r>
+            <a:r>
+              <a:rPr lang="en-US" altLang="zh-CN" sz="2400" b="1" dirty="0"/>
+              <a:t>CRC </a:t>
+            </a:r>
+            <a:r>
+              <a:rPr lang="zh-CN" altLang="en-US" sz="2400" b="1" dirty="0"/>
+              <a:t>值并进行比较，不一致时会通报错误</a:t>
+            </a:r>
+            <a:endParaRPr lang="en-US" altLang="zh-CN" sz="2400" b="1" dirty="0"/>
+          </a:p>
+          <a:p>
             <a:endParaRPr lang="en-US" altLang="zh-CN" b="1" dirty="0"/>
           </a:p>
           <a:p>
-            <a:endParaRPr lang="en-US" altLang="zh-CN" b="1" dirty="0"/>
-          </a:p>
-          <a:p>
-            <a:endParaRPr lang="en-US" altLang="zh-CN" b="1" dirty="0"/>
-          </a:p>
-          <a:p>
-            <a:endParaRPr lang="en-US" altLang="zh-CN" b="1" dirty="0"/>
-          </a:p>
-          <a:p>
-            <a:endParaRPr lang="en-US" altLang="zh-CN" b="1" dirty="0"/>
-          </a:p>
-          <a:p>
+            <a:pPr marL="0" indent="0">
+              <a:buNone/>
+            </a:pPr>
             <a:endParaRPr lang="en-US" altLang="zh-CN" b="1" dirty="0"/>
           </a:p>
           <a:p>
@@ -10569,32 +10747,122 @@
       </p:sp>
       <p:pic>
         <p:nvPicPr>
-          <p:cNvPr id="4" name="图片 3">
+          <p:cNvPr id="5" name="Picture 2">
             <a:extLst>
               <a:ext uri="{FF2B5EF4-FFF2-40B4-BE49-F238E27FC236}">
-                <a16:creationId xmlns:a16="http://schemas.microsoft.com/office/drawing/2014/main" id="{E35BFC6C-6DB4-4D42-8A9F-4A5A7A1C0939}"/>
+                <a16:creationId xmlns:a16="http://schemas.microsoft.com/office/drawing/2014/main" id="{FA99A1BC-39FF-4E24-B980-24E065BB32F6}"/>
               </a:ext>
             </a:extLst>
           </p:cNvPr>
           <p:cNvPicPr>
-            <a:picLocks noChangeAspect="1"/>
+            <a:picLocks noChangeAspect="1" noChangeArrowheads="1"/>
           </p:cNvPicPr>
           <p:nvPr/>
         </p:nvPicPr>
         <p:blipFill>
-          <a:blip r:embed="rId2"/>
+          <a:blip r:embed="rId2">
+            <a:extLst>
+              <a:ext uri="{28A0092B-C50C-407E-A947-70E740481C1C}">
+                <a14:useLocalDpi xmlns:a14="http://schemas.microsoft.com/office/drawing/2010/main" val="0"/>
+              </a:ext>
+            </a:extLst>
+          </a:blip>
+          <a:srcRect/>
           <a:stretch>
             <a:fillRect/>
           </a:stretch>
         </p:blipFill>
-        <p:spPr>
+        <p:spPr bwMode="auto">
           <a:xfrm>
-            <a:off x="784226" y="2245894"/>
-            <a:ext cx="10620371" cy="4002506"/>
+            <a:off x="1141413" y="1037133"/>
+            <a:ext cx="9905998" cy="1502199"/>
           </a:xfrm>
           <a:prstGeom prst="rect">
             <a:avLst/>
           </a:prstGeom>
+          <a:noFill/>
+          <a:ln>
+            <a:noFill/>
+          </a:ln>
+          <a:extLst>
+            <a:ext uri="{909E8E84-426E-40DD-AFC4-6F175D3DCCD1}">
+              <a14:hiddenFill xmlns:a14="http://schemas.microsoft.com/office/drawing/2010/main">
+                <a:solidFill>
+                  <a:schemeClr val="accent1"/>
+                </a:solidFill>
+              </a14:hiddenFill>
+            </a:ext>
+            <a:ext uri="{91240B29-F687-4F45-9708-019B960494DF}">
+              <a14:hiddenLine xmlns:a14="http://schemas.microsoft.com/office/drawing/2010/main" w="9525">
+                <a:solidFill>
+                  <a:schemeClr val="tx1"/>
+                </a:solidFill>
+                <a:miter lim="800000"/>
+                <a:headEnd/>
+                <a:tailEnd/>
+              </a14:hiddenLine>
+            </a:ext>
+          </a:extLst>
+        </p:spPr>
+      </p:pic>
+      <p:pic>
+        <p:nvPicPr>
+          <p:cNvPr id="6" name="Picture 3">
+            <a:extLst>
+              <a:ext uri="{FF2B5EF4-FFF2-40B4-BE49-F238E27FC236}">
+                <a16:creationId xmlns:a16="http://schemas.microsoft.com/office/drawing/2014/main" id="{92DE4406-E98E-43A9-9A23-019298491FB1}"/>
+              </a:ext>
+            </a:extLst>
+          </p:cNvPr>
+          <p:cNvPicPr>
+            <a:picLocks noChangeAspect="1" noChangeArrowheads="1"/>
+          </p:cNvPicPr>
+          <p:nvPr/>
+        </p:nvPicPr>
+        <p:blipFill>
+          <a:blip r:embed="rId3">
+            <a:extLst>
+              <a:ext uri="{28A0092B-C50C-407E-A947-70E740481C1C}">
+                <a14:useLocalDpi xmlns:a14="http://schemas.microsoft.com/office/drawing/2010/main" val="0"/>
+              </a:ext>
+            </a:extLst>
+          </a:blip>
+          <a:srcRect/>
+          <a:stretch>
+            <a:fillRect/>
+          </a:stretch>
+        </p:blipFill>
+        <p:spPr bwMode="auto">
+          <a:xfrm>
+            <a:off x="1141413" y="4902200"/>
+            <a:ext cx="9905998" cy="1668321"/>
+          </a:xfrm>
+          <a:prstGeom prst="rect">
+            <a:avLst/>
+          </a:prstGeom>
+          <a:noFill/>
+          <a:ln>
+            <a:noFill/>
+          </a:ln>
+          <a:extLst>
+            <a:ext uri="{909E8E84-426E-40DD-AFC4-6F175D3DCCD1}">
+              <a14:hiddenFill xmlns:a14="http://schemas.microsoft.com/office/drawing/2010/main">
+                <a:solidFill>
+                  <a:schemeClr val="accent1"/>
+                </a:solidFill>
+              </a14:hiddenFill>
+            </a:ext>
+            <a:ext uri="{91240B29-F687-4F45-9708-019B960494DF}">
+              <a14:hiddenLine xmlns:a14="http://schemas.microsoft.com/office/drawing/2010/main" w="9525">
+                <a:solidFill>
+                  <a:schemeClr val="tx1"/>
+                </a:solidFill>
+                <a:miter lim="800000"/>
+                <a:headEnd/>
+                <a:tailEnd/>
+              </a14:hiddenLine>
+            </a:ext>
+          </a:extLst>
         </p:spPr>
       </p:pic>
     </p:spTree>
@@ -10632,272 +10900,6 @@
           <p:cNvPr id="2" name="标题 1">
             <a:extLst>
               <a:ext uri="{FF2B5EF4-FFF2-40B4-BE49-F238E27FC236}">
-                <a16:creationId xmlns:a16="http://schemas.microsoft.com/office/drawing/2014/main" id="{DD2C8D2D-658E-4AD5-8AF5-DC5A2CF762A3}"/>
-              </a:ext>
-            </a:extLst>
-          </p:cNvPr>
-          <p:cNvSpPr>
-            <a:spLocks noGrp="1"/>
-          </p:cNvSpPr>
-          <p:nvPr>
-            <p:ph type="title"/>
-          </p:nvPr>
-        </p:nvSpPr>
-        <p:spPr>
-          <a:xfrm>
-            <a:off x="1141413" y="609600"/>
-            <a:ext cx="9905998" cy="930442"/>
-          </a:xfrm>
-        </p:spPr>
-        <p:txBody>
-          <a:bodyPr/>
-          <a:lstStyle/>
-          <a:p>
-            <a:r>
-              <a:rPr lang="en-US" altLang="zh-CN" dirty="0"/>
-              <a:t>CRC</a:t>
-            </a:r>
-            <a:r>
-              <a:rPr lang="zh-CN" altLang="en-US" dirty="0"/>
-              <a:t>段</a:t>
-            </a:r>
-          </a:p>
-        </p:txBody>
-      </p:sp>
-      <p:sp>
-        <p:nvSpPr>
-          <p:cNvPr id="3" name="内容占位符 2">
-            <a:extLst>
-              <a:ext uri="{FF2B5EF4-FFF2-40B4-BE49-F238E27FC236}">
-                <a16:creationId xmlns:a16="http://schemas.microsoft.com/office/drawing/2014/main" id="{21464AAF-1924-4ADC-8CD3-7B6A4990EB5D}"/>
-              </a:ext>
-            </a:extLst>
-          </p:cNvPr>
-          <p:cNvSpPr>
-            <a:spLocks noGrp="1"/>
-          </p:cNvSpPr>
-          <p:nvPr>
-            <p:ph idx="1"/>
-          </p:nvPr>
-        </p:nvSpPr>
-        <p:spPr>
-          <a:xfrm>
-            <a:off x="1141413" y="1540043"/>
-            <a:ext cx="9905998" cy="4251158"/>
-          </a:xfrm>
-        </p:spPr>
-        <p:txBody>
-          <a:bodyPr/>
-          <a:lstStyle/>
-          <a:p>
-            <a:pPr marL="0" indent="0">
-              <a:buNone/>
-            </a:pPr>
-            <a:r>
-              <a:rPr lang="en-US" altLang="zh-CN" dirty="0"/>
-              <a:t>	CRC </a:t>
-            </a:r>
-            <a:r>
-              <a:rPr lang="zh-CN" altLang="en-US" dirty="0"/>
-              <a:t>段是检查帧传输错误的帧。由</a:t>
-            </a:r>
-            <a:r>
-              <a:rPr lang="en-US" altLang="zh-CN" dirty="0"/>
-              <a:t>15 </a:t>
-            </a:r>
-            <a:r>
-              <a:rPr lang="zh-CN" altLang="en-US" dirty="0"/>
-              <a:t>个位的</a:t>
-            </a:r>
-            <a:r>
-              <a:rPr lang="en-US" altLang="zh-CN" dirty="0"/>
-              <a:t>CRC </a:t>
-            </a:r>
-            <a:r>
-              <a:rPr lang="zh-CN" altLang="en-US" dirty="0"/>
-              <a:t>顺序*</a:t>
-            </a:r>
-            <a:r>
-              <a:rPr lang="en-US" altLang="zh-CN" dirty="0"/>
-              <a:t>1 </a:t>
-            </a:r>
-            <a:r>
-              <a:rPr lang="zh-CN" altLang="en-US" dirty="0"/>
-              <a:t>和</a:t>
-            </a:r>
-            <a:r>
-              <a:rPr lang="en-US" altLang="zh-CN" dirty="0"/>
-              <a:t>1 </a:t>
-            </a:r>
-            <a:r>
-              <a:rPr lang="zh-CN" altLang="en-US" dirty="0"/>
-              <a:t>个位的</a:t>
-            </a:r>
-            <a:r>
-              <a:rPr lang="en-US" altLang="zh-CN" dirty="0"/>
-              <a:t>CRC </a:t>
-            </a:r>
-            <a:r>
-              <a:rPr lang="zh-CN" altLang="en-US" dirty="0"/>
-              <a:t>界定符（用于分隔的位）构成。</a:t>
-            </a:r>
-            <a:r>
-              <a:rPr lang="en-US" altLang="zh-CN" dirty="0"/>
-              <a:t>CRC </a:t>
-            </a:r>
-            <a:r>
-              <a:rPr lang="zh-CN" altLang="en-US" dirty="0"/>
-              <a:t>顺序</a:t>
-            </a:r>
-          </a:p>
-          <a:p>
-            <a:pPr marL="0" indent="0">
-              <a:buNone/>
-            </a:pPr>
-            <a:r>
-              <a:rPr lang="en-US" altLang="zh-CN" dirty="0"/>
-              <a:t>	CRC </a:t>
-            </a:r>
-            <a:r>
-              <a:rPr lang="zh-CN" altLang="en-US" dirty="0"/>
-              <a:t>顺序是根据多项式生成的</a:t>
-            </a:r>
-            <a:r>
-              <a:rPr lang="en-US" altLang="zh-CN" dirty="0"/>
-              <a:t>CRC </a:t>
-            </a:r>
-            <a:r>
-              <a:rPr lang="zh-CN" altLang="en-US" dirty="0"/>
-              <a:t>值，</a:t>
-            </a:r>
-            <a:r>
-              <a:rPr lang="en-US" altLang="zh-CN" dirty="0"/>
-              <a:t>CRC </a:t>
-            </a:r>
-            <a:r>
-              <a:rPr lang="zh-CN" altLang="en-US" dirty="0"/>
-              <a:t>的计算范围包括帧起始、仲裁段、控制段、数据段。</a:t>
-            </a:r>
-          </a:p>
-          <a:p>
-            <a:pPr marL="0" indent="0">
-              <a:buNone/>
-            </a:pPr>
-            <a:r>
-              <a:rPr lang="en-US" altLang="zh-CN" dirty="0"/>
-              <a:t>	</a:t>
-            </a:r>
-            <a:r>
-              <a:rPr lang="zh-CN" altLang="en-US" dirty="0"/>
-              <a:t>接收方以同样的算法计算 </a:t>
-            </a:r>
-            <a:r>
-              <a:rPr lang="en-US" altLang="zh-CN" dirty="0"/>
-              <a:t>CRC </a:t>
-            </a:r>
-            <a:r>
-              <a:rPr lang="zh-CN" altLang="en-US" dirty="0"/>
-              <a:t>值并进行比较，不一致时会通报错误</a:t>
-            </a:r>
-            <a:endParaRPr lang="en-US" altLang="zh-CN" dirty="0"/>
-          </a:p>
-          <a:p>
-            <a:pPr marL="0" indent="0">
-              <a:buNone/>
-            </a:pPr>
-            <a:endParaRPr lang="en-US" altLang="zh-CN" dirty="0"/>
-          </a:p>
-          <a:p>
-            <a:pPr marL="0" indent="0">
-              <a:buNone/>
-            </a:pPr>
-            <a:endParaRPr lang="en-US" altLang="zh-CN" dirty="0"/>
-          </a:p>
-          <a:p>
-            <a:pPr marL="0" indent="0">
-              <a:buNone/>
-            </a:pPr>
-            <a:endParaRPr lang="en-US" altLang="zh-CN" dirty="0"/>
-          </a:p>
-          <a:p>
-            <a:pPr marL="0" indent="0">
-              <a:buNone/>
-            </a:pPr>
-            <a:endParaRPr lang="en-US" altLang="zh-CN" dirty="0"/>
-          </a:p>
-          <a:p>
-            <a:pPr marL="0" indent="0">
-              <a:buNone/>
-            </a:pPr>
-            <a:endParaRPr lang="zh-CN" altLang="en-US" dirty="0"/>
-          </a:p>
-        </p:txBody>
-      </p:sp>
-      <p:pic>
-        <p:nvPicPr>
-          <p:cNvPr id="4" name="图片 3">
-            <a:extLst>
-              <a:ext uri="{FF2B5EF4-FFF2-40B4-BE49-F238E27FC236}">
-                <a16:creationId xmlns:a16="http://schemas.microsoft.com/office/drawing/2014/main" id="{7431201E-330F-49F6-B92C-C97C6906CCFC}"/>
-              </a:ext>
-            </a:extLst>
-          </p:cNvPr>
-          <p:cNvPicPr>
-            <a:picLocks noChangeAspect="1"/>
-          </p:cNvPicPr>
-          <p:nvPr/>
-        </p:nvPicPr>
-        <p:blipFill>
-          <a:blip r:embed="rId2"/>
-          <a:stretch>
-            <a:fillRect/>
-          </a:stretch>
-        </p:blipFill>
-        <p:spPr>
-          <a:xfrm>
-            <a:off x="379142" y="3609473"/>
-            <a:ext cx="11433715" cy="3056021"/>
-          </a:xfrm>
-          <a:prstGeom prst="rect">
-            <a:avLst/>
-          </a:prstGeom>
-        </p:spPr>
-      </p:pic>
-    </p:spTree>
-    <p:extLst>
-      <p:ext uri="{BB962C8B-B14F-4D97-AF65-F5344CB8AC3E}">
-        <p14:creationId xmlns:p14="http://schemas.microsoft.com/office/powerpoint/2010/main" val="110115214"/>
-      </p:ext>
-    </p:extLst>
-  </p:cSld>
-  <p:clrMapOvr>
-    <a:masterClrMapping/>
-  </p:clrMapOvr>
-</p:sld>
-</file>
-
-<file path=ppt/slides/slide25.xml><?xml version="1.0" encoding="utf-8"?>
-<p:sld xmlns:a="http://schemas.openxmlformats.org/drawingml/2006/main" xmlns:r="http://schemas.openxmlformats.org/officeDocument/2006/relationships" xmlns:p="http://schemas.openxmlformats.org/presentationml/2006/main">
-  <p:cSld>
-    <p:spTree>
-      <p:nvGrpSpPr>
-        <p:cNvPr id="1" name=""/>
-        <p:cNvGrpSpPr/>
-        <p:nvPr/>
-      </p:nvGrpSpPr>
-      <p:grpSpPr>
-        <a:xfrm>
-          <a:off x="0" y="0"/>
-          <a:ext cx="0" cy="0"/>
-          <a:chOff x="0" y="0"/>
-          <a:chExt cx="0" cy="0"/>
-        </a:xfrm>
-      </p:grpSpPr>
-      <p:sp>
-        <p:nvSpPr>
-          <p:cNvPr id="2" name="标题 1">
-            <a:extLst>
-              <a:ext uri="{FF2B5EF4-FFF2-40B4-BE49-F238E27FC236}">
                 <a16:creationId xmlns:a16="http://schemas.microsoft.com/office/drawing/2014/main" id="{9BAB7FC5-4C48-4BA3-8E5E-659D0575DD65}"/>
               </a:ext>
             </a:extLst>
@@ -10911,7 +10913,7 @@
         </p:nvSpPr>
         <p:spPr>
           <a:xfrm>
-            <a:off x="1141413" y="609600"/>
+            <a:off x="1141413" y="184485"/>
             <a:ext cx="9905998" cy="866274"/>
           </a:xfrm>
         </p:spPr>
@@ -10948,8 +10950,8 @@
         </p:nvSpPr>
         <p:spPr>
           <a:xfrm>
-            <a:off x="1141413" y="1475874"/>
-            <a:ext cx="9905998" cy="5197641"/>
+            <a:off x="1141413" y="1050759"/>
+            <a:ext cx="9905998" cy="5622756"/>
           </a:xfrm>
         </p:spPr>
         <p:txBody>
@@ -10960,254 +10962,304 @@
               <a:buNone/>
             </a:pPr>
             <a:r>
-              <a:rPr lang="en-US" altLang="zh-CN" dirty="0"/>
+              <a:rPr lang="en-US" altLang="zh-CN" b="1" dirty="0"/>
               <a:t>	ACK </a:t>
             </a:r>
             <a:r>
-              <a:rPr lang="zh-CN" altLang="en-US" dirty="0"/>
+              <a:rPr lang="zh-CN" altLang="en-US" b="1" dirty="0"/>
               <a:t>段用来确认是否正常接收。由</a:t>
             </a:r>
             <a:r>
-              <a:rPr lang="en-US" altLang="zh-CN" dirty="0"/>
+              <a:rPr lang="en-US" altLang="zh-CN" b="1" dirty="0"/>
               <a:t>ACK </a:t>
             </a:r>
             <a:r>
-              <a:rPr lang="zh-CN" altLang="en-US" dirty="0"/>
+              <a:rPr lang="zh-CN" altLang="en-US" b="1" dirty="0"/>
               <a:t>槽</a:t>
             </a:r>
             <a:r>
-              <a:rPr lang="en-US" altLang="zh-CN" dirty="0"/>
+              <a:rPr lang="en-US" altLang="zh-CN" b="1" dirty="0"/>
               <a:t>(ACK Slot)</a:t>
             </a:r>
             <a:r>
-              <a:rPr lang="zh-CN" altLang="en-US" dirty="0"/>
+              <a:rPr lang="zh-CN" altLang="en-US" b="1" dirty="0"/>
               <a:t>和</a:t>
             </a:r>
             <a:r>
-              <a:rPr lang="en-US" altLang="zh-CN" dirty="0"/>
+              <a:rPr lang="en-US" altLang="zh-CN" b="1" dirty="0"/>
               <a:t>ACK </a:t>
             </a:r>
             <a:r>
-              <a:rPr lang="zh-CN" altLang="en-US" dirty="0"/>
+              <a:rPr lang="zh-CN" altLang="en-US" b="1" dirty="0"/>
               <a:t>界定符</a:t>
             </a:r>
             <a:r>
-              <a:rPr lang="en-US" altLang="zh-CN" dirty="0"/>
+              <a:rPr lang="en-US" altLang="zh-CN" b="1" dirty="0"/>
               <a:t>2 </a:t>
             </a:r>
             <a:r>
-              <a:rPr lang="zh-CN" altLang="en-US" dirty="0"/>
+              <a:rPr lang="zh-CN" altLang="en-US" b="1" dirty="0"/>
               <a:t>个位构成。</a:t>
             </a:r>
-            <a:endParaRPr lang="en-US" altLang="zh-CN" dirty="0"/>
+            <a:endParaRPr lang="en-US" altLang="zh-CN" b="1" dirty="0"/>
           </a:p>
           <a:p>
             <a:pPr marL="0" indent="0">
               <a:buNone/>
             </a:pPr>
             <a:r>
-              <a:rPr lang="en-US" altLang="zh-CN" dirty="0"/>
+              <a:rPr lang="en-US" altLang="zh-CN" b="1" dirty="0"/>
               <a:t>【</a:t>
             </a:r>
             <a:r>
-              <a:rPr lang="zh-CN" altLang="en-US" dirty="0"/>
+              <a:rPr lang="zh-CN" altLang="en-US" b="1" dirty="0"/>
               <a:t>注</a:t>
             </a:r>
             <a:r>
-              <a:rPr lang="en-US" altLang="zh-CN" dirty="0"/>
+              <a:rPr lang="en-US" altLang="zh-CN" b="1" dirty="0"/>
               <a:t>】 </a:t>
             </a:r>
             <a:r>
-              <a:rPr lang="zh-CN" altLang="en-US" dirty="0"/>
+              <a:rPr lang="zh-CN" altLang="en-US" b="1" dirty="0"/>
               <a:t>*</a:t>
             </a:r>
             <a:r>
-              <a:rPr lang="en-US" altLang="zh-CN" dirty="0"/>
+              <a:rPr lang="en-US" altLang="zh-CN" b="1" dirty="0"/>
               <a:t>1 </a:t>
             </a:r>
             <a:r>
-              <a:rPr lang="zh-CN" altLang="en-US" dirty="0"/>
+              <a:rPr lang="zh-CN" altLang="en-US" b="1" dirty="0"/>
               <a:t>发送单元的</a:t>
             </a:r>
             <a:r>
-              <a:rPr lang="en-US" altLang="zh-CN" dirty="0"/>
+              <a:rPr lang="en-US" altLang="zh-CN" b="1" dirty="0"/>
               <a:t>ACK </a:t>
             </a:r>
             <a:r>
-              <a:rPr lang="zh-CN" altLang="en-US" dirty="0"/>
+              <a:rPr lang="zh-CN" altLang="en-US" b="1" dirty="0"/>
               <a:t>段</a:t>
             </a:r>
+            <a:r>
+              <a:rPr lang="en-US" altLang="zh-CN" b="1" dirty="0"/>
+              <a:t>	</a:t>
+            </a:r>
+            <a:r>
+              <a:rPr lang="zh-CN" altLang="en-US" b="1" dirty="0"/>
+              <a:t>发送</a:t>
+            </a:r>
+            <a:r>
+              <a:rPr lang="en-US" altLang="zh-CN" b="1" dirty="0"/>
+              <a:t>2 </a:t>
+            </a:r>
+            <a:r>
+              <a:rPr lang="zh-CN" altLang="en-US" b="1" dirty="0"/>
+              <a:t>个位的隐性位。</a:t>
+            </a:r>
           </a:p>
           <a:p>
             <a:pPr marL="0" indent="0">
               <a:buNone/>
             </a:pPr>
             <a:r>
-              <a:rPr lang="en-US" altLang="zh-CN" dirty="0"/>
+              <a:rPr lang="en-US" altLang="zh-CN" b="1" dirty="0"/>
+              <a:t>		</a:t>
+            </a:r>
+            <a:r>
+              <a:rPr lang="zh-CN" altLang="en-US" b="1" dirty="0"/>
+              <a:t>*</a:t>
+            </a:r>
+            <a:r>
+              <a:rPr lang="en-US" altLang="zh-CN" b="1" dirty="0"/>
+              <a:t>2 </a:t>
+            </a:r>
+            <a:r>
+              <a:rPr lang="zh-CN" altLang="en-US" b="1" dirty="0"/>
+              <a:t>接收单元的</a:t>
+            </a:r>
+            <a:r>
+              <a:rPr lang="en-US" altLang="zh-CN" b="1" dirty="0"/>
+              <a:t>ACK </a:t>
+            </a:r>
+            <a:r>
+              <a:rPr lang="zh-CN" altLang="en-US" b="1" dirty="0"/>
+              <a:t>段</a:t>
+            </a:r>
+            <a:r>
+              <a:rPr lang="en-US" altLang="zh-CN" b="1" dirty="0"/>
               <a:t>	</a:t>
             </a:r>
             <a:r>
-              <a:rPr lang="zh-CN" altLang="en-US" dirty="0"/>
-              <a:t>发送单元在 </a:t>
-            </a:r>
-            <a:r>
-              <a:rPr lang="en-US" altLang="zh-CN" dirty="0"/>
+              <a:rPr lang="zh-CN" altLang="en-US" b="1" dirty="0"/>
+              <a:t>接收到正确消息的单元在</a:t>
+            </a:r>
+            <a:r>
+              <a:rPr lang="en-US" altLang="zh-CN" b="1" dirty="0"/>
               <a:t>ACK </a:t>
             </a:r>
             <a:r>
-              <a:rPr lang="zh-CN" altLang="en-US" dirty="0"/>
-              <a:t>段发送</a:t>
-            </a:r>
-            <a:r>
-              <a:rPr lang="en-US" altLang="zh-CN" dirty="0"/>
-              <a:t>2 </a:t>
-            </a:r>
-            <a:r>
-              <a:rPr lang="zh-CN" altLang="en-US" dirty="0"/>
-              <a:t>个位的隐性位。</a:t>
-            </a:r>
+              <a:rPr lang="zh-CN" altLang="en-US" b="1" dirty="0"/>
+              <a:t>槽</a:t>
+            </a:r>
+            <a:r>
+              <a:rPr lang="en-US" altLang="zh-CN" b="1" dirty="0"/>
+              <a:t>(ACK Slot)</a:t>
+            </a:r>
+            <a:r>
+              <a:rPr lang="zh-CN" altLang="en-US" b="1" dirty="0"/>
+              <a:t>发送显性位，通知发送单元正常接收结束。这称作“发送</a:t>
+            </a:r>
+            <a:r>
+              <a:rPr lang="en-US" altLang="zh-CN" b="1" dirty="0"/>
+              <a:t>ACK”</a:t>
+            </a:r>
+            <a:r>
+              <a:rPr lang="zh-CN" altLang="en-US" b="1" dirty="0"/>
+              <a:t>或者“返回</a:t>
+            </a:r>
+            <a:r>
+              <a:rPr lang="en-US" altLang="zh-CN" b="1" dirty="0"/>
+              <a:t>ACK”</a:t>
+            </a:r>
+            <a:r>
+              <a:rPr lang="zh-CN" altLang="en-US" b="1" dirty="0"/>
+              <a:t>。</a:t>
+            </a:r>
+            <a:endParaRPr lang="en-US" altLang="zh-CN" b="1" dirty="0"/>
           </a:p>
           <a:p>
             <a:pPr marL="0" indent="0">
               <a:buNone/>
             </a:pPr>
-            <a:r>
-              <a:rPr lang="en-US" altLang="zh-CN" dirty="0"/>
+            <a:endParaRPr lang="en-US" altLang="zh-CN" b="1" dirty="0"/>
+          </a:p>
+          <a:p>
+            <a:pPr marL="0" indent="0">
+              <a:buNone/>
+            </a:pPr>
+            <a:endParaRPr lang="en-US" altLang="zh-CN" b="1" dirty="0"/>
+          </a:p>
+          <a:p>
+            <a:pPr marL="0" indent="0">
+              <a:buNone/>
+            </a:pPr>
+            <a:endParaRPr lang="en-US" altLang="zh-CN" b="1" dirty="0"/>
+          </a:p>
+          <a:p>
+            <a:pPr marL="0" indent="0">
+              <a:buNone/>
+            </a:pPr>
+            <a:endParaRPr lang="en-US" altLang="zh-CN" b="1" dirty="0"/>
+          </a:p>
+          <a:p>
+            <a:pPr marL="0" indent="0">
+              <a:buNone/>
+            </a:pPr>
+            <a:endParaRPr lang="en-US" altLang="zh-CN" b="1" dirty="0"/>
+          </a:p>
+          <a:p>
+            <a:pPr marL="0" indent="0">
+              <a:buNone/>
+            </a:pPr>
+            <a:r>
+              <a:rPr lang="en-US" altLang="zh-CN" b="1" dirty="0"/>
               <a:t>	</a:t>
             </a:r>
             <a:r>
-              <a:rPr lang="zh-CN" altLang="en-US" dirty="0"/>
-              <a:t>*</a:t>
-            </a:r>
-            <a:r>
-              <a:rPr lang="en-US" altLang="zh-CN" dirty="0"/>
-              <a:t>2 </a:t>
-            </a:r>
-            <a:r>
-              <a:rPr lang="zh-CN" altLang="en-US" dirty="0"/>
-              <a:t>接收单元的</a:t>
-            </a:r>
-            <a:r>
-              <a:rPr lang="en-US" altLang="zh-CN" dirty="0"/>
+              <a:rPr lang="zh-CN" altLang="en-US" b="1" dirty="0"/>
+              <a:t>发送</a:t>
+            </a:r>
+            <a:r>
+              <a:rPr lang="en-US" altLang="zh-CN" b="1" dirty="0"/>
               <a:t>ACK </a:t>
             </a:r>
             <a:r>
-              <a:rPr lang="zh-CN" altLang="en-US" dirty="0"/>
-              <a:t>段</a:t>
-            </a:r>
+              <a:rPr lang="zh-CN" altLang="en-US" b="1" dirty="0"/>
+              <a:t>的是在既不处于总线关闭态也不处于休眠态的所有接收单元中，接收到正常消息的单元（发送单元不发送</a:t>
+            </a:r>
+            <a:r>
+              <a:rPr lang="en-US" altLang="zh-CN" b="1" dirty="0"/>
+              <a:t>ACK</a:t>
+            </a:r>
+            <a:r>
+              <a:rPr lang="zh-CN" altLang="en-US" b="1" dirty="0"/>
+              <a:t>）。所谓正常消息是指不含填充错误、格式错误、</a:t>
+            </a:r>
+            <a:r>
+              <a:rPr lang="en-US" altLang="zh-CN" b="1" dirty="0"/>
+              <a:t>CRC </a:t>
+            </a:r>
+            <a:r>
+              <a:rPr lang="zh-CN" altLang="en-US" b="1" dirty="0"/>
+              <a:t>错误的消息。</a:t>
+            </a:r>
+            <a:endParaRPr lang="en-US" altLang="zh-CN" b="1" dirty="0"/>
           </a:p>
           <a:p>
             <a:pPr marL="0" indent="0">
               <a:buNone/>
             </a:pPr>
-            <a:r>
-              <a:rPr lang="en-US" altLang="zh-CN" dirty="0"/>
-              <a:t>	</a:t>
-            </a:r>
-            <a:r>
-              <a:rPr lang="zh-CN" altLang="en-US" dirty="0"/>
-              <a:t>接收到正确消息的单元在</a:t>
-            </a:r>
-            <a:r>
-              <a:rPr lang="en-US" altLang="zh-CN" dirty="0"/>
-              <a:t>ACK </a:t>
-            </a:r>
-            <a:r>
-              <a:rPr lang="zh-CN" altLang="en-US" dirty="0"/>
-              <a:t>槽</a:t>
-            </a:r>
-            <a:r>
-              <a:rPr lang="en-US" altLang="zh-CN" dirty="0"/>
-              <a:t>(ACK Slot)</a:t>
-            </a:r>
-            <a:r>
-              <a:rPr lang="zh-CN" altLang="en-US" dirty="0"/>
-              <a:t>发送显性位，通知发送单元正常接收结束。这称作“发送</a:t>
-            </a:r>
-            <a:r>
-              <a:rPr lang="en-US" altLang="zh-CN" dirty="0"/>
-              <a:t>ACK”</a:t>
-            </a:r>
-            <a:r>
-              <a:rPr lang="zh-CN" altLang="en-US" dirty="0"/>
-              <a:t>或者“返回</a:t>
-            </a:r>
-            <a:r>
-              <a:rPr lang="en-US" altLang="zh-CN" dirty="0"/>
-              <a:t>ACK”</a:t>
-            </a:r>
-            <a:r>
-              <a:rPr lang="zh-CN" altLang="en-US" dirty="0"/>
-              <a:t>。</a:t>
-            </a:r>
-            <a:endParaRPr lang="en-US" altLang="zh-CN" dirty="0"/>
-          </a:p>
-          <a:p>
-            <a:pPr marL="0" indent="0">
-              <a:buNone/>
-            </a:pPr>
-            <a:endParaRPr lang="en-US" altLang="zh-CN" dirty="0"/>
-          </a:p>
-          <a:p>
-            <a:pPr marL="0" indent="0">
-              <a:buNone/>
-            </a:pPr>
-            <a:endParaRPr lang="en-US" altLang="zh-CN" dirty="0"/>
-          </a:p>
-          <a:p>
-            <a:pPr marL="0" indent="0">
-              <a:buNone/>
-            </a:pPr>
-            <a:endParaRPr lang="en-US" altLang="zh-CN" dirty="0"/>
-          </a:p>
-          <a:p>
-            <a:pPr marL="0" indent="0">
-              <a:buNone/>
-            </a:pPr>
-            <a:endParaRPr lang="en-US" altLang="zh-CN" dirty="0"/>
-          </a:p>
-          <a:p>
-            <a:pPr marL="0" indent="0">
-              <a:buNone/>
-            </a:pPr>
-            <a:endParaRPr lang="en-US" altLang="zh-CN" dirty="0"/>
-          </a:p>
-          <a:p>
-            <a:pPr marL="0" indent="0">
-              <a:buNone/>
-            </a:pPr>
-            <a:endParaRPr lang="en-US" altLang="zh-CN" dirty="0"/>
+            <a:endParaRPr lang="en-US" altLang="zh-CN" b="1" dirty="0"/>
           </a:p>
         </p:txBody>
       </p:sp>
       <p:pic>
         <p:nvPicPr>
-          <p:cNvPr id="4" name="图片 3">
+          <p:cNvPr id="5" name="Picture 2">
             <a:extLst>
               <a:ext uri="{FF2B5EF4-FFF2-40B4-BE49-F238E27FC236}">
-                <a16:creationId xmlns:a16="http://schemas.microsoft.com/office/drawing/2014/main" id="{27700A0C-BBAE-475D-97AD-655558C82B01}"/>
+                <a16:creationId xmlns:a16="http://schemas.microsoft.com/office/drawing/2014/main" id="{9B11CF0C-91E6-4CDD-BF5E-2E8A9F0C0A4A}"/>
               </a:ext>
             </a:extLst>
           </p:cNvPr>
           <p:cNvPicPr>
-            <a:picLocks noChangeAspect="1"/>
+            <a:picLocks noChangeAspect="1" noChangeArrowheads="1"/>
           </p:cNvPicPr>
           <p:nvPr/>
         </p:nvPicPr>
         <p:blipFill>
-          <a:blip r:embed="rId2"/>
+          <a:blip r:embed="rId2">
+            <a:extLst>
+              <a:ext uri="{28A0092B-C50C-407E-A947-70E740481C1C}">
+                <a14:useLocalDpi xmlns:a14="http://schemas.microsoft.com/office/drawing/2010/main" val="0"/>
+              </a:ext>
+            </a:extLst>
+          </a:blip>
+          <a:srcRect/>
           <a:stretch>
             <a:fillRect/>
           </a:stretch>
         </p:blipFill>
-        <p:spPr>
+        <p:spPr bwMode="auto">
           <a:xfrm>
-            <a:off x="1748883" y="4049925"/>
-            <a:ext cx="8694233" cy="2808075"/>
+            <a:off x="1141413" y="2942656"/>
+            <a:ext cx="9905997" cy="1838961"/>
           </a:xfrm>
           <a:prstGeom prst="rect">
             <a:avLst/>
           </a:prstGeom>
+          <a:noFill/>
+          <a:ln>
+            <a:noFill/>
+          </a:ln>
+          <a:extLst>
+            <a:ext uri="{909E8E84-426E-40DD-AFC4-6F175D3DCCD1}">
+              <a14:hiddenFill xmlns:a14="http://schemas.microsoft.com/office/drawing/2010/main">
+                <a:solidFill>
+                  <a:schemeClr val="accent1"/>
+                </a:solidFill>
+              </a14:hiddenFill>
+            </a:ext>
+            <a:ext uri="{91240B29-F687-4F45-9708-019B960494DF}">
+              <a14:hiddenLine xmlns:a14="http://schemas.microsoft.com/office/drawing/2010/main" w="9525">
+                <a:solidFill>
+                  <a:schemeClr val="tx1"/>
+                </a:solidFill>
+                <a:miter lim="800000"/>
+                <a:headEnd/>
+                <a:tailEnd/>
+              </a14:hiddenLine>
+            </a:ext>
+          </a:extLst>
         </p:spPr>
       </p:pic>
     </p:spTree>
@@ -11223,141 +11275,7 @@
 </p:sld>
 </file>
 
-<file path=ppt/slides/slide26.xml><?xml version="1.0" encoding="utf-8"?>
-<p:sld xmlns:a="http://schemas.openxmlformats.org/drawingml/2006/main" xmlns:r="http://schemas.openxmlformats.org/officeDocument/2006/relationships" xmlns:p="http://schemas.openxmlformats.org/presentationml/2006/main">
-  <p:cSld>
-    <p:spTree>
-      <p:nvGrpSpPr>
-        <p:cNvPr id="1" name=""/>
-        <p:cNvGrpSpPr/>
-        <p:nvPr/>
-      </p:nvGrpSpPr>
-      <p:grpSpPr>
-        <a:xfrm>
-          <a:off x="0" y="0"/>
-          <a:ext cx="0" cy="0"/>
-          <a:chOff x="0" y="0"/>
-          <a:chExt cx="0" cy="0"/>
-        </a:xfrm>
-      </p:grpSpPr>
-      <p:sp>
-        <p:nvSpPr>
-          <p:cNvPr id="2" name="标题 1">
-            <a:extLst>
-              <a:ext uri="{FF2B5EF4-FFF2-40B4-BE49-F238E27FC236}">
-                <a16:creationId xmlns:a16="http://schemas.microsoft.com/office/drawing/2014/main" id="{3B5105C7-538D-4484-8FB0-A118FE04F87D}"/>
-              </a:ext>
-            </a:extLst>
-          </p:cNvPr>
-          <p:cNvSpPr>
-            <a:spLocks noGrp="1"/>
-          </p:cNvSpPr>
-          <p:nvPr>
-            <p:ph type="title"/>
-          </p:nvPr>
-        </p:nvSpPr>
-        <p:spPr>
-          <a:xfrm>
-            <a:off x="1141413" y="609600"/>
-            <a:ext cx="9905998" cy="802105"/>
-          </a:xfrm>
-        </p:spPr>
-        <p:txBody>
-          <a:bodyPr/>
-          <a:lstStyle/>
-          <a:p>
-            <a:r>
-              <a:rPr lang="zh-CN" altLang="en-US" dirty="0"/>
-              <a:t>发送</a:t>
-            </a:r>
-            <a:r>
-              <a:rPr lang="en-US" altLang="zh-CN" dirty="0"/>
-              <a:t>ACK</a:t>
-            </a:r>
-            <a:endParaRPr lang="zh-CN" altLang="en-US" dirty="0"/>
-          </a:p>
-        </p:txBody>
-      </p:sp>
-      <p:sp>
-        <p:nvSpPr>
-          <p:cNvPr id="3" name="内容占位符 2">
-            <a:extLst>
-              <a:ext uri="{FF2B5EF4-FFF2-40B4-BE49-F238E27FC236}">
-                <a16:creationId xmlns:a16="http://schemas.microsoft.com/office/drawing/2014/main" id="{B2E309F8-7740-4E96-A8CE-EFEF16044EB8}"/>
-              </a:ext>
-            </a:extLst>
-          </p:cNvPr>
-          <p:cNvSpPr>
-            <a:spLocks noGrp="1"/>
-          </p:cNvSpPr>
-          <p:nvPr>
-            <p:ph idx="1"/>
-          </p:nvPr>
-        </p:nvSpPr>
-        <p:spPr>
-          <a:xfrm>
-            <a:off x="1141413" y="1411705"/>
-            <a:ext cx="9905998" cy="5446295"/>
-          </a:xfrm>
-        </p:spPr>
-        <p:txBody>
-          <a:bodyPr>
-            <a:normAutofit/>
-          </a:bodyPr>
-          <a:lstStyle/>
-          <a:p>
-            <a:pPr marL="0" indent="0">
-              <a:buNone/>
-            </a:pPr>
-            <a:r>
-              <a:rPr lang="en-US" altLang="zh-CN" sz="2800" b="1" dirty="0"/>
-              <a:t>	</a:t>
-            </a:r>
-            <a:r>
-              <a:rPr lang="zh-CN" altLang="en-US" sz="2800" b="1" dirty="0"/>
-              <a:t>发送</a:t>
-            </a:r>
-            <a:r>
-              <a:rPr lang="en-US" altLang="zh-CN" sz="2800" b="1" dirty="0"/>
-              <a:t>ACK </a:t>
-            </a:r>
-            <a:r>
-              <a:rPr lang="zh-CN" altLang="en-US" sz="2800" b="1" dirty="0"/>
-              <a:t>的是在既不处于总线关闭态也不处于休眠态的所有接收单元中，接收到正常消息的单元（发送单元不发送</a:t>
-            </a:r>
-            <a:r>
-              <a:rPr lang="en-US" altLang="zh-CN" sz="2800" b="1" dirty="0"/>
-              <a:t>ACK</a:t>
-            </a:r>
-            <a:r>
-              <a:rPr lang="zh-CN" altLang="en-US" sz="2800" b="1" dirty="0"/>
-              <a:t>）。所谓正常消息是指不含填充错误、格式错误、</a:t>
-            </a:r>
-            <a:r>
-              <a:rPr lang="en-US" altLang="zh-CN" sz="2800" b="1" dirty="0"/>
-              <a:t>CRC </a:t>
-            </a:r>
-            <a:r>
-              <a:rPr lang="zh-CN" altLang="en-US" sz="2800" b="1" dirty="0"/>
-              <a:t>错误的消息。</a:t>
-            </a:r>
-          </a:p>
-        </p:txBody>
-      </p:sp>
-    </p:spTree>
-    <p:extLst>
-      <p:ext uri="{BB962C8B-B14F-4D97-AF65-F5344CB8AC3E}">
-        <p14:creationId xmlns:p14="http://schemas.microsoft.com/office/powerpoint/2010/main" val="117138444"/>
-      </p:ext>
-    </p:extLst>
-  </p:cSld>
-  <p:clrMapOvr>
-    <a:masterClrMapping/>
-  </p:clrMapOvr>
-</p:sld>
-</file>
-
-<file path=ppt/slides/slide27.xml><?xml version="1.0" encoding="utf-8"?>
+<file path=ppt/slides/slide25.xml><?xml version="1.0" encoding="utf-8"?>
 <p:sld xmlns:a="http://schemas.openxmlformats.org/drawingml/2006/main" xmlns:r="http://schemas.openxmlformats.org/officeDocument/2006/relationships" xmlns:p="http://schemas.openxmlformats.org/presentationml/2006/main">
   <p:cSld>
     <p:spTree>
@@ -11522,8 +11440,8 @@
         </p:blipFill>
         <p:spPr>
           <a:xfrm>
-            <a:off x="1141413" y="2846783"/>
-            <a:ext cx="10732857" cy="2800038"/>
+            <a:off x="1141413" y="2598822"/>
+            <a:ext cx="10732857" cy="2999873"/>
           </a:xfrm>
           <a:prstGeom prst="rect">
             <a:avLst/>
@@ -11543,7 +11461,7 @@
 </p:sld>
 </file>
 
-<file path=ppt/slides/slide28.xml><?xml version="1.0" encoding="utf-8"?>
+<file path=ppt/slides/slide26.xml><?xml version="1.0" encoding="utf-8"?>
 <p:sld xmlns:a="http://schemas.openxmlformats.org/drawingml/2006/main" xmlns:r="http://schemas.openxmlformats.org/officeDocument/2006/relationships" xmlns:p="http://schemas.openxmlformats.org/presentationml/2006/main">
   <p:cSld>
     <p:spTree>
@@ -11752,7 +11670,7 @@
 </p:sld>
 </file>
 
-<file path=ppt/slides/slide29.xml><?xml version="1.0" encoding="utf-8"?>
+<file path=ppt/slides/slide27.xml><?xml version="1.0" encoding="utf-8"?>
 <p:sld xmlns:a="http://schemas.openxmlformats.org/drawingml/2006/main" xmlns:r="http://schemas.openxmlformats.org/officeDocument/2006/relationships" xmlns:p="http://schemas.openxmlformats.org/presentationml/2006/main">
   <p:cSld>
     <p:spTree>
@@ -11814,6 +11732,1005 @@
 </p:sld>
 </file>
 
+<file path=ppt/slides/slide28.xml><?xml version="1.0" encoding="utf-8"?>
+<p:sld xmlns:a="http://schemas.openxmlformats.org/drawingml/2006/main" xmlns:r="http://schemas.openxmlformats.org/officeDocument/2006/relationships" xmlns:p="http://schemas.openxmlformats.org/presentationml/2006/main">
+  <p:cSld>
+    <p:spTree>
+      <p:nvGrpSpPr>
+        <p:cNvPr id="1" name=""/>
+        <p:cNvGrpSpPr/>
+        <p:nvPr/>
+      </p:nvGrpSpPr>
+      <p:grpSpPr>
+        <a:xfrm>
+          <a:off x="0" y="0"/>
+          <a:ext cx="0" cy="0"/>
+          <a:chOff x="0" y="0"/>
+          <a:chExt cx="0" cy="0"/>
+        </a:xfrm>
+      </p:grpSpPr>
+      <p:sp>
+        <p:nvSpPr>
+          <p:cNvPr id="2" name="标题 1">
+            <a:extLst>
+              <a:ext uri="{FF2B5EF4-FFF2-40B4-BE49-F238E27FC236}">
+                <a16:creationId xmlns:a16="http://schemas.microsoft.com/office/drawing/2014/main" id="{40230CE7-3CDB-46E9-8726-29ED5DA86800}"/>
+              </a:ext>
+            </a:extLst>
+          </p:cNvPr>
+          <p:cNvSpPr>
+            <a:spLocks noGrp="1"/>
+          </p:cNvSpPr>
+          <p:nvPr>
+            <p:ph type="title"/>
+          </p:nvPr>
+        </p:nvSpPr>
+        <p:spPr>
+          <a:xfrm>
+            <a:off x="1141413" y="609601"/>
+            <a:ext cx="9905998" cy="930442"/>
+          </a:xfrm>
+        </p:spPr>
+        <p:txBody>
+          <a:bodyPr/>
+          <a:lstStyle/>
+          <a:p>
+            <a:r>
+              <a:rPr lang="zh-CN" altLang="en-US" dirty="0"/>
+              <a:t>数据帧和遥控帧</a:t>
+            </a:r>
+          </a:p>
+        </p:txBody>
+      </p:sp>
+      <p:sp>
+        <p:nvSpPr>
+          <p:cNvPr id="3" name="内容占位符 2">
+            <a:extLst>
+              <a:ext uri="{FF2B5EF4-FFF2-40B4-BE49-F238E27FC236}">
+                <a16:creationId xmlns:a16="http://schemas.microsoft.com/office/drawing/2014/main" id="{21248A83-4915-4D79-9BD4-F192C5565434}"/>
+              </a:ext>
+            </a:extLst>
+          </p:cNvPr>
+          <p:cNvSpPr>
+            <a:spLocks noGrp="1"/>
+          </p:cNvSpPr>
+          <p:nvPr>
+            <p:ph idx="1"/>
+          </p:nvPr>
+        </p:nvSpPr>
+        <p:spPr>
+          <a:xfrm>
+            <a:off x="1141413" y="1540043"/>
+            <a:ext cx="9905998" cy="5317957"/>
+          </a:xfrm>
+        </p:spPr>
+        <p:txBody>
+          <a:bodyPr/>
+          <a:lstStyle/>
+          <a:p>
+            <a:pPr marL="0" indent="0">
+              <a:buNone/>
+            </a:pPr>
+            <a:r>
+              <a:rPr lang="zh-CN" altLang="en-US" sz="2800" dirty="0"/>
+              <a:t>数据帧和遥控帧的不同</a:t>
+            </a:r>
+            <a:endParaRPr lang="zh-CN" altLang="en-US" dirty="0"/>
+          </a:p>
+          <a:p>
+            <a:pPr marL="0" indent="0">
+              <a:buNone/>
+            </a:pPr>
+            <a:r>
+              <a:rPr lang="en-US" altLang="zh-CN" dirty="0"/>
+              <a:t>	</a:t>
+            </a:r>
+            <a:r>
+              <a:rPr lang="zh-CN" altLang="en-US" dirty="0"/>
+              <a:t>遥控帧的</a:t>
+            </a:r>
+            <a:r>
+              <a:rPr lang="en-US" altLang="zh-CN" dirty="0"/>
+              <a:t>RTR </a:t>
+            </a:r>
+            <a:r>
+              <a:rPr lang="zh-CN" altLang="en-US" dirty="0"/>
+              <a:t>位为隐性位，没有数据段。</a:t>
+            </a:r>
+          </a:p>
+          <a:p>
+            <a:pPr marL="0" indent="0">
+              <a:buNone/>
+            </a:pPr>
+            <a:r>
+              <a:rPr lang="en-US" altLang="zh-CN" dirty="0"/>
+              <a:t>	</a:t>
+            </a:r>
+            <a:r>
+              <a:rPr lang="zh-CN" altLang="en-US" i="1" dirty="0"/>
+              <a:t>没有数据段的数据帧和遥控帧可通过</a:t>
+            </a:r>
+            <a:r>
+              <a:rPr lang="en-US" altLang="zh-CN" i="1" dirty="0"/>
+              <a:t>RTR </a:t>
+            </a:r>
+            <a:r>
+              <a:rPr lang="zh-CN" altLang="en-US" i="1" dirty="0"/>
+              <a:t>位区别开来。</a:t>
+            </a:r>
+            <a:endParaRPr lang="en-US" altLang="zh-CN" i="1" dirty="0"/>
+          </a:p>
+          <a:p>
+            <a:pPr marL="0" indent="0">
+              <a:buNone/>
+            </a:pPr>
+            <a:endParaRPr lang="zh-CN" altLang="en-US" dirty="0"/>
+          </a:p>
+          <a:p>
+            <a:pPr marL="0" indent="0">
+              <a:buNone/>
+            </a:pPr>
+            <a:r>
+              <a:rPr lang="zh-CN" altLang="en-US" sz="2800" dirty="0"/>
+              <a:t>遥控帧没有数据段，数据长度码该如何表示？</a:t>
+            </a:r>
+          </a:p>
+          <a:p>
+            <a:pPr marL="0" indent="0">
+              <a:buNone/>
+            </a:pPr>
+            <a:r>
+              <a:rPr lang="en-US" altLang="zh-CN" dirty="0"/>
+              <a:t>	</a:t>
+            </a:r>
+            <a:r>
+              <a:rPr lang="zh-CN" altLang="en-US" dirty="0"/>
+              <a:t>遥控帧的数据长度码以所请求数据帧的数据长度码表示。</a:t>
+            </a:r>
+            <a:endParaRPr lang="en-US" altLang="zh-CN" dirty="0"/>
+          </a:p>
+          <a:p>
+            <a:pPr marL="0" indent="0">
+              <a:buNone/>
+            </a:pPr>
+            <a:endParaRPr lang="zh-CN" altLang="en-US" dirty="0"/>
+          </a:p>
+          <a:p>
+            <a:pPr marL="0" indent="0">
+              <a:buNone/>
+            </a:pPr>
+            <a:r>
+              <a:rPr lang="zh-CN" altLang="en-US" sz="2800" dirty="0"/>
+              <a:t>没有数据段的数据帧有何用途？</a:t>
+            </a:r>
+          </a:p>
+          <a:p>
+            <a:pPr marL="0" indent="0">
+              <a:buNone/>
+            </a:pPr>
+            <a:r>
+              <a:rPr lang="en-US" altLang="zh-CN" dirty="0"/>
+              <a:t>	</a:t>
+            </a:r>
+            <a:r>
+              <a:rPr lang="zh-CN" altLang="en-US" dirty="0"/>
+              <a:t>例如，可用于各单元的定期连接确认</a:t>
+            </a:r>
+            <a:r>
+              <a:rPr lang="en-US" altLang="zh-CN" dirty="0"/>
+              <a:t>/</a:t>
+            </a:r>
+            <a:r>
+              <a:rPr lang="zh-CN" altLang="en-US" dirty="0"/>
+              <a:t>应答、或仲裁段本身带有实质性信息的情况下。</a:t>
+            </a:r>
+          </a:p>
+        </p:txBody>
+      </p:sp>
+    </p:spTree>
+    <p:extLst>
+      <p:ext uri="{BB962C8B-B14F-4D97-AF65-F5344CB8AC3E}">
+        <p14:creationId xmlns:p14="http://schemas.microsoft.com/office/powerpoint/2010/main" val="3239248010"/>
+      </p:ext>
+    </p:extLst>
+  </p:cSld>
+  <p:clrMapOvr>
+    <a:masterClrMapping/>
+  </p:clrMapOvr>
+</p:sld>
+</file>
+
+<file path=ppt/slides/slide29.xml><?xml version="1.0" encoding="utf-8"?>
+<p:sld xmlns:a="http://schemas.openxmlformats.org/drawingml/2006/main" xmlns:r="http://schemas.openxmlformats.org/officeDocument/2006/relationships" xmlns:p="http://schemas.openxmlformats.org/presentationml/2006/main">
+  <p:cSld>
+    <p:spTree>
+      <p:nvGrpSpPr>
+        <p:cNvPr id="1" name=""/>
+        <p:cNvGrpSpPr/>
+        <p:nvPr/>
+      </p:nvGrpSpPr>
+      <p:grpSpPr>
+        <a:xfrm>
+          <a:off x="0" y="0"/>
+          <a:ext cx="0" cy="0"/>
+          <a:chOff x="0" y="0"/>
+          <a:chExt cx="0" cy="0"/>
+        </a:xfrm>
+      </p:grpSpPr>
+      <p:sp>
+        <p:nvSpPr>
+          <p:cNvPr id="2" name="标题 1">
+            <a:extLst>
+              <a:ext uri="{FF2B5EF4-FFF2-40B4-BE49-F238E27FC236}">
+                <a16:creationId xmlns:a16="http://schemas.microsoft.com/office/drawing/2014/main" id="{3A2592F6-0218-4CC2-9FA7-1D68B5DE4D81}"/>
+              </a:ext>
+            </a:extLst>
+          </p:cNvPr>
+          <p:cNvSpPr>
+            <a:spLocks noGrp="1"/>
+          </p:cNvSpPr>
+          <p:nvPr>
+            <p:ph type="title"/>
+          </p:nvPr>
+        </p:nvSpPr>
+        <p:spPr>
+          <a:xfrm>
+            <a:off x="1141413" y="609600"/>
+            <a:ext cx="9905998" cy="850232"/>
+          </a:xfrm>
+        </p:spPr>
+        <p:txBody>
+          <a:bodyPr/>
+          <a:lstStyle/>
+          <a:p>
+            <a:r>
+              <a:rPr lang="zh-CN" altLang="en-US" dirty="0"/>
+              <a:t>总线仲裁</a:t>
+            </a:r>
+          </a:p>
+        </p:txBody>
+      </p:sp>
+      <p:pic>
+        <p:nvPicPr>
+          <p:cNvPr id="4" name="Picture 3">
+            <a:extLst>
+              <a:ext uri="{FF2B5EF4-FFF2-40B4-BE49-F238E27FC236}">
+                <a16:creationId xmlns:a16="http://schemas.microsoft.com/office/drawing/2014/main" id="{7B8B024A-547E-4CB0-9D60-0B0152F17E76}"/>
+              </a:ext>
+            </a:extLst>
+          </p:cNvPr>
+          <p:cNvPicPr>
+            <a:picLocks noGrp="1" noChangeAspect="1" noChangeArrowheads="1"/>
+          </p:cNvPicPr>
+          <p:nvPr>
+            <p:ph idx="1"/>
+          </p:nvPr>
+        </p:nvPicPr>
+        <p:blipFill>
+          <a:blip r:embed="rId2">
+            <a:extLst>
+              <a:ext uri="{28A0092B-C50C-407E-A947-70E740481C1C}">
+                <a14:useLocalDpi xmlns:a14="http://schemas.microsoft.com/office/drawing/2010/main" val="0"/>
+              </a:ext>
+            </a:extLst>
+          </a:blip>
+          <a:srcRect/>
+          <a:stretch>
+            <a:fillRect/>
+          </a:stretch>
+        </p:blipFill>
+        <p:spPr bwMode="auto">
+          <a:xfrm>
+            <a:off x="1141413" y="1421741"/>
+            <a:ext cx="9905998" cy="2745406"/>
+          </a:xfrm>
+          <a:prstGeom prst="rect">
+            <a:avLst/>
+          </a:prstGeom>
+          <a:noFill/>
+          <a:ln>
+            <a:noFill/>
+          </a:ln>
+          <a:extLst>
+            <a:ext uri="{909E8E84-426E-40DD-AFC4-6F175D3DCCD1}">
+              <a14:hiddenFill xmlns:a14="http://schemas.microsoft.com/office/drawing/2010/main">
+                <a:solidFill>
+                  <a:schemeClr val="accent1"/>
+                </a:solidFill>
+              </a14:hiddenFill>
+            </a:ext>
+            <a:ext uri="{91240B29-F687-4F45-9708-019B960494DF}">
+              <a14:hiddenLine xmlns:a14="http://schemas.microsoft.com/office/drawing/2010/main" w="9525">
+                <a:solidFill>
+                  <a:schemeClr val="tx1"/>
+                </a:solidFill>
+                <a:miter lim="800000"/>
+                <a:headEnd/>
+                <a:tailEnd/>
+              </a14:hiddenLine>
+            </a:ext>
+          </a:extLst>
+        </p:spPr>
+      </p:pic>
+      <p:sp>
+        <p:nvSpPr>
+          <p:cNvPr id="5" name="矩形 4">
+            <a:extLst>
+              <a:ext uri="{FF2B5EF4-FFF2-40B4-BE49-F238E27FC236}">
+                <a16:creationId xmlns:a16="http://schemas.microsoft.com/office/drawing/2014/main" id="{0085D93C-8495-46BB-BF40-D63413D6491A}"/>
+              </a:ext>
+            </a:extLst>
+          </p:cNvPr>
+          <p:cNvSpPr/>
+          <p:nvPr/>
+        </p:nvSpPr>
+        <p:spPr>
+          <a:xfrm>
+            <a:off x="1141412" y="4527095"/>
+            <a:ext cx="9905997" cy="1162434"/>
+          </a:xfrm>
+          <a:prstGeom prst="rect">
+            <a:avLst/>
+          </a:prstGeom>
+        </p:spPr>
+        <p:txBody>
+          <a:bodyPr wrap="square">
+            <a:spAutoFit/>
+          </a:bodyPr>
+          <a:lstStyle/>
+          <a:p>
+            <a:pPr>
+              <a:lnSpc>
+                <a:spcPct val="120000"/>
+              </a:lnSpc>
+              <a:spcBef>
+                <a:spcPct val="0"/>
+              </a:spcBef>
+            </a:pPr>
+            <a:r>
+              <a:rPr lang="zh-CN" altLang="en-US" sz="2000" cap="all" dirty="0">
+                <a:ln w="3175" cmpd="sng">
+                  <a:noFill/>
+                </a:ln>
+                <a:gradFill flip="none" rotWithShape="1">
+                  <a:gsLst>
+                    <a:gs pos="0">
+                      <a:schemeClr val="tx1"/>
+                    </a:gs>
+                    <a:gs pos="100000">
+                      <a:schemeClr val="tx1">
+                        <a:lumMod val="65000"/>
+                      </a:schemeClr>
+                    </a:gs>
+                  </a:gsLst>
+                  <a:lin ang="5580000" scaled="0"/>
+                  <a:tileRect/>
+                </a:gradFill>
+                <a:effectLst>
+                  <a:glow rad="38100">
+                    <a:schemeClr val="bg1">
+                      <a:lumMod val="65000"/>
+                      <a:lumOff val="35000"/>
+                      <a:alpha val="40000"/>
+                    </a:schemeClr>
+                  </a:glow>
+                  <a:outerShdw blurRad="28575" dist="38100" dir="14040000" algn="tl" rotWithShape="0">
+                    <a:srgbClr val="000000">
+                      <a:alpha val="25000"/>
+                    </a:srgbClr>
+                  </a:outerShdw>
+                </a:effectLst>
+                <a:latin typeface="+mj-lt"/>
+                <a:ea typeface="+mj-ea"/>
+                <a:cs typeface="+mj-cs"/>
+              </a:rPr>
+              <a:t>规律：</a:t>
+            </a:r>
+            <a:r>
+              <a:rPr lang="en-US" altLang="zh-CN" sz="2000" cap="all" dirty="0">
+                <a:ln w="3175" cmpd="sng">
+                  <a:noFill/>
+                </a:ln>
+                <a:gradFill flip="none" rotWithShape="1">
+                  <a:gsLst>
+                    <a:gs pos="0">
+                      <a:schemeClr val="tx1"/>
+                    </a:gs>
+                    <a:gs pos="100000">
+                      <a:schemeClr val="tx1">
+                        <a:lumMod val="65000"/>
+                      </a:schemeClr>
+                    </a:gs>
+                  </a:gsLst>
+                  <a:lin ang="5580000" scaled="0"/>
+                  <a:tileRect/>
+                </a:gradFill>
+                <a:effectLst>
+                  <a:glow rad="38100">
+                    <a:schemeClr val="bg1">
+                      <a:lumMod val="65000"/>
+                      <a:lumOff val="35000"/>
+                      <a:alpha val="40000"/>
+                    </a:schemeClr>
+                  </a:glow>
+                  <a:outerShdw blurRad="28575" dist="38100" dir="14040000" algn="tl" rotWithShape="0">
+                    <a:srgbClr val="000000">
+                      <a:alpha val="25000"/>
+                    </a:srgbClr>
+                  </a:outerShdw>
+                </a:effectLst>
+                <a:latin typeface="+mj-lt"/>
+                <a:ea typeface="+mj-ea"/>
+                <a:cs typeface="+mj-cs"/>
+              </a:rPr>
+              <a:t>1</a:t>
+            </a:r>
+            <a:r>
+              <a:rPr lang="zh-CN" altLang="en-US" sz="2000" cap="all" dirty="0">
+                <a:ln w="3175" cmpd="sng">
+                  <a:noFill/>
+                </a:ln>
+                <a:gradFill flip="none" rotWithShape="1">
+                  <a:gsLst>
+                    <a:gs pos="0">
+                      <a:schemeClr val="tx1"/>
+                    </a:gs>
+                    <a:gs pos="100000">
+                      <a:schemeClr val="tx1">
+                        <a:lumMod val="65000"/>
+                      </a:schemeClr>
+                    </a:gs>
+                  </a:gsLst>
+                  <a:lin ang="5580000" scaled="0"/>
+                  <a:tileRect/>
+                </a:gradFill>
+                <a:effectLst>
+                  <a:glow rad="38100">
+                    <a:schemeClr val="bg1">
+                      <a:lumMod val="65000"/>
+                      <a:lumOff val="35000"/>
+                      <a:alpha val="40000"/>
+                    </a:schemeClr>
+                  </a:glow>
+                  <a:outerShdw blurRad="28575" dist="38100" dir="14040000" algn="tl" rotWithShape="0">
+                    <a:srgbClr val="000000">
+                      <a:alpha val="25000"/>
+                    </a:srgbClr>
+                  </a:outerShdw>
+                </a:effectLst>
+                <a:latin typeface="+mj-lt"/>
+                <a:ea typeface="+mj-ea"/>
+                <a:cs typeface="+mj-cs"/>
+              </a:rPr>
+              <a:t>，总线空闲时，最先发送的单元获得发送优先权，一但发送，其他单元无法抢占。</a:t>
+            </a:r>
+            <a:r>
+              <a:rPr lang="en-US" altLang="zh-CN" sz="2000" cap="all" dirty="0">
+                <a:ln w="3175" cmpd="sng">
+                  <a:noFill/>
+                </a:ln>
+                <a:gradFill flip="none" rotWithShape="1">
+                  <a:gsLst>
+                    <a:gs pos="0">
+                      <a:schemeClr val="tx1"/>
+                    </a:gs>
+                    <a:gs pos="100000">
+                      <a:schemeClr val="tx1">
+                        <a:lumMod val="65000"/>
+                      </a:schemeClr>
+                    </a:gs>
+                  </a:gsLst>
+                  <a:lin ang="5580000" scaled="0"/>
+                  <a:tileRect/>
+                </a:gradFill>
+                <a:effectLst>
+                  <a:glow rad="38100">
+                    <a:schemeClr val="bg1">
+                      <a:lumMod val="65000"/>
+                      <a:lumOff val="35000"/>
+                      <a:alpha val="40000"/>
+                    </a:schemeClr>
+                  </a:glow>
+                  <a:outerShdw blurRad="28575" dist="38100" dir="14040000" algn="tl" rotWithShape="0">
+                    <a:srgbClr val="000000">
+                      <a:alpha val="25000"/>
+                    </a:srgbClr>
+                  </a:outerShdw>
+                </a:effectLst>
+                <a:latin typeface="+mj-lt"/>
+                <a:ea typeface="+mj-ea"/>
+                <a:cs typeface="+mj-cs"/>
+              </a:rPr>
+              <a:t>2</a:t>
+            </a:r>
+            <a:r>
+              <a:rPr lang="zh-CN" altLang="en-US" sz="2000" cap="all" dirty="0">
+                <a:ln w="3175" cmpd="sng">
+                  <a:noFill/>
+                </a:ln>
+                <a:gradFill flip="none" rotWithShape="1">
+                  <a:gsLst>
+                    <a:gs pos="0">
+                      <a:schemeClr val="tx1"/>
+                    </a:gs>
+                    <a:gs pos="100000">
+                      <a:schemeClr val="tx1">
+                        <a:lumMod val="65000"/>
+                      </a:schemeClr>
+                    </a:gs>
+                  </a:gsLst>
+                  <a:lin ang="5580000" scaled="0"/>
+                  <a:tileRect/>
+                </a:gradFill>
+                <a:effectLst>
+                  <a:glow rad="38100">
+                    <a:schemeClr val="bg1">
+                      <a:lumMod val="65000"/>
+                      <a:lumOff val="35000"/>
+                      <a:alpha val="40000"/>
+                    </a:schemeClr>
+                  </a:glow>
+                  <a:outerShdw blurRad="28575" dist="38100" dir="14040000" algn="tl" rotWithShape="0">
+                    <a:srgbClr val="000000">
+                      <a:alpha val="25000"/>
+                    </a:srgbClr>
+                  </a:outerShdw>
+                </a:effectLst>
+                <a:latin typeface="+mj-lt"/>
+                <a:ea typeface="+mj-ea"/>
+                <a:cs typeface="+mj-cs"/>
+              </a:rPr>
+              <a:t>，如果有多个单元同时发送，则连续输出显性电平多的单元，具有较高优先级。</a:t>
+            </a:r>
+            <a:endParaRPr lang="en-US" altLang="zh-CN" sz="2000" cap="all" dirty="0">
+              <a:ln w="3175" cmpd="sng">
+                <a:noFill/>
+              </a:ln>
+              <a:gradFill flip="none" rotWithShape="1">
+                <a:gsLst>
+                  <a:gs pos="0">
+                    <a:schemeClr val="tx1"/>
+                  </a:gs>
+                  <a:gs pos="100000">
+                    <a:schemeClr val="tx1">
+                      <a:lumMod val="65000"/>
+                    </a:schemeClr>
+                  </a:gs>
+                </a:gsLst>
+                <a:lin ang="5580000" scaled="0"/>
+                <a:tileRect/>
+              </a:gradFill>
+              <a:effectLst>
+                <a:glow rad="38100">
+                  <a:schemeClr val="bg1">
+                    <a:lumMod val="65000"/>
+                    <a:lumOff val="35000"/>
+                    <a:alpha val="40000"/>
+                  </a:schemeClr>
+                </a:glow>
+                <a:outerShdw blurRad="28575" dist="38100" dir="14040000" algn="tl" rotWithShape="0">
+                  <a:srgbClr val="000000">
+                    <a:alpha val="25000"/>
+                  </a:srgbClr>
+                </a:outerShdw>
+              </a:effectLst>
+              <a:latin typeface="+mj-lt"/>
+              <a:ea typeface="+mj-ea"/>
+              <a:cs typeface="+mj-cs"/>
+            </a:endParaRPr>
+          </a:p>
+          <a:p>
+            <a:pPr>
+              <a:lnSpc>
+                <a:spcPct val="120000"/>
+              </a:lnSpc>
+              <a:spcBef>
+                <a:spcPct val="0"/>
+              </a:spcBef>
+            </a:pPr>
+            <a:r>
+              <a:rPr lang="zh-CN" altLang="en-US" sz="2000" cap="all" dirty="0">
+                <a:ln w="3175" cmpd="sng">
+                  <a:noFill/>
+                </a:ln>
+                <a:gradFill flip="none" rotWithShape="1">
+                  <a:gsLst>
+                    <a:gs pos="0">
+                      <a:schemeClr val="tx1"/>
+                    </a:gs>
+                    <a:gs pos="100000">
+                      <a:schemeClr val="tx1">
+                        <a:lumMod val="65000"/>
+                      </a:schemeClr>
+                    </a:gs>
+                  </a:gsLst>
+                  <a:lin ang="5580000" scaled="0"/>
+                  <a:tileRect/>
+                </a:gradFill>
+                <a:effectLst>
+                  <a:glow rad="38100">
+                    <a:schemeClr val="bg1">
+                      <a:lumMod val="65000"/>
+                      <a:lumOff val="35000"/>
+                      <a:alpha val="40000"/>
+                    </a:schemeClr>
+                  </a:glow>
+                  <a:outerShdw blurRad="28575" dist="38100" dir="14040000" algn="tl" rotWithShape="0">
+                    <a:srgbClr val="000000">
+                      <a:alpha val="25000"/>
+                    </a:srgbClr>
+                  </a:outerShdw>
+                </a:effectLst>
+                <a:latin typeface="+mj-lt"/>
+                <a:ea typeface="+mj-ea"/>
+                <a:cs typeface="+mj-cs"/>
+              </a:rPr>
+              <a:t>从</a:t>
+            </a:r>
+            <a:r>
+              <a:rPr lang="en-US" altLang="zh-CN" sz="2000" cap="all" dirty="0">
+                <a:ln w="3175" cmpd="sng">
+                  <a:noFill/>
+                </a:ln>
+                <a:gradFill flip="none" rotWithShape="1">
+                  <a:gsLst>
+                    <a:gs pos="0">
+                      <a:schemeClr val="tx1"/>
+                    </a:gs>
+                    <a:gs pos="100000">
+                      <a:schemeClr val="tx1">
+                        <a:lumMod val="65000"/>
+                      </a:schemeClr>
+                    </a:gs>
+                  </a:gsLst>
+                  <a:lin ang="5580000" scaled="0"/>
+                  <a:tileRect/>
+                </a:gradFill>
+                <a:effectLst>
+                  <a:glow rad="38100">
+                    <a:schemeClr val="bg1">
+                      <a:lumMod val="65000"/>
+                      <a:lumOff val="35000"/>
+                      <a:alpha val="40000"/>
+                    </a:schemeClr>
+                  </a:glow>
+                  <a:outerShdw blurRad="28575" dist="38100" dir="14040000" algn="tl" rotWithShape="0">
+                    <a:srgbClr val="000000">
+                      <a:alpha val="25000"/>
+                    </a:srgbClr>
+                  </a:outerShdw>
+                </a:effectLst>
+                <a:latin typeface="+mj-lt"/>
+                <a:ea typeface="+mj-ea"/>
+                <a:cs typeface="+mj-cs"/>
+              </a:rPr>
+              <a:t>ID</a:t>
+            </a:r>
+            <a:r>
+              <a:rPr lang="zh-CN" altLang="en-US" sz="2000" cap="all" dirty="0">
+                <a:ln w="3175" cmpd="sng">
+                  <a:noFill/>
+                </a:ln>
+                <a:gradFill flip="none" rotWithShape="1">
+                  <a:gsLst>
+                    <a:gs pos="0">
+                      <a:schemeClr val="tx1"/>
+                    </a:gs>
+                    <a:gs pos="100000">
+                      <a:schemeClr val="tx1">
+                        <a:lumMod val="65000"/>
+                      </a:schemeClr>
+                    </a:gs>
+                  </a:gsLst>
+                  <a:lin ang="5580000" scaled="0"/>
+                  <a:tileRect/>
+                </a:gradFill>
+                <a:effectLst>
+                  <a:glow rad="38100">
+                    <a:schemeClr val="bg1">
+                      <a:lumMod val="65000"/>
+                      <a:lumOff val="35000"/>
+                      <a:alpha val="40000"/>
+                    </a:schemeClr>
+                  </a:glow>
+                  <a:outerShdw blurRad="28575" dist="38100" dir="14040000" algn="tl" rotWithShape="0">
+                    <a:srgbClr val="000000">
+                      <a:alpha val="25000"/>
+                    </a:srgbClr>
+                  </a:outerShdw>
+                </a:effectLst>
+                <a:latin typeface="+mj-lt"/>
+                <a:ea typeface="+mj-ea"/>
+                <a:cs typeface="+mj-cs"/>
+              </a:rPr>
+              <a:t>开始比较，如果</a:t>
+            </a:r>
+            <a:r>
+              <a:rPr lang="en-US" altLang="zh-CN" sz="2000" cap="all" dirty="0">
+                <a:ln w="3175" cmpd="sng">
+                  <a:noFill/>
+                </a:ln>
+                <a:gradFill flip="none" rotWithShape="1">
+                  <a:gsLst>
+                    <a:gs pos="0">
+                      <a:schemeClr val="tx1"/>
+                    </a:gs>
+                    <a:gs pos="100000">
+                      <a:schemeClr val="tx1">
+                        <a:lumMod val="65000"/>
+                      </a:schemeClr>
+                    </a:gs>
+                  </a:gsLst>
+                  <a:lin ang="5580000" scaled="0"/>
+                  <a:tileRect/>
+                </a:gradFill>
+                <a:effectLst>
+                  <a:glow rad="38100">
+                    <a:schemeClr val="bg1">
+                      <a:lumMod val="65000"/>
+                      <a:lumOff val="35000"/>
+                      <a:alpha val="40000"/>
+                    </a:schemeClr>
+                  </a:glow>
+                  <a:outerShdw blurRad="28575" dist="38100" dir="14040000" algn="tl" rotWithShape="0">
+                    <a:srgbClr val="000000">
+                      <a:alpha val="25000"/>
+                    </a:srgbClr>
+                  </a:outerShdw>
+                </a:effectLst>
+                <a:latin typeface="+mj-lt"/>
+                <a:ea typeface="+mj-ea"/>
+                <a:cs typeface="+mj-cs"/>
+              </a:rPr>
+              <a:t>ID</a:t>
+            </a:r>
+            <a:r>
+              <a:rPr lang="zh-CN" altLang="en-US" sz="2000" cap="all" dirty="0">
+                <a:ln w="3175" cmpd="sng">
+                  <a:noFill/>
+                </a:ln>
+                <a:gradFill flip="none" rotWithShape="1">
+                  <a:gsLst>
+                    <a:gs pos="0">
+                      <a:schemeClr val="tx1"/>
+                    </a:gs>
+                    <a:gs pos="100000">
+                      <a:schemeClr val="tx1">
+                        <a:lumMod val="65000"/>
+                      </a:schemeClr>
+                    </a:gs>
+                  </a:gsLst>
+                  <a:lin ang="5580000" scaled="0"/>
+                  <a:tileRect/>
+                </a:gradFill>
+                <a:effectLst>
+                  <a:glow rad="38100">
+                    <a:schemeClr val="bg1">
+                      <a:lumMod val="65000"/>
+                      <a:lumOff val="35000"/>
+                      <a:alpha val="40000"/>
+                    </a:schemeClr>
+                  </a:glow>
+                  <a:outerShdw blurRad="28575" dist="38100" dir="14040000" algn="tl" rotWithShape="0">
+                    <a:srgbClr val="000000">
+                      <a:alpha val="25000"/>
+                    </a:srgbClr>
+                  </a:outerShdw>
+                </a:effectLst>
+                <a:latin typeface="+mj-lt"/>
+                <a:ea typeface="+mj-ea"/>
+                <a:cs typeface="+mj-cs"/>
+              </a:rPr>
+              <a:t>相同，还可能会比较</a:t>
+            </a:r>
+            <a:r>
+              <a:rPr lang="en-US" altLang="zh-CN" sz="2000" cap="all" dirty="0">
+                <a:ln w="3175" cmpd="sng">
+                  <a:noFill/>
+                </a:ln>
+                <a:gradFill flip="none" rotWithShape="1">
+                  <a:gsLst>
+                    <a:gs pos="0">
+                      <a:schemeClr val="tx1"/>
+                    </a:gs>
+                    <a:gs pos="100000">
+                      <a:schemeClr val="tx1">
+                        <a:lumMod val="65000"/>
+                      </a:schemeClr>
+                    </a:gs>
+                  </a:gsLst>
+                  <a:lin ang="5580000" scaled="0"/>
+                  <a:tileRect/>
+                </a:gradFill>
+                <a:effectLst>
+                  <a:glow rad="38100">
+                    <a:schemeClr val="bg1">
+                      <a:lumMod val="65000"/>
+                      <a:lumOff val="35000"/>
+                      <a:alpha val="40000"/>
+                    </a:schemeClr>
+                  </a:glow>
+                  <a:outerShdw blurRad="28575" dist="38100" dir="14040000" algn="tl" rotWithShape="0">
+                    <a:srgbClr val="000000">
+                      <a:alpha val="25000"/>
+                    </a:srgbClr>
+                  </a:outerShdw>
+                </a:effectLst>
+                <a:latin typeface="+mj-lt"/>
+                <a:ea typeface="+mj-ea"/>
+                <a:cs typeface="+mj-cs"/>
+              </a:rPr>
+              <a:t>RTR</a:t>
+            </a:r>
+            <a:r>
+              <a:rPr lang="zh-CN" altLang="en-US" sz="2000" cap="all" dirty="0">
+                <a:ln w="3175" cmpd="sng">
+                  <a:noFill/>
+                </a:ln>
+                <a:gradFill flip="none" rotWithShape="1">
+                  <a:gsLst>
+                    <a:gs pos="0">
+                      <a:schemeClr val="tx1"/>
+                    </a:gs>
+                    <a:gs pos="100000">
+                      <a:schemeClr val="tx1">
+                        <a:lumMod val="65000"/>
+                      </a:schemeClr>
+                    </a:gs>
+                  </a:gsLst>
+                  <a:lin ang="5580000" scaled="0"/>
+                  <a:tileRect/>
+                </a:gradFill>
+                <a:effectLst>
+                  <a:glow rad="38100">
+                    <a:schemeClr val="bg1">
+                      <a:lumMod val="65000"/>
+                      <a:lumOff val="35000"/>
+                      <a:alpha val="40000"/>
+                    </a:schemeClr>
+                  </a:glow>
+                  <a:outerShdw blurRad="28575" dist="38100" dir="14040000" algn="tl" rotWithShape="0">
+                    <a:srgbClr val="000000">
+                      <a:alpha val="25000"/>
+                    </a:srgbClr>
+                  </a:outerShdw>
+                </a:effectLst>
+                <a:latin typeface="+mj-lt"/>
+                <a:ea typeface="+mj-ea"/>
+                <a:cs typeface="+mj-cs"/>
+              </a:rPr>
+              <a:t>和</a:t>
+            </a:r>
+            <a:r>
+              <a:rPr lang="en-US" altLang="zh-CN" sz="2000" cap="all" dirty="0">
+                <a:ln w="3175" cmpd="sng">
+                  <a:noFill/>
+                </a:ln>
+                <a:gradFill flip="none" rotWithShape="1">
+                  <a:gsLst>
+                    <a:gs pos="0">
+                      <a:schemeClr val="tx1"/>
+                    </a:gs>
+                    <a:gs pos="100000">
+                      <a:schemeClr val="tx1">
+                        <a:lumMod val="65000"/>
+                      </a:schemeClr>
+                    </a:gs>
+                  </a:gsLst>
+                  <a:lin ang="5580000" scaled="0"/>
+                  <a:tileRect/>
+                </a:gradFill>
+                <a:effectLst>
+                  <a:glow rad="38100">
+                    <a:schemeClr val="bg1">
+                      <a:lumMod val="65000"/>
+                      <a:lumOff val="35000"/>
+                      <a:alpha val="40000"/>
+                    </a:schemeClr>
+                  </a:glow>
+                  <a:outerShdw blurRad="28575" dist="38100" dir="14040000" algn="tl" rotWithShape="0">
+                    <a:srgbClr val="000000">
+                      <a:alpha val="25000"/>
+                    </a:srgbClr>
+                  </a:outerShdw>
+                </a:effectLst>
+                <a:latin typeface="+mj-lt"/>
+                <a:ea typeface="+mj-ea"/>
+                <a:cs typeface="+mj-cs"/>
+              </a:rPr>
+              <a:t>SRR</a:t>
+            </a:r>
+            <a:r>
+              <a:rPr lang="zh-CN" altLang="en-US" sz="2000" cap="all" dirty="0">
+                <a:ln w="3175" cmpd="sng">
+                  <a:noFill/>
+                </a:ln>
+                <a:gradFill flip="none" rotWithShape="1">
+                  <a:gsLst>
+                    <a:gs pos="0">
+                      <a:schemeClr val="tx1"/>
+                    </a:gs>
+                    <a:gs pos="100000">
+                      <a:schemeClr val="tx1">
+                        <a:lumMod val="65000"/>
+                      </a:schemeClr>
+                    </a:gs>
+                  </a:gsLst>
+                  <a:lin ang="5580000" scaled="0"/>
+                  <a:tileRect/>
+                </a:gradFill>
+                <a:effectLst>
+                  <a:glow rad="38100">
+                    <a:schemeClr val="bg1">
+                      <a:lumMod val="65000"/>
+                      <a:lumOff val="35000"/>
+                      <a:alpha val="40000"/>
+                    </a:schemeClr>
+                  </a:glow>
+                  <a:outerShdw blurRad="28575" dist="38100" dir="14040000" algn="tl" rotWithShape="0">
+                    <a:srgbClr val="000000">
+                      <a:alpha val="25000"/>
+                    </a:srgbClr>
+                  </a:outerShdw>
+                </a:effectLst>
+                <a:latin typeface="+mj-lt"/>
+                <a:ea typeface="+mj-ea"/>
+                <a:cs typeface="+mj-cs"/>
+              </a:rPr>
+              <a:t>等位。</a:t>
+            </a:r>
+            <a:endParaRPr lang="en-US" altLang="zh-CN" sz="2000" cap="all" dirty="0">
+              <a:ln w="3175" cmpd="sng">
+                <a:noFill/>
+              </a:ln>
+              <a:gradFill flip="none" rotWithShape="1">
+                <a:gsLst>
+                  <a:gs pos="0">
+                    <a:schemeClr val="tx1"/>
+                  </a:gs>
+                  <a:gs pos="100000">
+                    <a:schemeClr val="tx1">
+                      <a:lumMod val="65000"/>
+                    </a:schemeClr>
+                  </a:gs>
+                </a:gsLst>
+                <a:lin ang="5580000" scaled="0"/>
+                <a:tileRect/>
+              </a:gradFill>
+              <a:effectLst>
+                <a:glow rad="38100">
+                  <a:schemeClr val="bg1">
+                    <a:lumMod val="65000"/>
+                    <a:lumOff val="35000"/>
+                    <a:alpha val="40000"/>
+                  </a:schemeClr>
+                </a:glow>
+                <a:outerShdw blurRad="28575" dist="38100" dir="14040000" algn="tl" rotWithShape="0">
+                  <a:srgbClr val="000000">
+                    <a:alpha val="25000"/>
+                  </a:srgbClr>
+                </a:outerShdw>
+              </a:effectLst>
+              <a:latin typeface="+mj-lt"/>
+              <a:ea typeface="+mj-ea"/>
+              <a:cs typeface="+mj-cs"/>
+            </a:endParaRPr>
+          </a:p>
+        </p:txBody>
+      </p:sp>
+    </p:spTree>
+    <p:extLst>
+      <p:ext uri="{BB962C8B-B14F-4D97-AF65-F5344CB8AC3E}">
+        <p14:creationId xmlns:p14="http://schemas.microsoft.com/office/powerpoint/2010/main" val="1421614870"/>
+      </p:ext>
+    </p:extLst>
+  </p:cSld>
+  <p:clrMapOvr>
+    <a:masterClrMapping/>
+  </p:clrMapOvr>
+</p:sld>
+</file>
+
 <file path=ppt/slides/slide3.xml><?xml version="1.0" encoding="utf-8"?>
 <p:sld xmlns:a="http://schemas.openxmlformats.org/drawingml/2006/main" xmlns:r="http://schemas.openxmlformats.org/officeDocument/2006/relationships" xmlns:p="http://schemas.openxmlformats.org/presentationml/2006/main">
   <p:cSld>
@@ -12505,7 +13422,7 @@
           <p:cNvPr id="2" name="标题 1">
             <a:extLst>
               <a:ext uri="{FF2B5EF4-FFF2-40B4-BE49-F238E27FC236}">
-                <a16:creationId xmlns:a16="http://schemas.microsoft.com/office/drawing/2014/main" id="{40230CE7-3CDB-46E9-8726-29ED5DA86800}"/>
+                <a16:creationId xmlns:a16="http://schemas.microsoft.com/office/drawing/2014/main" id="{6D1E70FE-FE63-4D6A-A6BA-6FEDE0F8E0A8}"/>
               </a:ext>
             </a:extLst>
           </p:cNvPr>
@@ -12518,8 +13435,8 @@
         </p:nvSpPr>
         <p:spPr>
           <a:xfrm>
-            <a:off x="1141413" y="609601"/>
-            <a:ext cx="9905998" cy="930442"/>
+            <a:off x="1141413" y="609600"/>
+            <a:ext cx="9905998" cy="834189"/>
           </a:xfrm>
         </p:spPr>
         <p:txBody>
@@ -12527,161 +13444,247 @@
           <a:lstStyle/>
           <a:p>
             <a:r>
+              <a:rPr lang="en-US" altLang="zh-CN" dirty="0"/>
+              <a:t>STM32	CAN</a:t>
+            </a:r>
+            <a:r>
               <a:rPr lang="zh-CN" altLang="en-US" dirty="0"/>
-              <a:t>数据帧和遥控帧</a:t>
+              <a:t>控制器简介</a:t>
             </a:r>
           </a:p>
         </p:txBody>
       </p:sp>
-      <p:sp>
-        <p:nvSpPr>
-          <p:cNvPr id="3" name="内容占位符 2">
-            <a:extLst>
-              <a:ext uri="{FF2B5EF4-FFF2-40B4-BE49-F238E27FC236}">
-                <a16:creationId xmlns:a16="http://schemas.microsoft.com/office/drawing/2014/main" id="{21248A83-4915-4D79-9BD4-F192C5565434}"/>
-              </a:ext>
-            </a:extLst>
-          </p:cNvPr>
-          <p:cNvSpPr>
-            <a:spLocks noGrp="1"/>
-          </p:cNvSpPr>
-          <p:nvPr>
-            <p:ph idx="1"/>
-          </p:nvPr>
-        </p:nvSpPr>
-        <p:spPr>
-          <a:xfrm>
-            <a:off x="1141413" y="1540043"/>
-            <a:ext cx="9905998" cy="5317957"/>
-          </a:xfrm>
-        </p:spPr>
-        <p:txBody>
-          <a:bodyPr/>
-          <a:lstStyle/>
-          <a:p>
-            <a:pPr marL="0" indent="0">
-              <a:buNone/>
-            </a:pPr>
-            <a:r>
-              <a:rPr lang="zh-CN" altLang="en-US" sz="2800" dirty="0"/>
-              <a:t>数据帧和遥控帧的不同</a:t>
-            </a:r>
-            <a:endParaRPr lang="zh-CN" altLang="en-US" dirty="0"/>
-          </a:p>
-          <a:p>
-            <a:pPr marL="0" indent="0">
-              <a:buNone/>
-            </a:pPr>
-            <a:r>
-              <a:rPr lang="en-US" altLang="zh-CN" dirty="0"/>
-              <a:t>	</a:t>
-            </a:r>
-            <a:r>
-              <a:rPr lang="zh-CN" altLang="en-US" dirty="0"/>
-              <a:t>遥控帧的</a:t>
-            </a:r>
-            <a:r>
-              <a:rPr lang="en-US" altLang="zh-CN" dirty="0"/>
-              <a:t>RTR </a:t>
-            </a:r>
-            <a:r>
-              <a:rPr lang="zh-CN" altLang="en-US" dirty="0"/>
-              <a:t>位为隐性位，没有数据段。</a:t>
-            </a:r>
-          </a:p>
-          <a:p>
-            <a:pPr marL="0" indent="0">
-              <a:buNone/>
-            </a:pPr>
-            <a:r>
-              <a:rPr lang="en-US" altLang="zh-CN" dirty="0"/>
-              <a:t>	</a:t>
-            </a:r>
-            <a:r>
-              <a:rPr lang="zh-CN" altLang="en-US" i="1" dirty="0"/>
-              <a:t>没有数据段的数据帧和遥控帧可通过</a:t>
-            </a:r>
-            <a:r>
-              <a:rPr lang="en-US" altLang="zh-CN" i="1" dirty="0"/>
-              <a:t>RTR </a:t>
-            </a:r>
-            <a:r>
-              <a:rPr lang="zh-CN" altLang="en-US" i="1" dirty="0"/>
-              <a:t>位区别开来。</a:t>
-            </a:r>
-            <a:endParaRPr lang="en-US" altLang="zh-CN" i="1" dirty="0"/>
-          </a:p>
-          <a:p>
-            <a:pPr marL="0" indent="0">
-              <a:buNone/>
-            </a:pPr>
-            <a:endParaRPr lang="zh-CN" altLang="en-US" dirty="0"/>
-          </a:p>
-          <a:p>
-            <a:pPr marL="0" indent="0">
-              <a:buNone/>
-            </a:pPr>
-            <a:r>
-              <a:rPr lang="zh-CN" altLang="en-US" sz="2800" dirty="0"/>
-              <a:t>遥控帧没有数据段，数据长度码该如何表示？</a:t>
-            </a:r>
-          </a:p>
-          <a:p>
-            <a:pPr marL="0" indent="0">
-              <a:buNone/>
-            </a:pPr>
-            <a:r>
-              <a:rPr lang="en-US" altLang="zh-CN" dirty="0"/>
-              <a:t>	</a:t>
-            </a:r>
-            <a:r>
-              <a:rPr lang="zh-CN" altLang="en-US" dirty="0"/>
-              <a:t>遥控帧的数据长度码以所请求数据帧的数据长度码表示。</a:t>
-            </a:r>
-            <a:endParaRPr lang="en-US" altLang="zh-CN" dirty="0"/>
-          </a:p>
-          <a:p>
-            <a:pPr marL="0" indent="0">
-              <a:buNone/>
-            </a:pPr>
-            <a:endParaRPr lang="zh-CN" altLang="en-US" dirty="0"/>
-          </a:p>
-          <a:p>
-            <a:pPr marL="0" indent="0">
-              <a:buNone/>
-            </a:pPr>
-            <a:r>
-              <a:rPr lang="zh-CN" altLang="en-US" sz="2800" dirty="0"/>
-              <a:t>没有数据段的数据帧有何用途？</a:t>
-            </a:r>
-          </a:p>
-          <a:p>
-            <a:pPr marL="0" indent="0">
-              <a:buNone/>
-            </a:pPr>
-            <a:r>
-              <a:rPr lang="en-US" altLang="zh-CN" dirty="0"/>
-              <a:t>	</a:t>
-            </a:r>
-            <a:r>
-              <a:rPr lang="zh-CN" altLang="en-US" dirty="0"/>
-              <a:t>例如，可用于各单元的定期连接确认</a:t>
-            </a:r>
-            <a:r>
-              <a:rPr lang="en-US" altLang="zh-CN" dirty="0"/>
-              <a:t>/</a:t>
-            </a:r>
-            <a:r>
-              <a:rPr lang="zh-CN" altLang="en-US" dirty="0"/>
-              <a:t>应答、或仲裁段本身带有实质性信息的情况下。</a:t>
-            </a:r>
-          </a:p>
-        </p:txBody>
-      </p:sp>
+      <mc:AlternateContent xmlns:mc="http://schemas.openxmlformats.org/markup-compatibility/2006">
+        <mc:Choice xmlns:a14="http://schemas.microsoft.com/office/drawing/2010/main" Requires="a14">
+          <p:sp>
+            <p:nvSpPr>
+              <p:cNvPr id="3" name="内容占位符 2">
+                <a:extLst>
+                  <a:ext uri="{FF2B5EF4-FFF2-40B4-BE49-F238E27FC236}">
+                    <a16:creationId xmlns:a16="http://schemas.microsoft.com/office/drawing/2014/main" id="{14CC08E4-CFFC-4D99-8687-EB3BBA99E712}"/>
+                  </a:ext>
+                </a:extLst>
+              </p:cNvPr>
+              <p:cNvSpPr>
+                <a:spLocks noGrp="1"/>
+              </p:cNvSpPr>
+              <p:nvPr>
+                <p:ph idx="1"/>
+              </p:nvPr>
+            </p:nvSpPr>
+            <p:spPr>
+              <a:xfrm>
+                <a:off x="1141413" y="1443789"/>
+                <a:ext cx="9905998" cy="4347411"/>
+              </a:xfrm>
+            </p:spPr>
+            <p:txBody>
+              <a:bodyPr>
+                <a:normAutofit/>
+              </a:bodyPr>
+              <a:lstStyle/>
+              <a:p>
+                <a:r>
+                  <a:rPr lang="en-US" altLang="zh-CN" sz="2400" b="1" dirty="0"/>
+                  <a:t>STM32</a:t>
+                </a:r>
+                <a:r>
+                  <a:rPr lang="zh-CN" altLang="en-US" sz="2400" b="1" dirty="0"/>
+                  <a:t>自带了基本扩展</a:t>
+                </a:r>
+                <a:r>
+                  <a:rPr lang="en-US" altLang="zh-CN" sz="2400" b="1" dirty="0"/>
+                  <a:t>CAN</a:t>
+                </a:r>
+                <a:r>
+                  <a:rPr lang="zh-CN" altLang="en-US" sz="2400" b="1" dirty="0"/>
+                  <a:t>外设，又称</a:t>
+                </a:r>
+                <a14:m>
+                  <m:oMath xmlns:m="http://schemas.openxmlformats.org/officeDocument/2006/math">
+                    <m:r>
+                      <a:rPr lang="en-US" altLang="zh-CN" sz="2400" b="1" i="1" smtClean="0">
+                        <a:latin typeface="Cambria Math" panose="02040503050406030204" pitchFamily="18" charset="0"/>
+                      </a:rPr>
+                      <m:t>𝒃𝒙𝑪𝑨𝑵</m:t>
+                    </m:r>
+                  </m:oMath>
+                </a14:m>
+                <a:r>
+                  <a:rPr lang="en-US" altLang="zh-CN" sz="2400" b="1" dirty="0"/>
+                  <a:t>, </a:t>
+                </a:r>
+                <a14:m>
+                  <m:oMath xmlns:m="http://schemas.openxmlformats.org/officeDocument/2006/math">
+                    <m:r>
+                      <a:rPr lang="en-US" altLang="zh-CN" sz="2400" b="1" i="1">
+                        <a:latin typeface="Cambria Math" panose="02040503050406030204" pitchFamily="18" charset="0"/>
+                      </a:rPr>
+                      <m:t>𝒃𝒙𝑪𝑨𝑵</m:t>
+                    </m:r>
+                  </m:oMath>
+                </a14:m>
+                <a:r>
+                  <a:rPr lang="zh-CN" altLang="en-US" sz="2400" b="1" dirty="0"/>
+                  <a:t>特点如下：</a:t>
+                </a:r>
+                <a:endParaRPr lang="en-US" altLang="zh-CN" sz="2400" b="1" dirty="0"/>
+              </a:p>
+              <a:p>
+                <a:r>
+                  <a:rPr lang="zh-CN" altLang="en-US" sz="2400" b="1" dirty="0"/>
+                  <a:t>支持</a:t>
+                </a:r>
+                <a:r>
+                  <a:rPr lang="en-US" altLang="zh-CN" sz="2400" b="1" dirty="0"/>
+                  <a:t>CAN</a:t>
+                </a:r>
+                <a:r>
+                  <a:rPr lang="zh-CN" altLang="en-US" sz="2400" b="1" dirty="0"/>
+                  <a:t>协议</a:t>
+                </a:r>
+                <a:r>
+                  <a:rPr lang="en-US" altLang="zh-CN" sz="2400" b="1" dirty="0"/>
+                  <a:t>2.0A</a:t>
+                </a:r>
+                <a:r>
+                  <a:rPr lang="zh-CN" altLang="en-US" sz="2400" b="1" dirty="0"/>
+                  <a:t>和</a:t>
+                </a:r>
+                <a:r>
+                  <a:rPr lang="en-US" altLang="zh-CN" sz="2400" b="1" dirty="0"/>
+                  <a:t>2.0B</a:t>
+                </a:r>
+                <a:r>
+                  <a:rPr lang="zh-CN" altLang="en-US" sz="2400" b="1" dirty="0"/>
+                  <a:t>主动模式</a:t>
+                </a:r>
+                <a:endParaRPr lang="en-US" altLang="zh-CN" sz="2400" b="1" dirty="0"/>
+              </a:p>
+              <a:p>
+                <a:r>
+                  <a:rPr lang="zh-CN" altLang="en-US" sz="2400" b="1" dirty="0"/>
+                  <a:t>波特率最高</a:t>
+                </a:r>
+                <a:r>
+                  <a:rPr lang="en-US" altLang="zh-CN" sz="2400" b="1" dirty="0"/>
+                  <a:t>1Mbps</a:t>
+                </a:r>
+              </a:p>
+              <a:p>
+                <a:r>
+                  <a:rPr lang="zh-CN" altLang="en-US" sz="2400" b="1" dirty="0"/>
+                  <a:t>支持时间触发通信</a:t>
+                </a:r>
+                <a:endParaRPr lang="en-US" altLang="zh-CN" sz="2400" b="1" dirty="0"/>
+              </a:p>
+              <a:p>
+                <a:r>
+                  <a:rPr lang="zh-CN" altLang="en-US" sz="2400" b="1" dirty="0"/>
+                  <a:t>具有</a:t>
+                </a:r>
+                <a:r>
+                  <a:rPr lang="en-US" altLang="zh-CN" sz="2400" b="1" dirty="0"/>
+                  <a:t>3</a:t>
+                </a:r>
+                <a:r>
+                  <a:rPr lang="zh-CN" altLang="en-US" sz="2400" b="1" dirty="0"/>
+                  <a:t>个发送邮箱</a:t>
+                </a:r>
+                <a:endParaRPr lang="en-US" altLang="zh-CN" sz="2400" b="1" dirty="0"/>
+              </a:p>
+              <a:p>
+                <a:r>
+                  <a:rPr lang="zh-CN" altLang="en-US" sz="2400" b="1" dirty="0"/>
+                  <a:t>具有</a:t>
+                </a:r>
+                <a:r>
+                  <a:rPr lang="en-US" altLang="zh-CN" sz="2400" b="1" dirty="0"/>
+                  <a:t>3</a:t>
+                </a:r>
+                <a:r>
+                  <a:rPr lang="zh-CN" altLang="en-US" sz="2400" b="1" dirty="0"/>
+                  <a:t>级深度的</a:t>
+                </a:r>
+                <a:r>
+                  <a:rPr lang="en-US" altLang="zh-CN" sz="2400" b="1" dirty="0"/>
+                  <a:t>2</a:t>
+                </a:r>
+                <a:r>
+                  <a:rPr lang="zh-CN" altLang="en-US" sz="2400" b="1" dirty="0"/>
+                  <a:t>个接受</a:t>
+                </a:r>
+                <a:r>
+                  <a:rPr lang="en-US" altLang="zh-CN" sz="2400" b="1" dirty="0"/>
+                  <a:t>FIFO</a:t>
+                </a:r>
+              </a:p>
+              <a:p>
+                <a:r>
+                  <a:rPr lang="zh-CN" altLang="en-US" sz="2400" b="1" dirty="0"/>
+                  <a:t>可变的筛选器组（也称过滤器组，最多</a:t>
+                </a:r>
+                <a:r>
+                  <a:rPr lang="en-US" altLang="zh-CN" sz="2400" b="1" dirty="0"/>
+                  <a:t>28</a:t>
+                </a:r>
+                <a:r>
+                  <a:rPr lang="zh-CN" altLang="en-US" sz="2400" b="1" dirty="0"/>
+                  <a:t>个）</a:t>
+                </a:r>
+                <a:endParaRPr lang="en-US" altLang="zh-CN" sz="2400" b="1" dirty="0"/>
+              </a:p>
+            </p:txBody>
+          </p:sp>
+        </mc:Choice>
+        <mc:Fallback>
+          <p:sp>
+            <p:nvSpPr>
+              <p:cNvPr id="3" name="内容占位符 2">
+                <a:extLst>
+                  <a:ext uri="{FF2B5EF4-FFF2-40B4-BE49-F238E27FC236}">
+                    <a16:creationId xmlns:a16="http://schemas.microsoft.com/office/drawing/2014/main" id="{14CC08E4-CFFC-4D99-8687-EB3BBA99E712}"/>
+                  </a:ext>
+                </a:extLst>
+              </p:cNvPr>
+              <p:cNvSpPr>
+                <a:spLocks noGrp="1" noRot="1" noChangeAspect="1" noMove="1" noResize="1" noEditPoints="1" noAdjustHandles="1" noChangeArrowheads="1" noChangeShapeType="1" noTextEdit="1"/>
+              </p:cNvSpPr>
+              <p:nvPr>
+                <p:ph idx="1"/>
+              </p:nvPr>
+            </p:nvSpPr>
+            <p:spPr>
+              <a:xfrm>
+                <a:off x="1141413" y="1443789"/>
+                <a:ext cx="9905998" cy="4347411"/>
+              </a:xfrm>
+              <a:blipFill>
+                <a:blip r:embed="rId2"/>
+                <a:stretch>
+                  <a:fillRect l="-1292"/>
+                </a:stretch>
+              </a:blipFill>
+            </p:spPr>
+            <p:txBody>
+              <a:bodyPr/>
+              <a:lstStyle/>
+              <a:p>
+                <a:r>
+                  <a:rPr lang="zh-CN" altLang="en-US">
+                    <a:noFill/>
+                  </a:rPr>
+                  <a:t> </a:t>
+                </a:r>
+              </a:p>
+            </p:txBody>
+          </p:sp>
+        </mc:Fallback>
+      </mc:AlternateContent>
     </p:spTree>
     <p:extLst>
       <p:ext uri="{BB962C8B-B14F-4D97-AF65-F5344CB8AC3E}">
-        <p14:creationId xmlns:p14="http://schemas.microsoft.com/office/powerpoint/2010/main" val="3239248010"/>
+        <p14:creationId xmlns:p14="http://schemas.microsoft.com/office/powerpoint/2010/main" val="3264225620"/>
       </p:ext>
     </p:extLst>
   </p:cSld>
@@ -12713,7 +13716,7 @@
           <p:cNvPr id="2" name="标题 1">
             <a:extLst>
               <a:ext uri="{FF2B5EF4-FFF2-40B4-BE49-F238E27FC236}">
-                <a16:creationId xmlns:a16="http://schemas.microsoft.com/office/drawing/2014/main" id="{3A2592F6-0218-4CC2-9FA7-1D68B5DE4D81}"/>
+                <a16:creationId xmlns:a16="http://schemas.microsoft.com/office/drawing/2014/main" id="{5831ECE2-FFC2-43D4-A60D-066A5C450944}"/>
               </a:ext>
             </a:extLst>
           </p:cNvPr>
@@ -12724,12 +13727,575 @@
             <p:ph type="title"/>
           </p:nvPr>
         </p:nvSpPr>
-        <p:spPr/>
+        <p:spPr>
+          <a:xfrm>
+            <a:off x="1141413" y="609600"/>
+            <a:ext cx="9905998" cy="641684"/>
+          </a:xfrm>
+        </p:spPr>
         <p:txBody>
           <a:bodyPr/>
           <a:lstStyle/>
           <a:p>
-            <a:endParaRPr lang="zh-CN" altLang="en-US" dirty="0"/>
+            <a:r>
+              <a:rPr lang="en-US" altLang="zh-CN" dirty="0"/>
+              <a:t>CAN</a:t>
+            </a:r>
+            <a:r>
+              <a:rPr lang="zh-CN" altLang="en-US" dirty="0"/>
+              <a:t>控制器框图如下</a:t>
+            </a:r>
+          </a:p>
+        </p:txBody>
+      </p:sp>
+      <p:pic>
+        <p:nvPicPr>
+          <p:cNvPr id="4" name="Picture 2">
+            <a:extLst>
+              <a:ext uri="{FF2B5EF4-FFF2-40B4-BE49-F238E27FC236}">
+                <a16:creationId xmlns:a16="http://schemas.microsoft.com/office/drawing/2014/main" id="{5BE7643C-4221-4A14-A4E9-4336FAC219E0}"/>
+              </a:ext>
+            </a:extLst>
+          </p:cNvPr>
+          <p:cNvPicPr>
+            <a:picLocks noGrp="1" noChangeAspect="1" noChangeArrowheads="1"/>
+          </p:cNvPicPr>
+          <p:nvPr>
+            <p:ph idx="1"/>
+          </p:nvPr>
+        </p:nvPicPr>
+        <p:blipFill>
+          <a:blip r:embed="rId2">
+            <a:extLst>
+              <a:ext uri="{28A0092B-C50C-407E-A947-70E740481C1C}">
+                <a14:useLocalDpi xmlns:a14="http://schemas.microsoft.com/office/drawing/2010/main" val="0"/>
+              </a:ext>
+            </a:extLst>
+          </a:blip>
+          <a:srcRect/>
+          <a:stretch>
+            <a:fillRect/>
+          </a:stretch>
+        </p:blipFill>
+        <p:spPr bwMode="auto">
+          <a:xfrm>
+            <a:off x="1141413" y="1250950"/>
+            <a:ext cx="7133447" cy="5607050"/>
+          </a:xfrm>
+          <a:prstGeom prst="rect">
+            <a:avLst/>
+          </a:prstGeom>
+          <a:noFill/>
+          <a:ln>
+            <a:noFill/>
+          </a:ln>
+          <a:extLst>
+            <a:ext uri="{909E8E84-426E-40DD-AFC4-6F175D3DCCD1}">
+              <a14:hiddenFill xmlns:a14="http://schemas.microsoft.com/office/drawing/2010/main">
+                <a:solidFill>
+                  <a:schemeClr val="accent1"/>
+                </a:solidFill>
+              </a14:hiddenFill>
+            </a:ext>
+            <a:ext uri="{91240B29-F687-4F45-9708-019B960494DF}">
+              <a14:hiddenLine xmlns:a14="http://schemas.microsoft.com/office/drawing/2010/main" w="9525">
+                <a:solidFill>
+                  <a:schemeClr val="tx1"/>
+                </a:solidFill>
+                <a:miter lim="800000"/>
+                <a:headEnd/>
+                <a:tailEnd/>
+              </a14:hiddenLine>
+            </a:ext>
+          </a:extLst>
+        </p:spPr>
+      </p:pic>
+      <p:sp>
+        <p:nvSpPr>
+          <p:cNvPr id="5" name="矩形 4">
+            <a:extLst>
+              <a:ext uri="{FF2B5EF4-FFF2-40B4-BE49-F238E27FC236}">
+                <a16:creationId xmlns:a16="http://schemas.microsoft.com/office/drawing/2014/main" id="{3A7EBFFC-256D-4BE7-B929-33F790160704}"/>
+              </a:ext>
+            </a:extLst>
+          </p:cNvPr>
+          <p:cNvSpPr/>
+          <p:nvPr/>
+        </p:nvSpPr>
+        <p:spPr>
+          <a:xfrm>
+            <a:off x="8673179" y="2351856"/>
+            <a:ext cx="2716715" cy="1323439"/>
+          </a:xfrm>
+          <a:prstGeom prst="rect">
+            <a:avLst/>
+          </a:prstGeom>
+        </p:spPr>
+        <p:txBody>
+          <a:bodyPr wrap="square">
+            <a:spAutoFit/>
+          </a:bodyPr>
+          <a:lstStyle/>
+          <a:p>
+            <a:pPr>
+              <a:spcBef>
+                <a:spcPct val="0"/>
+              </a:spcBef>
+            </a:pPr>
+            <a:r>
+              <a:rPr lang="zh-CN" altLang="zh-CN" sz="2000" cap="all" dirty="0">
+                <a:ln w="3175" cmpd="sng">
+                  <a:noFill/>
+                </a:ln>
+                <a:gradFill flip="none" rotWithShape="1">
+                  <a:gsLst>
+                    <a:gs pos="0">
+                      <a:schemeClr val="tx1"/>
+                    </a:gs>
+                    <a:gs pos="100000">
+                      <a:schemeClr val="tx1">
+                        <a:lumMod val="65000"/>
+                      </a:schemeClr>
+                    </a:gs>
+                  </a:gsLst>
+                  <a:lin ang="5580000" scaled="0"/>
+                  <a:tileRect/>
+                </a:gradFill>
+                <a:effectLst>
+                  <a:glow rad="38100">
+                    <a:schemeClr val="bg1">
+                      <a:lumMod val="65000"/>
+                      <a:lumOff val="35000"/>
+                      <a:alpha val="40000"/>
+                    </a:schemeClr>
+                  </a:glow>
+                  <a:outerShdw blurRad="28575" dist="38100" dir="14040000" algn="tl" rotWithShape="0">
+                    <a:srgbClr val="000000">
+                      <a:alpha val="25000"/>
+                    </a:srgbClr>
+                  </a:outerShdw>
+                </a:effectLst>
+                <a:latin typeface="+mj-lt"/>
+                <a:ea typeface="+mj-ea"/>
+                <a:cs typeface="+mj-cs"/>
+              </a:rPr>
+              <a:t>两个</a:t>
+            </a:r>
+            <a:r>
+              <a:rPr lang="en-US" altLang="zh-CN" sz="2000" cap="all" dirty="0">
+                <a:ln w="3175" cmpd="sng">
+                  <a:noFill/>
+                </a:ln>
+                <a:gradFill flip="none" rotWithShape="1">
+                  <a:gsLst>
+                    <a:gs pos="0">
+                      <a:schemeClr val="tx1"/>
+                    </a:gs>
+                    <a:gs pos="100000">
+                      <a:schemeClr val="tx1">
+                        <a:lumMod val="65000"/>
+                      </a:schemeClr>
+                    </a:gs>
+                  </a:gsLst>
+                  <a:lin ang="5580000" scaled="0"/>
+                  <a:tileRect/>
+                </a:gradFill>
+                <a:effectLst>
+                  <a:glow rad="38100">
+                    <a:schemeClr val="bg1">
+                      <a:lumMod val="65000"/>
+                      <a:lumOff val="35000"/>
+                      <a:alpha val="40000"/>
+                    </a:schemeClr>
+                  </a:glow>
+                  <a:outerShdw blurRad="28575" dist="38100" dir="14040000" algn="tl" rotWithShape="0">
+                    <a:srgbClr val="000000">
+                      <a:alpha val="25000"/>
+                    </a:srgbClr>
+                  </a:outerShdw>
+                </a:effectLst>
+                <a:latin typeface="+mj-lt"/>
+                <a:ea typeface="+mj-ea"/>
+                <a:cs typeface="+mj-cs"/>
+              </a:rPr>
+              <a:t>CAN</a:t>
+            </a:r>
+            <a:r>
+              <a:rPr lang="zh-CN" altLang="zh-CN" sz="2000" cap="all" dirty="0">
+                <a:ln w="3175" cmpd="sng">
+                  <a:noFill/>
+                </a:ln>
+                <a:gradFill flip="none" rotWithShape="1">
+                  <a:gsLst>
+                    <a:gs pos="0">
+                      <a:schemeClr val="tx1"/>
+                    </a:gs>
+                    <a:gs pos="100000">
+                      <a:schemeClr val="tx1">
+                        <a:lumMod val="65000"/>
+                      </a:schemeClr>
+                    </a:gs>
+                  </a:gsLst>
+                  <a:lin ang="5580000" scaled="0"/>
+                  <a:tileRect/>
+                </a:gradFill>
+                <a:effectLst>
+                  <a:glow rad="38100">
+                    <a:schemeClr val="bg1">
+                      <a:lumMod val="65000"/>
+                      <a:lumOff val="35000"/>
+                      <a:alpha val="40000"/>
+                    </a:schemeClr>
+                  </a:glow>
+                  <a:outerShdw blurRad="28575" dist="38100" dir="14040000" algn="tl" rotWithShape="0">
+                    <a:srgbClr val="000000">
+                      <a:alpha val="25000"/>
+                    </a:srgbClr>
+                  </a:outerShdw>
+                </a:effectLst>
+                <a:latin typeface="+mj-lt"/>
+                <a:ea typeface="+mj-ea"/>
+                <a:cs typeface="+mj-cs"/>
+              </a:rPr>
+              <a:t>分别拥有自己的发送邮箱和接收</a:t>
+            </a:r>
+            <a:r>
+              <a:rPr lang="en-US" altLang="zh-CN" sz="2000" cap="all" dirty="0">
+                <a:ln w="3175" cmpd="sng">
+                  <a:noFill/>
+                </a:ln>
+                <a:gradFill flip="none" rotWithShape="1">
+                  <a:gsLst>
+                    <a:gs pos="0">
+                      <a:schemeClr val="tx1"/>
+                    </a:gs>
+                    <a:gs pos="100000">
+                      <a:schemeClr val="tx1">
+                        <a:lumMod val="65000"/>
+                      </a:schemeClr>
+                    </a:gs>
+                  </a:gsLst>
+                  <a:lin ang="5580000" scaled="0"/>
+                  <a:tileRect/>
+                </a:gradFill>
+                <a:effectLst>
+                  <a:glow rad="38100">
+                    <a:schemeClr val="bg1">
+                      <a:lumMod val="65000"/>
+                      <a:lumOff val="35000"/>
+                      <a:alpha val="40000"/>
+                    </a:schemeClr>
+                  </a:glow>
+                  <a:outerShdw blurRad="28575" dist="38100" dir="14040000" algn="tl" rotWithShape="0">
+                    <a:srgbClr val="000000">
+                      <a:alpha val="25000"/>
+                    </a:srgbClr>
+                  </a:outerShdw>
+                </a:effectLst>
+                <a:latin typeface="+mj-lt"/>
+                <a:ea typeface="+mj-ea"/>
+                <a:cs typeface="+mj-cs"/>
+              </a:rPr>
+              <a:t>FIFO</a:t>
+            </a:r>
+            <a:r>
+              <a:rPr lang="zh-CN" altLang="zh-CN" sz="2000" cap="all" dirty="0">
+                <a:ln w="3175" cmpd="sng">
+                  <a:noFill/>
+                </a:ln>
+                <a:gradFill flip="none" rotWithShape="1">
+                  <a:gsLst>
+                    <a:gs pos="0">
+                      <a:schemeClr val="tx1"/>
+                    </a:gs>
+                    <a:gs pos="100000">
+                      <a:schemeClr val="tx1">
+                        <a:lumMod val="65000"/>
+                      </a:schemeClr>
+                    </a:gs>
+                  </a:gsLst>
+                  <a:lin ang="5580000" scaled="0"/>
+                  <a:tileRect/>
+                </a:gradFill>
+                <a:effectLst>
+                  <a:glow rad="38100">
+                    <a:schemeClr val="bg1">
+                      <a:lumMod val="65000"/>
+                      <a:lumOff val="35000"/>
+                      <a:alpha val="40000"/>
+                    </a:schemeClr>
+                  </a:glow>
+                  <a:outerShdw blurRad="28575" dist="38100" dir="14040000" algn="tl" rotWithShape="0">
+                    <a:srgbClr val="000000">
+                      <a:alpha val="25000"/>
+                    </a:srgbClr>
+                  </a:outerShdw>
+                </a:effectLst>
+                <a:latin typeface="+mj-lt"/>
+                <a:ea typeface="+mj-ea"/>
+                <a:cs typeface="+mj-cs"/>
+              </a:rPr>
+              <a:t>，但是他们共用</a:t>
+            </a:r>
+            <a:r>
+              <a:rPr lang="en-US" altLang="zh-CN" sz="2000" cap="all" dirty="0">
+                <a:ln w="3175" cmpd="sng">
+                  <a:noFill/>
+                </a:ln>
+                <a:gradFill flip="none" rotWithShape="1">
+                  <a:gsLst>
+                    <a:gs pos="0">
+                      <a:schemeClr val="tx1"/>
+                    </a:gs>
+                    <a:gs pos="100000">
+                      <a:schemeClr val="tx1">
+                        <a:lumMod val="65000"/>
+                      </a:schemeClr>
+                    </a:gs>
+                  </a:gsLst>
+                  <a:lin ang="5580000" scaled="0"/>
+                  <a:tileRect/>
+                </a:gradFill>
+                <a:effectLst>
+                  <a:glow rad="38100">
+                    <a:schemeClr val="bg1">
+                      <a:lumMod val="65000"/>
+                      <a:lumOff val="35000"/>
+                      <a:alpha val="40000"/>
+                    </a:schemeClr>
+                  </a:glow>
+                  <a:outerShdw blurRad="28575" dist="38100" dir="14040000" algn="tl" rotWithShape="0">
+                    <a:srgbClr val="000000">
+                      <a:alpha val="25000"/>
+                    </a:srgbClr>
+                  </a:outerShdw>
+                </a:effectLst>
+                <a:latin typeface="+mj-lt"/>
+                <a:ea typeface="+mj-ea"/>
+                <a:cs typeface="+mj-cs"/>
+              </a:rPr>
+              <a:t>28</a:t>
+            </a:r>
+            <a:r>
+              <a:rPr lang="zh-CN" altLang="zh-CN" sz="2000" cap="all" dirty="0">
+                <a:ln w="3175" cmpd="sng">
+                  <a:noFill/>
+                </a:ln>
+                <a:gradFill flip="none" rotWithShape="1">
+                  <a:gsLst>
+                    <a:gs pos="0">
+                      <a:schemeClr val="tx1"/>
+                    </a:gs>
+                    <a:gs pos="100000">
+                      <a:schemeClr val="tx1">
+                        <a:lumMod val="65000"/>
+                      </a:schemeClr>
+                    </a:gs>
+                  </a:gsLst>
+                  <a:lin ang="5580000" scaled="0"/>
+                  <a:tileRect/>
+                </a:gradFill>
+                <a:effectLst>
+                  <a:glow rad="38100">
+                    <a:schemeClr val="bg1">
+                      <a:lumMod val="65000"/>
+                      <a:lumOff val="35000"/>
+                      <a:alpha val="40000"/>
+                    </a:schemeClr>
+                  </a:glow>
+                  <a:outerShdw blurRad="28575" dist="38100" dir="14040000" algn="tl" rotWithShape="0">
+                    <a:srgbClr val="000000">
+                      <a:alpha val="25000"/>
+                    </a:srgbClr>
+                  </a:outerShdw>
+                </a:effectLst>
+                <a:latin typeface="+mj-lt"/>
+                <a:ea typeface="+mj-ea"/>
+                <a:cs typeface="+mj-cs"/>
+              </a:rPr>
+              <a:t>个</a:t>
+            </a:r>
+            <a:r>
+              <a:rPr lang="zh-CN" altLang="en-US" sz="2000" cap="all" dirty="0">
+                <a:ln w="3175" cmpd="sng">
+                  <a:noFill/>
+                </a:ln>
+                <a:gradFill flip="none" rotWithShape="1">
+                  <a:gsLst>
+                    <a:gs pos="0">
+                      <a:schemeClr val="tx1"/>
+                    </a:gs>
+                    <a:gs pos="100000">
+                      <a:schemeClr val="tx1">
+                        <a:lumMod val="65000"/>
+                      </a:schemeClr>
+                    </a:gs>
+                  </a:gsLst>
+                  <a:lin ang="5580000" scaled="0"/>
+                  <a:tileRect/>
+                </a:gradFill>
+                <a:effectLst>
+                  <a:glow rad="38100">
+                    <a:schemeClr val="bg1">
+                      <a:lumMod val="65000"/>
+                      <a:lumOff val="35000"/>
+                      <a:alpha val="40000"/>
+                    </a:schemeClr>
+                  </a:glow>
+                  <a:outerShdw blurRad="28575" dist="38100" dir="14040000" algn="tl" rotWithShape="0">
+                    <a:srgbClr val="000000">
+                      <a:alpha val="25000"/>
+                    </a:srgbClr>
+                  </a:outerShdw>
+                </a:effectLst>
+                <a:latin typeface="+mj-lt"/>
+                <a:ea typeface="+mj-ea"/>
+                <a:cs typeface="+mj-cs"/>
+              </a:rPr>
+              <a:t>筛选</a:t>
+            </a:r>
+            <a:r>
+              <a:rPr lang="zh-CN" altLang="zh-CN" sz="2000" cap="all" dirty="0">
+                <a:ln w="3175" cmpd="sng">
+                  <a:noFill/>
+                </a:ln>
+                <a:gradFill flip="none" rotWithShape="1">
+                  <a:gsLst>
+                    <a:gs pos="0">
+                      <a:schemeClr val="tx1"/>
+                    </a:gs>
+                    <a:gs pos="100000">
+                      <a:schemeClr val="tx1">
+                        <a:lumMod val="65000"/>
+                      </a:schemeClr>
+                    </a:gs>
+                  </a:gsLst>
+                  <a:lin ang="5580000" scaled="0"/>
+                  <a:tileRect/>
+                </a:gradFill>
+                <a:effectLst>
+                  <a:glow rad="38100">
+                    <a:schemeClr val="bg1">
+                      <a:lumMod val="65000"/>
+                      <a:lumOff val="35000"/>
+                      <a:alpha val="40000"/>
+                    </a:schemeClr>
+                  </a:glow>
+                  <a:outerShdw blurRad="28575" dist="38100" dir="14040000" algn="tl" rotWithShape="0">
+                    <a:srgbClr val="000000">
+                      <a:alpha val="25000"/>
+                    </a:srgbClr>
+                  </a:outerShdw>
+                </a:effectLst>
+                <a:latin typeface="+mj-lt"/>
+                <a:ea typeface="+mj-ea"/>
+                <a:cs typeface="+mj-cs"/>
+              </a:rPr>
+              <a:t>器</a:t>
+            </a:r>
+            <a:endParaRPr lang="zh-CN" altLang="en-US" sz="2000" cap="all" dirty="0">
+              <a:ln w="3175" cmpd="sng">
+                <a:noFill/>
+              </a:ln>
+              <a:gradFill flip="none" rotWithShape="1">
+                <a:gsLst>
+                  <a:gs pos="0">
+                    <a:schemeClr val="tx1"/>
+                  </a:gs>
+                  <a:gs pos="100000">
+                    <a:schemeClr val="tx1">
+                      <a:lumMod val="65000"/>
+                    </a:schemeClr>
+                  </a:gs>
+                </a:gsLst>
+                <a:lin ang="5580000" scaled="0"/>
+                <a:tileRect/>
+              </a:gradFill>
+              <a:effectLst>
+                <a:glow rad="38100">
+                  <a:schemeClr val="bg1">
+                    <a:lumMod val="65000"/>
+                    <a:lumOff val="35000"/>
+                    <a:alpha val="40000"/>
+                  </a:schemeClr>
+                </a:glow>
+                <a:outerShdw blurRad="28575" dist="38100" dir="14040000" algn="tl" rotWithShape="0">
+                  <a:srgbClr val="000000">
+                    <a:alpha val="25000"/>
+                  </a:srgbClr>
+                </a:outerShdw>
+              </a:effectLst>
+              <a:latin typeface="+mj-lt"/>
+              <a:ea typeface="+mj-ea"/>
+              <a:cs typeface="+mj-cs"/>
+            </a:endParaRPr>
+          </a:p>
+        </p:txBody>
+      </p:sp>
+    </p:spTree>
+    <p:extLst>
+      <p:ext uri="{BB962C8B-B14F-4D97-AF65-F5344CB8AC3E}">
+        <p14:creationId xmlns:p14="http://schemas.microsoft.com/office/powerpoint/2010/main" val="3116849986"/>
+      </p:ext>
+    </p:extLst>
+  </p:cSld>
+  <p:clrMapOvr>
+    <a:masterClrMapping/>
+  </p:clrMapOvr>
+</p:sld>
+</file>
+
+<file path=ppt/slides/slide32.xml><?xml version="1.0" encoding="utf-8"?>
+<p:sld xmlns:a="http://schemas.openxmlformats.org/drawingml/2006/main" xmlns:r="http://schemas.openxmlformats.org/officeDocument/2006/relationships" xmlns:p="http://schemas.openxmlformats.org/presentationml/2006/main">
+  <p:cSld>
+    <p:spTree>
+      <p:nvGrpSpPr>
+        <p:cNvPr id="1" name=""/>
+        <p:cNvGrpSpPr/>
+        <p:nvPr/>
+      </p:nvGrpSpPr>
+      <p:grpSpPr>
+        <a:xfrm>
+          <a:off x="0" y="0"/>
+          <a:ext cx="0" cy="0"/>
+          <a:chOff x="0" y="0"/>
+          <a:chExt cx="0" cy="0"/>
+        </a:xfrm>
+      </p:grpSpPr>
+      <p:sp>
+        <p:nvSpPr>
+          <p:cNvPr id="2" name="标题 1">
+            <a:extLst>
+              <a:ext uri="{FF2B5EF4-FFF2-40B4-BE49-F238E27FC236}">
+                <a16:creationId xmlns:a16="http://schemas.microsoft.com/office/drawing/2014/main" id="{A8C12AA2-C778-40E9-ABF9-03069D86A236}"/>
+              </a:ext>
+            </a:extLst>
+          </p:cNvPr>
+          <p:cNvSpPr>
+            <a:spLocks noGrp="1"/>
+          </p:cNvSpPr>
+          <p:nvPr>
+            <p:ph type="title"/>
+          </p:nvPr>
+        </p:nvSpPr>
+        <p:spPr>
+          <a:xfrm>
+            <a:off x="1141413" y="609600"/>
+            <a:ext cx="9905998" cy="641684"/>
+          </a:xfrm>
+        </p:spPr>
+        <p:txBody>
+          <a:bodyPr/>
+          <a:lstStyle/>
+          <a:p>
+            <a:r>
+              <a:rPr lang="en-US" altLang="zh-CN" dirty="0"/>
+              <a:t>CAN</a:t>
+            </a:r>
+            <a:r>
+              <a:rPr lang="zh-CN" altLang="en-US" dirty="0"/>
+              <a:t>发送流程</a:t>
+            </a:r>
           </a:p>
         </p:txBody>
       </p:sp>
@@ -12738,7 +14304,7 @@
           <p:cNvPr id="3" name="内容占位符 2">
             <a:extLst>
               <a:ext uri="{FF2B5EF4-FFF2-40B4-BE49-F238E27FC236}">
-                <a16:creationId xmlns:a16="http://schemas.microsoft.com/office/drawing/2014/main" id="{9E7EADC4-71D1-40A6-90FC-DAAB6180C735}"/>
+                <a16:creationId xmlns:a16="http://schemas.microsoft.com/office/drawing/2014/main" id="{DCE1503C-D5CF-4CE2-8095-8BD5CBB63911}"/>
               </a:ext>
             </a:extLst>
           </p:cNvPr>
@@ -12749,19 +14315,3419 @@
             <p:ph idx="1"/>
           </p:nvPr>
         </p:nvSpPr>
-        <p:spPr/>
+        <p:spPr>
+          <a:xfrm>
+            <a:off x="1141413" y="1251285"/>
+            <a:ext cx="3655176" cy="4716378"/>
+          </a:xfrm>
+        </p:spPr>
+        <p:txBody>
+          <a:bodyPr>
+            <a:normAutofit fontScale="85000" lnSpcReduction="10000"/>
+          </a:bodyPr>
+          <a:lstStyle/>
+          <a:p>
+            <a:pPr>
+              <a:spcBef>
+                <a:spcPct val="0"/>
+              </a:spcBef>
+              <a:buClrTx/>
+              <a:buNone/>
+            </a:pPr>
+            <a:r>
+              <a:rPr lang="en-US" altLang="zh-CN" sz="3200" cap="all" dirty="0">
+                <a:ln w="3175" cmpd="sng">
+                  <a:noFill/>
+                </a:ln>
+                <a:gradFill flip="none" rotWithShape="1">
+                  <a:gsLst>
+                    <a:gs pos="0">
+                      <a:schemeClr val="tx1"/>
+                    </a:gs>
+                    <a:gs pos="100000">
+                      <a:schemeClr val="tx1">
+                        <a:lumMod val="65000"/>
+                      </a:schemeClr>
+                    </a:gs>
+                  </a:gsLst>
+                  <a:lin ang="5580000" scaled="0"/>
+                  <a:tileRect/>
+                </a:gradFill>
+                <a:effectLst>
+                  <a:glow rad="38100">
+                    <a:schemeClr val="bg1">
+                      <a:lumMod val="65000"/>
+                      <a:lumOff val="35000"/>
+                      <a:alpha val="40000"/>
+                    </a:schemeClr>
+                  </a:glow>
+                  <a:outerShdw blurRad="28575" dist="38100" dir="14040000" algn="tl" rotWithShape="0">
+                    <a:srgbClr val="000000">
+                      <a:alpha val="25000"/>
+                    </a:srgbClr>
+                  </a:outerShdw>
+                </a:effectLst>
+                <a:latin typeface="+mj-lt"/>
+                <a:ea typeface="+mj-ea"/>
+                <a:cs typeface="+mj-cs"/>
+              </a:rPr>
+              <a:t>CAN</a:t>
+            </a:r>
+            <a:r>
+              <a:rPr lang="zh-CN" altLang="zh-CN" sz="3200" cap="all" dirty="0">
+                <a:ln w="3175" cmpd="sng">
+                  <a:noFill/>
+                </a:ln>
+                <a:gradFill flip="none" rotWithShape="1">
+                  <a:gsLst>
+                    <a:gs pos="0">
+                      <a:schemeClr val="tx1"/>
+                    </a:gs>
+                    <a:gs pos="100000">
+                      <a:schemeClr val="tx1">
+                        <a:lumMod val="65000"/>
+                      </a:schemeClr>
+                    </a:gs>
+                  </a:gsLst>
+                  <a:lin ang="5580000" scaled="0"/>
+                  <a:tileRect/>
+                </a:gradFill>
+                <a:effectLst>
+                  <a:glow rad="38100">
+                    <a:schemeClr val="bg1">
+                      <a:lumMod val="65000"/>
+                      <a:lumOff val="35000"/>
+                      <a:alpha val="40000"/>
+                    </a:schemeClr>
+                  </a:glow>
+                  <a:outerShdw blurRad="28575" dist="38100" dir="14040000" algn="tl" rotWithShape="0">
+                    <a:srgbClr val="000000">
+                      <a:alpha val="25000"/>
+                    </a:srgbClr>
+                  </a:outerShdw>
+                </a:effectLst>
+                <a:latin typeface="+mj-lt"/>
+                <a:ea typeface="+mj-ea"/>
+                <a:cs typeface="+mj-cs"/>
+              </a:rPr>
+              <a:t>发送流程为：</a:t>
+            </a:r>
+            <a:endParaRPr lang="en-US" altLang="zh-CN" sz="3200" cap="all" dirty="0">
+              <a:ln w="3175" cmpd="sng">
+                <a:noFill/>
+              </a:ln>
+              <a:gradFill flip="none" rotWithShape="1">
+                <a:gsLst>
+                  <a:gs pos="0">
+                    <a:schemeClr val="tx1"/>
+                  </a:gs>
+                  <a:gs pos="100000">
+                    <a:schemeClr val="tx1">
+                      <a:lumMod val="65000"/>
+                    </a:schemeClr>
+                  </a:gs>
+                </a:gsLst>
+                <a:lin ang="5580000" scaled="0"/>
+                <a:tileRect/>
+              </a:gradFill>
+              <a:effectLst>
+                <a:glow rad="38100">
+                  <a:schemeClr val="bg1">
+                    <a:lumMod val="65000"/>
+                    <a:lumOff val="35000"/>
+                    <a:alpha val="40000"/>
+                  </a:schemeClr>
+                </a:glow>
+                <a:outerShdw blurRad="28575" dist="38100" dir="14040000" algn="tl" rotWithShape="0">
+                  <a:srgbClr val="000000">
+                    <a:alpha val="25000"/>
+                  </a:srgbClr>
+                </a:outerShdw>
+              </a:effectLst>
+              <a:latin typeface="+mj-lt"/>
+              <a:ea typeface="+mj-ea"/>
+              <a:cs typeface="+mj-cs"/>
+            </a:endParaRPr>
+          </a:p>
+          <a:p>
+            <a:pPr>
+              <a:spcBef>
+                <a:spcPct val="0"/>
+              </a:spcBef>
+              <a:buClrTx/>
+              <a:buNone/>
+            </a:pPr>
+            <a:r>
+              <a:rPr lang="zh-CN" altLang="zh-CN" sz="3200" cap="all" dirty="0">
+                <a:ln w="3175" cmpd="sng">
+                  <a:noFill/>
+                </a:ln>
+                <a:gradFill flip="none" rotWithShape="1">
+                  <a:gsLst>
+                    <a:gs pos="0">
+                      <a:schemeClr val="tx1"/>
+                    </a:gs>
+                    <a:gs pos="100000">
+                      <a:schemeClr val="tx1">
+                        <a:lumMod val="65000"/>
+                      </a:schemeClr>
+                    </a:gs>
+                  </a:gsLst>
+                  <a:lin ang="5580000" scaled="0"/>
+                  <a:tileRect/>
+                </a:gradFill>
+                <a:effectLst>
+                  <a:glow rad="38100">
+                    <a:schemeClr val="bg1">
+                      <a:lumMod val="65000"/>
+                      <a:lumOff val="35000"/>
+                      <a:alpha val="40000"/>
+                    </a:schemeClr>
+                  </a:glow>
+                  <a:outerShdw blurRad="28575" dist="38100" dir="14040000" algn="tl" rotWithShape="0">
+                    <a:srgbClr val="000000">
+                      <a:alpha val="25000"/>
+                    </a:srgbClr>
+                  </a:outerShdw>
+                </a:effectLst>
+                <a:latin typeface="+mj-lt"/>
+                <a:ea typeface="+mj-ea"/>
+                <a:cs typeface="+mj-cs"/>
+              </a:rPr>
+              <a:t>程序选择</a:t>
+            </a:r>
+            <a:r>
+              <a:rPr lang="en-US" altLang="zh-CN" sz="3200" cap="all" dirty="0">
+                <a:ln w="3175" cmpd="sng">
+                  <a:noFill/>
+                </a:ln>
+                <a:gradFill flip="none" rotWithShape="1">
+                  <a:gsLst>
+                    <a:gs pos="0">
+                      <a:schemeClr val="tx1"/>
+                    </a:gs>
+                    <a:gs pos="100000">
+                      <a:schemeClr val="tx1">
+                        <a:lumMod val="65000"/>
+                      </a:schemeClr>
+                    </a:gs>
+                  </a:gsLst>
+                  <a:lin ang="5580000" scaled="0"/>
+                  <a:tileRect/>
+                </a:gradFill>
+                <a:effectLst>
+                  <a:glow rad="38100">
+                    <a:schemeClr val="bg1">
+                      <a:lumMod val="65000"/>
+                      <a:lumOff val="35000"/>
+                      <a:alpha val="40000"/>
+                    </a:schemeClr>
+                  </a:glow>
+                  <a:outerShdw blurRad="28575" dist="38100" dir="14040000" algn="tl" rotWithShape="0">
+                    <a:srgbClr val="000000">
+                      <a:alpha val="25000"/>
+                    </a:srgbClr>
+                  </a:outerShdw>
+                </a:effectLst>
+                <a:latin typeface="+mj-lt"/>
+                <a:ea typeface="+mj-ea"/>
+                <a:cs typeface="+mj-cs"/>
+              </a:rPr>
+              <a:t>1</a:t>
+            </a:r>
+            <a:r>
+              <a:rPr lang="zh-CN" altLang="zh-CN" sz="3200" cap="all" dirty="0">
+                <a:ln w="3175" cmpd="sng">
+                  <a:noFill/>
+                </a:ln>
+                <a:gradFill flip="none" rotWithShape="1">
+                  <a:gsLst>
+                    <a:gs pos="0">
+                      <a:schemeClr val="tx1"/>
+                    </a:gs>
+                    <a:gs pos="100000">
+                      <a:schemeClr val="tx1">
+                        <a:lumMod val="65000"/>
+                      </a:schemeClr>
+                    </a:gs>
+                  </a:gsLst>
+                  <a:lin ang="5580000" scaled="0"/>
+                  <a:tileRect/>
+                </a:gradFill>
+                <a:effectLst>
+                  <a:glow rad="38100">
+                    <a:schemeClr val="bg1">
+                      <a:lumMod val="65000"/>
+                      <a:lumOff val="35000"/>
+                      <a:alpha val="40000"/>
+                    </a:schemeClr>
+                  </a:glow>
+                  <a:outerShdw blurRad="28575" dist="38100" dir="14040000" algn="tl" rotWithShape="0">
+                    <a:srgbClr val="000000">
+                      <a:alpha val="25000"/>
+                    </a:srgbClr>
+                  </a:outerShdw>
+                </a:effectLst>
+                <a:latin typeface="+mj-lt"/>
+                <a:ea typeface="+mj-ea"/>
+                <a:cs typeface="+mj-cs"/>
+              </a:rPr>
+              <a:t>个空置的邮箱（</a:t>
+            </a:r>
+            <a:r>
+              <a:rPr lang="en-US" altLang="zh-CN" sz="3200" cap="all" dirty="0">
+                <a:ln w="3175" cmpd="sng">
+                  <a:noFill/>
+                </a:ln>
+                <a:gradFill flip="none" rotWithShape="1">
+                  <a:gsLst>
+                    <a:gs pos="0">
+                      <a:schemeClr val="tx1"/>
+                    </a:gs>
+                    <a:gs pos="100000">
+                      <a:schemeClr val="tx1">
+                        <a:lumMod val="65000"/>
+                      </a:schemeClr>
+                    </a:gs>
+                  </a:gsLst>
+                  <a:lin ang="5580000" scaled="0"/>
+                  <a:tileRect/>
+                </a:gradFill>
+                <a:effectLst>
+                  <a:glow rad="38100">
+                    <a:schemeClr val="bg1">
+                      <a:lumMod val="65000"/>
+                      <a:lumOff val="35000"/>
+                      <a:alpha val="40000"/>
+                    </a:schemeClr>
+                  </a:glow>
+                  <a:outerShdw blurRad="28575" dist="38100" dir="14040000" algn="tl" rotWithShape="0">
+                    <a:srgbClr val="000000">
+                      <a:alpha val="25000"/>
+                    </a:srgbClr>
+                  </a:outerShdw>
+                </a:effectLst>
+                <a:latin typeface="+mj-lt"/>
+                <a:ea typeface="+mj-ea"/>
+                <a:cs typeface="+mj-cs"/>
+              </a:rPr>
+              <a:t>TME=1</a:t>
+            </a:r>
+            <a:r>
+              <a:rPr lang="zh-CN" altLang="zh-CN" sz="3200" cap="all" dirty="0">
+                <a:ln w="3175" cmpd="sng">
+                  <a:noFill/>
+                </a:ln>
+                <a:gradFill flip="none" rotWithShape="1">
+                  <a:gsLst>
+                    <a:gs pos="0">
+                      <a:schemeClr val="tx1"/>
+                    </a:gs>
+                    <a:gs pos="100000">
+                      <a:schemeClr val="tx1">
+                        <a:lumMod val="65000"/>
+                      </a:schemeClr>
+                    </a:gs>
+                  </a:gsLst>
+                  <a:lin ang="5580000" scaled="0"/>
+                  <a:tileRect/>
+                </a:gradFill>
+                <a:effectLst>
+                  <a:glow rad="38100">
+                    <a:schemeClr val="bg1">
+                      <a:lumMod val="65000"/>
+                      <a:lumOff val="35000"/>
+                      <a:alpha val="40000"/>
+                    </a:schemeClr>
+                  </a:glow>
+                  <a:outerShdw blurRad="28575" dist="38100" dir="14040000" algn="tl" rotWithShape="0">
+                    <a:srgbClr val="000000">
+                      <a:alpha val="25000"/>
+                    </a:srgbClr>
+                  </a:outerShdw>
+                </a:effectLst>
+                <a:latin typeface="+mj-lt"/>
+                <a:ea typeface="+mj-ea"/>
+                <a:cs typeface="+mj-cs"/>
+              </a:rPr>
+              <a:t>）</a:t>
+            </a:r>
+            <a:r>
+              <a:rPr lang="en-US" altLang="zh-CN" sz="3200" cap="all" dirty="0">
+                <a:ln w="3175" cmpd="sng">
+                  <a:noFill/>
+                </a:ln>
+                <a:gradFill flip="none" rotWithShape="1">
+                  <a:gsLst>
+                    <a:gs pos="0">
+                      <a:schemeClr val="tx1"/>
+                    </a:gs>
+                    <a:gs pos="100000">
+                      <a:schemeClr val="tx1">
+                        <a:lumMod val="65000"/>
+                      </a:schemeClr>
+                    </a:gs>
+                  </a:gsLst>
+                  <a:lin ang="5580000" scaled="0"/>
+                  <a:tileRect/>
+                </a:gradFill>
+                <a:effectLst>
+                  <a:glow rad="38100">
+                    <a:schemeClr val="bg1">
+                      <a:lumMod val="65000"/>
+                      <a:lumOff val="35000"/>
+                      <a:alpha val="40000"/>
+                    </a:schemeClr>
+                  </a:glow>
+                  <a:outerShdw blurRad="28575" dist="38100" dir="14040000" algn="tl" rotWithShape="0">
+                    <a:srgbClr val="000000">
+                      <a:alpha val="25000"/>
+                    </a:srgbClr>
+                  </a:outerShdw>
+                </a:effectLst>
+                <a:latin typeface="+mj-lt"/>
+                <a:ea typeface="+mj-ea"/>
+                <a:cs typeface="+mj-cs"/>
+                <a:sym typeface="Wingdings" panose="05000000000000000000" pitchFamily="2" charset="2"/>
+              </a:rPr>
+              <a:t></a:t>
+            </a:r>
+            <a:r>
+              <a:rPr lang="zh-CN" altLang="zh-CN" sz="3200" cap="all" dirty="0">
+                <a:ln w="3175" cmpd="sng">
+                  <a:noFill/>
+                </a:ln>
+                <a:gradFill flip="none" rotWithShape="1">
+                  <a:gsLst>
+                    <a:gs pos="0">
+                      <a:schemeClr val="tx1"/>
+                    </a:gs>
+                    <a:gs pos="100000">
+                      <a:schemeClr val="tx1">
+                        <a:lumMod val="65000"/>
+                      </a:schemeClr>
+                    </a:gs>
+                  </a:gsLst>
+                  <a:lin ang="5580000" scaled="0"/>
+                  <a:tileRect/>
+                </a:gradFill>
+                <a:effectLst>
+                  <a:glow rad="38100">
+                    <a:schemeClr val="bg1">
+                      <a:lumMod val="65000"/>
+                      <a:lumOff val="35000"/>
+                      <a:alpha val="40000"/>
+                    </a:schemeClr>
+                  </a:glow>
+                  <a:outerShdw blurRad="28575" dist="38100" dir="14040000" algn="tl" rotWithShape="0">
+                    <a:srgbClr val="000000">
+                      <a:alpha val="25000"/>
+                    </a:srgbClr>
+                  </a:outerShdw>
+                </a:effectLst>
+                <a:latin typeface="+mj-lt"/>
+                <a:ea typeface="+mj-ea"/>
+                <a:cs typeface="+mj-cs"/>
+              </a:rPr>
+              <a:t>设置标识符（</a:t>
+            </a:r>
+            <a:r>
+              <a:rPr lang="en-US" altLang="zh-CN" sz="3200" cap="all" dirty="0">
+                <a:ln w="3175" cmpd="sng">
+                  <a:noFill/>
+                </a:ln>
+                <a:gradFill flip="none" rotWithShape="1">
+                  <a:gsLst>
+                    <a:gs pos="0">
+                      <a:schemeClr val="tx1"/>
+                    </a:gs>
+                    <a:gs pos="100000">
+                      <a:schemeClr val="tx1">
+                        <a:lumMod val="65000"/>
+                      </a:schemeClr>
+                    </a:gs>
+                  </a:gsLst>
+                  <a:lin ang="5580000" scaled="0"/>
+                  <a:tileRect/>
+                </a:gradFill>
+                <a:effectLst>
+                  <a:glow rad="38100">
+                    <a:schemeClr val="bg1">
+                      <a:lumMod val="65000"/>
+                      <a:lumOff val="35000"/>
+                      <a:alpha val="40000"/>
+                    </a:schemeClr>
+                  </a:glow>
+                  <a:outerShdw blurRad="28575" dist="38100" dir="14040000" algn="tl" rotWithShape="0">
+                    <a:srgbClr val="000000">
+                      <a:alpha val="25000"/>
+                    </a:srgbClr>
+                  </a:outerShdw>
+                </a:effectLst>
+                <a:latin typeface="+mj-lt"/>
+                <a:ea typeface="+mj-ea"/>
+                <a:cs typeface="+mj-cs"/>
+              </a:rPr>
+              <a:t>ID</a:t>
+            </a:r>
+            <a:r>
+              <a:rPr lang="zh-CN" altLang="zh-CN" sz="3200" cap="all" dirty="0">
+                <a:ln w="3175" cmpd="sng">
+                  <a:noFill/>
+                </a:ln>
+                <a:gradFill flip="none" rotWithShape="1">
+                  <a:gsLst>
+                    <a:gs pos="0">
+                      <a:schemeClr val="tx1"/>
+                    </a:gs>
+                    <a:gs pos="100000">
+                      <a:schemeClr val="tx1">
+                        <a:lumMod val="65000"/>
+                      </a:schemeClr>
+                    </a:gs>
+                  </a:gsLst>
+                  <a:lin ang="5580000" scaled="0"/>
+                  <a:tileRect/>
+                </a:gradFill>
+                <a:effectLst>
+                  <a:glow rad="38100">
+                    <a:schemeClr val="bg1">
+                      <a:lumMod val="65000"/>
+                      <a:lumOff val="35000"/>
+                      <a:alpha val="40000"/>
+                    </a:schemeClr>
+                  </a:glow>
+                  <a:outerShdw blurRad="28575" dist="38100" dir="14040000" algn="tl" rotWithShape="0">
+                    <a:srgbClr val="000000">
+                      <a:alpha val="25000"/>
+                    </a:srgbClr>
+                  </a:outerShdw>
+                </a:effectLst>
+                <a:latin typeface="+mj-lt"/>
+                <a:ea typeface="+mj-ea"/>
+                <a:cs typeface="+mj-cs"/>
+              </a:rPr>
+              <a:t>），数据长度和发送数据</a:t>
+            </a:r>
+            <a:r>
+              <a:rPr lang="en-US" altLang="zh-CN" sz="3200" cap="all" dirty="0">
+                <a:ln w="3175" cmpd="sng">
+                  <a:noFill/>
+                </a:ln>
+                <a:gradFill flip="none" rotWithShape="1">
+                  <a:gsLst>
+                    <a:gs pos="0">
+                      <a:schemeClr val="tx1"/>
+                    </a:gs>
+                    <a:gs pos="100000">
+                      <a:schemeClr val="tx1">
+                        <a:lumMod val="65000"/>
+                      </a:schemeClr>
+                    </a:gs>
+                  </a:gsLst>
+                  <a:lin ang="5580000" scaled="0"/>
+                  <a:tileRect/>
+                </a:gradFill>
+                <a:effectLst>
+                  <a:glow rad="38100">
+                    <a:schemeClr val="bg1">
+                      <a:lumMod val="65000"/>
+                      <a:lumOff val="35000"/>
+                      <a:alpha val="40000"/>
+                    </a:schemeClr>
+                  </a:glow>
+                  <a:outerShdw blurRad="28575" dist="38100" dir="14040000" algn="tl" rotWithShape="0">
+                    <a:srgbClr val="000000">
+                      <a:alpha val="25000"/>
+                    </a:srgbClr>
+                  </a:outerShdw>
+                </a:effectLst>
+                <a:latin typeface="+mj-lt"/>
+                <a:ea typeface="+mj-ea"/>
+                <a:cs typeface="+mj-cs"/>
+                <a:sym typeface="Wingdings" panose="05000000000000000000" pitchFamily="2" charset="2"/>
+              </a:rPr>
+              <a:t></a:t>
+            </a:r>
+            <a:r>
+              <a:rPr lang="zh-CN" altLang="zh-CN" sz="3200" cap="all" dirty="0">
+                <a:ln w="3175" cmpd="sng">
+                  <a:noFill/>
+                </a:ln>
+                <a:gradFill flip="none" rotWithShape="1">
+                  <a:gsLst>
+                    <a:gs pos="0">
+                      <a:schemeClr val="tx1"/>
+                    </a:gs>
+                    <a:gs pos="100000">
+                      <a:schemeClr val="tx1">
+                        <a:lumMod val="65000"/>
+                      </a:schemeClr>
+                    </a:gs>
+                  </a:gsLst>
+                  <a:lin ang="5580000" scaled="0"/>
+                  <a:tileRect/>
+                </a:gradFill>
+                <a:effectLst>
+                  <a:glow rad="38100">
+                    <a:schemeClr val="bg1">
+                      <a:lumMod val="65000"/>
+                      <a:lumOff val="35000"/>
+                      <a:alpha val="40000"/>
+                    </a:schemeClr>
+                  </a:glow>
+                  <a:outerShdw blurRad="28575" dist="38100" dir="14040000" algn="tl" rotWithShape="0">
+                    <a:srgbClr val="000000">
+                      <a:alpha val="25000"/>
+                    </a:srgbClr>
+                  </a:outerShdw>
+                </a:effectLst>
+                <a:latin typeface="+mj-lt"/>
+                <a:ea typeface="+mj-ea"/>
+                <a:cs typeface="+mj-cs"/>
+              </a:rPr>
+              <a:t>设置</a:t>
+            </a:r>
+            <a:r>
+              <a:rPr lang="en-US" altLang="zh-CN" sz="3200" cap="all" dirty="0" err="1">
+                <a:ln w="3175" cmpd="sng">
+                  <a:noFill/>
+                </a:ln>
+                <a:gradFill flip="none" rotWithShape="1">
+                  <a:gsLst>
+                    <a:gs pos="0">
+                      <a:schemeClr val="tx1"/>
+                    </a:gs>
+                    <a:gs pos="100000">
+                      <a:schemeClr val="tx1">
+                        <a:lumMod val="65000"/>
+                      </a:schemeClr>
+                    </a:gs>
+                  </a:gsLst>
+                  <a:lin ang="5580000" scaled="0"/>
+                  <a:tileRect/>
+                </a:gradFill>
+                <a:effectLst>
+                  <a:glow rad="38100">
+                    <a:schemeClr val="bg1">
+                      <a:lumMod val="65000"/>
+                      <a:lumOff val="35000"/>
+                      <a:alpha val="40000"/>
+                    </a:schemeClr>
+                  </a:glow>
+                  <a:outerShdw blurRad="28575" dist="38100" dir="14040000" algn="tl" rotWithShape="0">
+                    <a:srgbClr val="000000">
+                      <a:alpha val="25000"/>
+                    </a:srgbClr>
+                  </a:outerShdw>
+                </a:effectLst>
+                <a:latin typeface="+mj-lt"/>
+                <a:ea typeface="+mj-ea"/>
+                <a:cs typeface="+mj-cs"/>
+              </a:rPr>
+              <a:t>CAN_TIxR</a:t>
+            </a:r>
+            <a:r>
+              <a:rPr lang="zh-CN" altLang="zh-CN" sz="3200" cap="all" dirty="0">
+                <a:ln w="3175" cmpd="sng">
+                  <a:noFill/>
+                </a:ln>
+                <a:gradFill flip="none" rotWithShape="1">
+                  <a:gsLst>
+                    <a:gs pos="0">
+                      <a:schemeClr val="tx1"/>
+                    </a:gs>
+                    <a:gs pos="100000">
+                      <a:schemeClr val="tx1">
+                        <a:lumMod val="65000"/>
+                      </a:schemeClr>
+                    </a:gs>
+                  </a:gsLst>
+                  <a:lin ang="5580000" scaled="0"/>
+                  <a:tileRect/>
+                </a:gradFill>
+                <a:effectLst>
+                  <a:glow rad="38100">
+                    <a:schemeClr val="bg1">
+                      <a:lumMod val="65000"/>
+                      <a:lumOff val="35000"/>
+                      <a:alpha val="40000"/>
+                    </a:schemeClr>
+                  </a:glow>
+                  <a:outerShdw blurRad="28575" dist="38100" dir="14040000" algn="tl" rotWithShape="0">
+                    <a:srgbClr val="000000">
+                      <a:alpha val="25000"/>
+                    </a:srgbClr>
+                  </a:outerShdw>
+                </a:effectLst>
+                <a:latin typeface="+mj-lt"/>
+                <a:ea typeface="+mj-ea"/>
+                <a:cs typeface="+mj-cs"/>
+              </a:rPr>
+              <a:t>的</a:t>
+            </a:r>
+            <a:r>
+              <a:rPr lang="en-US" altLang="zh-CN" sz="3200" cap="all" dirty="0">
+                <a:ln w="3175" cmpd="sng">
+                  <a:noFill/>
+                </a:ln>
+                <a:gradFill flip="none" rotWithShape="1">
+                  <a:gsLst>
+                    <a:gs pos="0">
+                      <a:schemeClr val="tx1"/>
+                    </a:gs>
+                    <a:gs pos="100000">
+                      <a:schemeClr val="tx1">
+                        <a:lumMod val="65000"/>
+                      </a:schemeClr>
+                    </a:gs>
+                  </a:gsLst>
+                  <a:lin ang="5580000" scaled="0"/>
+                  <a:tileRect/>
+                </a:gradFill>
+                <a:effectLst>
+                  <a:glow rad="38100">
+                    <a:schemeClr val="bg1">
+                      <a:lumMod val="65000"/>
+                      <a:lumOff val="35000"/>
+                      <a:alpha val="40000"/>
+                    </a:schemeClr>
+                  </a:glow>
+                  <a:outerShdw blurRad="28575" dist="38100" dir="14040000" algn="tl" rotWithShape="0">
+                    <a:srgbClr val="000000">
+                      <a:alpha val="25000"/>
+                    </a:srgbClr>
+                  </a:outerShdw>
+                </a:effectLst>
+                <a:latin typeface="+mj-lt"/>
+                <a:ea typeface="+mj-ea"/>
+                <a:cs typeface="+mj-cs"/>
+              </a:rPr>
+              <a:t>TXRQ</a:t>
+            </a:r>
+            <a:r>
+              <a:rPr lang="zh-CN" altLang="zh-CN" sz="3200" cap="all" dirty="0">
+                <a:ln w="3175" cmpd="sng">
+                  <a:noFill/>
+                </a:ln>
+                <a:gradFill flip="none" rotWithShape="1">
+                  <a:gsLst>
+                    <a:gs pos="0">
+                      <a:schemeClr val="tx1"/>
+                    </a:gs>
+                    <a:gs pos="100000">
+                      <a:schemeClr val="tx1">
+                        <a:lumMod val="65000"/>
+                      </a:schemeClr>
+                    </a:gs>
+                  </a:gsLst>
+                  <a:lin ang="5580000" scaled="0"/>
+                  <a:tileRect/>
+                </a:gradFill>
+                <a:effectLst>
+                  <a:glow rad="38100">
+                    <a:schemeClr val="bg1">
+                      <a:lumMod val="65000"/>
+                      <a:lumOff val="35000"/>
+                      <a:alpha val="40000"/>
+                    </a:schemeClr>
+                  </a:glow>
+                  <a:outerShdw blurRad="28575" dist="38100" dir="14040000" algn="tl" rotWithShape="0">
+                    <a:srgbClr val="000000">
+                      <a:alpha val="25000"/>
+                    </a:srgbClr>
+                  </a:outerShdw>
+                </a:effectLst>
+                <a:latin typeface="+mj-lt"/>
+                <a:ea typeface="+mj-ea"/>
+                <a:cs typeface="+mj-cs"/>
+              </a:rPr>
+              <a:t>位为</a:t>
+            </a:r>
+            <a:r>
+              <a:rPr lang="en-US" altLang="zh-CN" sz="3200" cap="all" dirty="0">
+                <a:ln w="3175" cmpd="sng">
+                  <a:noFill/>
+                </a:ln>
+                <a:gradFill flip="none" rotWithShape="1">
+                  <a:gsLst>
+                    <a:gs pos="0">
+                      <a:schemeClr val="tx1"/>
+                    </a:gs>
+                    <a:gs pos="100000">
+                      <a:schemeClr val="tx1">
+                        <a:lumMod val="65000"/>
+                      </a:schemeClr>
+                    </a:gs>
+                  </a:gsLst>
+                  <a:lin ang="5580000" scaled="0"/>
+                  <a:tileRect/>
+                </a:gradFill>
+                <a:effectLst>
+                  <a:glow rad="38100">
+                    <a:schemeClr val="bg1">
+                      <a:lumMod val="65000"/>
+                      <a:lumOff val="35000"/>
+                      <a:alpha val="40000"/>
+                    </a:schemeClr>
+                  </a:glow>
+                  <a:outerShdw blurRad="28575" dist="38100" dir="14040000" algn="tl" rotWithShape="0">
+                    <a:srgbClr val="000000">
+                      <a:alpha val="25000"/>
+                    </a:srgbClr>
+                  </a:outerShdw>
+                </a:effectLst>
+                <a:latin typeface="+mj-lt"/>
+                <a:ea typeface="+mj-ea"/>
+                <a:cs typeface="+mj-cs"/>
+              </a:rPr>
+              <a:t>1</a:t>
+            </a:r>
+            <a:r>
+              <a:rPr lang="zh-CN" altLang="zh-CN" sz="3200" cap="all" dirty="0">
+                <a:ln w="3175" cmpd="sng">
+                  <a:noFill/>
+                </a:ln>
+                <a:gradFill flip="none" rotWithShape="1">
+                  <a:gsLst>
+                    <a:gs pos="0">
+                      <a:schemeClr val="tx1"/>
+                    </a:gs>
+                    <a:gs pos="100000">
+                      <a:schemeClr val="tx1">
+                        <a:lumMod val="65000"/>
+                      </a:schemeClr>
+                    </a:gs>
+                  </a:gsLst>
+                  <a:lin ang="5580000" scaled="0"/>
+                  <a:tileRect/>
+                </a:gradFill>
+                <a:effectLst>
+                  <a:glow rad="38100">
+                    <a:schemeClr val="bg1">
+                      <a:lumMod val="65000"/>
+                      <a:lumOff val="35000"/>
+                      <a:alpha val="40000"/>
+                    </a:schemeClr>
+                  </a:glow>
+                  <a:outerShdw blurRad="28575" dist="38100" dir="14040000" algn="tl" rotWithShape="0">
+                    <a:srgbClr val="000000">
+                      <a:alpha val="25000"/>
+                    </a:srgbClr>
+                  </a:outerShdw>
+                </a:effectLst>
+                <a:latin typeface="+mj-lt"/>
+                <a:ea typeface="+mj-ea"/>
+                <a:cs typeface="+mj-cs"/>
+              </a:rPr>
+              <a:t>，请求发送</a:t>
+            </a:r>
+            <a:r>
+              <a:rPr lang="en-US" altLang="zh-CN" sz="3200" cap="all" dirty="0">
+                <a:ln w="3175" cmpd="sng">
+                  <a:noFill/>
+                </a:ln>
+                <a:gradFill flip="none" rotWithShape="1">
+                  <a:gsLst>
+                    <a:gs pos="0">
+                      <a:schemeClr val="tx1"/>
+                    </a:gs>
+                    <a:gs pos="100000">
+                      <a:schemeClr val="tx1">
+                        <a:lumMod val="65000"/>
+                      </a:schemeClr>
+                    </a:gs>
+                  </a:gsLst>
+                  <a:lin ang="5580000" scaled="0"/>
+                  <a:tileRect/>
+                </a:gradFill>
+                <a:effectLst>
+                  <a:glow rad="38100">
+                    <a:schemeClr val="bg1">
+                      <a:lumMod val="65000"/>
+                      <a:lumOff val="35000"/>
+                      <a:alpha val="40000"/>
+                    </a:schemeClr>
+                  </a:glow>
+                  <a:outerShdw blurRad="28575" dist="38100" dir="14040000" algn="tl" rotWithShape="0">
+                    <a:srgbClr val="000000">
+                      <a:alpha val="25000"/>
+                    </a:srgbClr>
+                  </a:outerShdw>
+                </a:effectLst>
+                <a:latin typeface="+mj-lt"/>
+                <a:ea typeface="+mj-ea"/>
+                <a:cs typeface="+mj-cs"/>
+                <a:sym typeface="Wingdings" panose="05000000000000000000" pitchFamily="2" charset="2"/>
+              </a:rPr>
+              <a:t></a:t>
+            </a:r>
+            <a:r>
+              <a:rPr lang="zh-CN" altLang="zh-CN" sz="3200" cap="all" dirty="0">
+                <a:ln w="3175" cmpd="sng">
+                  <a:noFill/>
+                </a:ln>
+                <a:gradFill flip="none" rotWithShape="1">
+                  <a:gsLst>
+                    <a:gs pos="0">
+                      <a:schemeClr val="tx1"/>
+                    </a:gs>
+                    <a:gs pos="100000">
+                      <a:schemeClr val="tx1">
+                        <a:lumMod val="65000"/>
+                      </a:schemeClr>
+                    </a:gs>
+                  </a:gsLst>
+                  <a:lin ang="5580000" scaled="0"/>
+                  <a:tileRect/>
+                </a:gradFill>
+                <a:effectLst>
+                  <a:glow rad="38100">
+                    <a:schemeClr val="bg1">
+                      <a:lumMod val="65000"/>
+                      <a:lumOff val="35000"/>
+                      <a:alpha val="40000"/>
+                    </a:schemeClr>
+                  </a:glow>
+                  <a:outerShdw blurRad="28575" dist="38100" dir="14040000" algn="tl" rotWithShape="0">
+                    <a:srgbClr val="000000">
+                      <a:alpha val="25000"/>
+                    </a:srgbClr>
+                  </a:outerShdw>
+                </a:effectLst>
+                <a:latin typeface="+mj-lt"/>
+                <a:ea typeface="+mj-ea"/>
+                <a:cs typeface="+mj-cs"/>
+              </a:rPr>
+              <a:t>邮箱挂号（等待成为最高优先级）</a:t>
+            </a:r>
+            <a:r>
+              <a:rPr lang="en-US" altLang="zh-CN" sz="3200" cap="all" dirty="0">
+                <a:ln w="3175" cmpd="sng">
+                  <a:noFill/>
+                </a:ln>
+                <a:gradFill flip="none" rotWithShape="1">
+                  <a:gsLst>
+                    <a:gs pos="0">
+                      <a:schemeClr val="tx1"/>
+                    </a:gs>
+                    <a:gs pos="100000">
+                      <a:schemeClr val="tx1">
+                        <a:lumMod val="65000"/>
+                      </a:schemeClr>
+                    </a:gs>
+                  </a:gsLst>
+                  <a:lin ang="5580000" scaled="0"/>
+                  <a:tileRect/>
+                </a:gradFill>
+                <a:effectLst>
+                  <a:glow rad="38100">
+                    <a:schemeClr val="bg1">
+                      <a:lumMod val="65000"/>
+                      <a:lumOff val="35000"/>
+                      <a:alpha val="40000"/>
+                    </a:schemeClr>
+                  </a:glow>
+                  <a:outerShdw blurRad="28575" dist="38100" dir="14040000" algn="tl" rotWithShape="0">
+                    <a:srgbClr val="000000">
+                      <a:alpha val="25000"/>
+                    </a:srgbClr>
+                  </a:outerShdw>
+                </a:effectLst>
+                <a:latin typeface="+mj-lt"/>
+                <a:ea typeface="+mj-ea"/>
+                <a:cs typeface="+mj-cs"/>
+                <a:sym typeface="Wingdings" panose="05000000000000000000" pitchFamily="2" charset="2"/>
+              </a:rPr>
+              <a:t></a:t>
+            </a:r>
+            <a:r>
+              <a:rPr lang="zh-CN" altLang="zh-CN" sz="3200" cap="all" dirty="0">
+                <a:ln w="3175" cmpd="sng">
+                  <a:noFill/>
+                </a:ln>
+                <a:gradFill flip="none" rotWithShape="1">
+                  <a:gsLst>
+                    <a:gs pos="0">
+                      <a:schemeClr val="tx1"/>
+                    </a:gs>
+                    <a:gs pos="100000">
+                      <a:schemeClr val="tx1">
+                        <a:lumMod val="65000"/>
+                      </a:schemeClr>
+                    </a:gs>
+                  </a:gsLst>
+                  <a:lin ang="5580000" scaled="0"/>
+                  <a:tileRect/>
+                </a:gradFill>
+                <a:effectLst>
+                  <a:glow rad="38100">
+                    <a:schemeClr val="bg1">
+                      <a:lumMod val="65000"/>
+                      <a:lumOff val="35000"/>
+                      <a:alpha val="40000"/>
+                    </a:schemeClr>
+                  </a:glow>
+                  <a:outerShdw blurRad="28575" dist="38100" dir="14040000" algn="tl" rotWithShape="0">
+                    <a:srgbClr val="000000">
+                      <a:alpha val="25000"/>
+                    </a:srgbClr>
+                  </a:outerShdw>
+                </a:effectLst>
+                <a:latin typeface="+mj-lt"/>
+                <a:ea typeface="+mj-ea"/>
+                <a:cs typeface="+mj-cs"/>
+              </a:rPr>
+              <a:t>预定发送（等待总线空闲）</a:t>
+            </a:r>
+            <a:r>
+              <a:rPr lang="en-US" altLang="zh-CN" sz="3200" cap="all" dirty="0">
+                <a:ln w="3175" cmpd="sng">
+                  <a:noFill/>
+                </a:ln>
+                <a:gradFill flip="none" rotWithShape="1">
+                  <a:gsLst>
+                    <a:gs pos="0">
+                      <a:schemeClr val="tx1"/>
+                    </a:gs>
+                    <a:gs pos="100000">
+                      <a:schemeClr val="tx1">
+                        <a:lumMod val="65000"/>
+                      </a:schemeClr>
+                    </a:gs>
+                  </a:gsLst>
+                  <a:lin ang="5580000" scaled="0"/>
+                  <a:tileRect/>
+                </a:gradFill>
+                <a:effectLst>
+                  <a:glow rad="38100">
+                    <a:schemeClr val="bg1">
+                      <a:lumMod val="65000"/>
+                      <a:lumOff val="35000"/>
+                      <a:alpha val="40000"/>
+                    </a:schemeClr>
+                  </a:glow>
+                  <a:outerShdw blurRad="28575" dist="38100" dir="14040000" algn="tl" rotWithShape="0">
+                    <a:srgbClr val="000000">
+                      <a:alpha val="25000"/>
+                    </a:srgbClr>
+                  </a:outerShdw>
+                </a:effectLst>
+                <a:latin typeface="+mj-lt"/>
+                <a:ea typeface="+mj-ea"/>
+                <a:cs typeface="+mj-cs"/>
+                <a:sym typeface="Wingdings" panose="05000000000000000000" pitchFamily="2" charset="2"/>
+              </a:rPr>
+              <a:t></a:t>
+            </a:r>
+            <a:r>
+              <a:rPr lang="zh-CN" altLang="zh-CN" sz="3200" cap="all" dirty="0">
+                <a:ln w="3175" cmpd="sng">
+                  <a:noFill/>
+                </a:ln>
+                <a:gradFill flip="none" rotWithShape="1">
+                  <a:gsLst>
+                    <a:gs pos="0">
+                      <a:schemeClr val="tx1"/>
+                    </a:gs>
+                    <a:gs pos="100000">
+                      <a:schemeClr val="tx1">
+                        <a:lumMod val="65000"/>
+                      </a:schemeClr>
+                    </a:gs>
+                  </a:gsLst>
+                  <a:lin ang="5580000" scaled="0"/>
+                  <a:tileRect/>
+                </a:gradFill>
+                <a:effectLst>
+                  <a:glow rad="38100">
+                    <a:schemeClr val="bg1">
+                      <a:lumMod val="65000"/>
+                      <a:lumOff val="35000"/>
+                      <a:alpha val="40000"/>
+                    </a:schemeClr>
+                  </a:glow>
+                  <a:outerShdw blurRad="28575" dist="38100" dir="14040000" algn="tl" rotWithShape="0">
+                    <a:srgbClr val="000000">
+                      <a:alpha val="25000"/>
+                    </a:srgbClr>
+                  </a:outerShdw>
+                </a:effectLst>
+                <a:latin typeface="+mj-lt"/>
+                <a:ea typeface="+mj-ea"/>
+                <a:cs typeface="+mj-cs"/>
+              </a:rPr>
+              <a:t>发送</a:t>
+            </a:r>
+            <a:r>
+              <a:rPr lang="en-US" altLang="zh-CN" sz="3200" cap="all" dirty="0">
+                <a:ln w="3175" cmpd="sng">
+                  <a:noFill/>
+                </a:ln>
+                <a:gradFill flip="none" rotWithShape="1">
+                  <a:gsLst>
+                    <a:gs pos="0">
+                      <a:schemeClr val="tx1"/>
+                    </a:gs>
+                    <a:gs pos="100000">
+                      <a:schemeClr val="tx1">
+                        <a:lumMod val="65000"/>
+                      </a:schemeClr>
+                    </a:gs>
+                  </a:gsLst>
+                  <a:lin ang="5580000" scaled="0"/>
+                  <a:tileRect/>
+                </a:gradFill>
+                <a:effectLst>
+                  <a:glow rad="38100">
+                    <a:schemeClr val="bg1">
+                      <a:lumMod val="65000"/>
+                      <a:lumOff val="35000"/>
+                      <a:alpha val="40000"/>
+                    </a:schemeClr>
+                  </a:glow>
+                  <a:outerShdw blurRad="28575" dist="38100" dir="14040000" algn="tl" rotWithShape="0">
+                    <a:srgbClr val="000000">
+                      <a:alpha val="25000"/>
+                    </a:srgbClr>
+                  </a:outerShdw>
+                </a:effectLst>
+                <a:latin typeface="+mj-lt"/>
+                <a:ea typeface="+mj-ea"/>
+                <a:cs typeface="+mj-cs"/>
+                <a:sym typeface="Wingdings" panose="05000000000000000000" pitchFamily="2" charset="2"/>
+              </a:rPr>
+              <a:t></a:t>
+            </a:r>
+            <a:r>
+              <a:rPr lang="zh-CN" altLang="zh-CN" sz="3200" cap="all" dirty="0">
+                <a:ln w="3175" cmpd="sng">
+                  <a:noFill/>
+                </a:ln>
+                <a:gradFill flip="none" rotWithShape="1">
+                  <a:gsLst>
+                    <a:gs pos="0">
+                      <a:schemeClr val="tx1"/>
+                    </a:gs>
+                    <a:gs pos="100000">
+                      <a:schemeClr val="tx1">
+                        <a:lumMod val="65000"/>
+                      </a:schemeClr>
+                    </a:gs>
+                  </a:gsLst>
+                  <a:lin ang="5580000" scaled="0"/>
+                  <a:tileRect/>
+                </a:gradFill>
+                <a:effectLst>
+                  <a:glow rad="38100">
+                    <a:schemeClr val="bg1">
+                      <a:lumMod val="65000"/>
+                      <a:lumOff val="35000"/>
+                      <a:alpha val="40000"/>
+                    </a:schemeClr>
+                  </a:glow>
+                  <a:outerShdw blurRad="28575" dist="38100" dir="14040000" algn="tl" rotWithShape="0">
+                    <a:srgbClr val="000000">
+                      <a:alpha val="25000"/>
+                    </a:srgbClr>
+                  </a:outerShdw>
+                </a:effectLst>
+                <a:latin typeface="+mj-lt"/>
+                <a:ea typeface="+mj-ea"/>
+                <a:cs typeface="+mj-cs"/>
+              </a:rPr>
+              <a:t>邮箱空置。</a:t>
+            </a:r>
+            <a:endParaRPr lang="zh-CN" altLang="en-US" sz="3200" cap="all" dirty="0">
+              <a:ln w="3175" cmpd="sng">
+                <a:noFill/>
+              </a:ln>
+              <a:gradFill flip="none" rotWithShape="1">
+                <a:gsLst>
+                  <a:gs pos="0">
+                    <a:schemeClr val="tx1"/>
+                  </a:gs>
+                  <a:gs pos="100000">
+                    <a:schemeClr val="tx1">
+                      <a:lumMod val="65000"/>
+                    </a:schemeClr>
+                  </a:gs>
+                </a:gsLst>
+                <a:lin ang="5580000" scaled="0"/>
+                <a:tileRect/>
+              </a:gradFill>
+              <a:effectLst>
+                <a:glow rad="38100">
+                  <a:schemeClr val="bg1">
+                    <a:lumMod val="65000"/>
+                    <a:lumOff val="35000"/>
+                    <a:alpha val="40000"/>
+                  </a:schemeClr>
+                </a:glow>
+                <a:outerShdw blurRad="28575" dist="38100" dir="14040000" algn="tl" rotWithShape="0">
+                  <a:srgbClr val="000000">
+                    <a:alpha val="25000"/>
+                  </a:srgbClr>
+                </a:outerShdw>
+              </a:effectLst>
+              <a:latin typeface="+mj-lt"/>
+              <a:ea typeface="+mj-ea"/>
+              <a:cs typeface="+mj-cs"/>
+            </a:endParaRPr>
+          </a:p>
+          <a:p>
+            <a:endParaRPr lang="zh-CN" altLang="en-US" dirty="0"/>
+          </a:p>
+        </p:txBody>
+      </p:sp>
+      <p:pic>
+        <p:nvPicPr>
+          <p:cNvPr id="4" name="Picture 9">
+            <a:extLst>
+              <a:ext uri="{FF2B5EF4-FFF2-40B4-BE49-F238E27FC236}">
+                <a16:creationId xmlns:a16="http://schemas.microsoft.com/office/drawing/2014/main" id="{AB5A020D-6851-4180-B8CE-9C8232F0D3BB}"/>
+              </a:ext>
+            </a:extLst>
+          </p:cNvPr>
+          <p:cNvPicPr>
+            <a:picLocks noChangeAspect="1" noChangeArrowheads="1"/>
+          </p:cNvPicPr>
+          <p:nvPr/>
+        </p:nvPicPr>
+        <p:blipFill>
+          <a:blip r:embed="rId2">
+            <a:extLst>
+              <a:ext uri="{28A0092B-C50C-407E-A947-70E740481C1C}">
+                <a14:useLocalDpi xmlns:a14="http://schemas.microsoft.com/office/drawing/2010/main" val="0"/>
+              </a:ext>
+            </a:extLst>
+          </a:blip>
+          <a:srcRect/>
+          <a:stretch>
+            <a:fillRect/>
+          </a:stretch>
+        </p:blipFill>
+        <p:spPr bwMode="auto">
+          <a:xfrm>
+            <a:off x="4796589" y="609599"/>
+            <a:ext cx="7078495" cy="5638801"/>
+          </a:xfrm>
+          <a:prstGeom prst="rect">
+            <a:avLst/>
+          </a:prstGeom>
+          <a:noFill/>
+          <a:ln>
+            <a:noFill/>
+          </a:ln>
+          <a:extLst>
+            <a:ext uri="{909E8E84-426E-40DD-AFC4-6F175D3DCCD1}">
+              <a14:hiddenFill xmlns:a14="http://schemas.microsoft.com/office/drawing/2010/main">
+                <a:solidFill>
+                  <a:schemeClr val="accent1"/>
+                </a:solidFill>
+              </a14:hiddenFill>
+            </a:ext>
+            <a:ext uri="{91240B29-F687-4F45-9708-019B960494DF}">
+              <a14:hiddenLine xmlns:a14="http://schemas.microsoft.com/office/drawing/2010/main" w="9525">
+                <a:solidFill>
+                  <a:schemeClr val="tx1"/>
+                </a:solidFill>
+                <a:miter lim="800000"/>
+                <a:headEnd/>
+                <a:tailEnd/>
+              </a14:hiddenLine>
+            </a:ext>
+          </a:extLst>
+        </p:spPr>
+      </p:pic>
+    </p:spTree>
+    <p:extLst>
+      <p:ext uri="{BB962C8B-B14F-4D97-AF65-F5344CB8AC3E}">
+        <p14:creationId xmlns:p14="http://schemas.microsoft.com/office/powerpoint/2010/main" val="4215459961"/>
+      </p:ext>
+    </p:extLst>
+  </p:cSld>
+  <p:clrMapOvr>
+    <a:masterClrMapping/>
+  </p:clrMapOvr>
+</p:sld>
+</file>
+
+<file path=ppt/slides/slide33.xml><?xml version="1.0" encoding="utf-8"?>
+<p:sld xmlns:a="http://schemas.openxmlformats.org/drawingml/2006/main" xmlns:r="http://schemas.openxmlformats.org/officeDocument/2006/relationships" xmlns:p="http://schemas.openxmlformats.org/presentationml/2006/main">
+  <p:cSld>
+    <p:spTree>
+      <p:nvGrpSpPr>
+        <p:cNvPr id="1" name=""/>
+        <p:cNvGrpSpPr/>
+        <p:nvPr/>
+      </p:nvGrpSpPr>
+      <p:grpSpPr>
+        <a:xfrm>
+          <a:off x="0" y="0"/>
+          <a:ext cx="0" cy="0"/>
+          <a:chOff x="0" y="0"/>
+          <a:chExt cx="0" cy="0"/>
+        </a:xfrm>
+      </p:grpSpPr>
+      <p:sp>
+        <p:nvSpPr>
+          <p:cNvPr id="2" name="标题 1">
+            <a:extLst>
+              <a:ext uri="{FF2B5EF4-FFF2-40B4-BE49-F238E27FC236}">
+                <a16:creationId xmlns:a16="http://schemas.microsoft.com/office/drawing/2014/main" id="{0FBD9759-F258-4CE5-A560-CE35AEA37B53}"/>
+              </a:ext>
+            </a:extLst>
+          </p:cNvPr>
+          <p:cNvSpPr>
+            <a:spLocks noGrp="1"/>
+          </p:cNvSpPr>
+          <p:nvPr>
+            <p:ph type="title"/>
+          </p:nvPr>
+        </p:nvSpPr>
+        <p:spPr>
+          <a:xfrm>
+            <a:off x="1141413" y="609600"/>
+            <a:ext cx="9905998" cy="834189"/>
+          </a:xfrm>
+        </p:spPr>
         <p:txBody>
           <a:bodyPr/>
           <a:lstStyle/>
           <a:p>
-            <a:endParaRPr lang="zh-CN" altLang="en-US"/>
+            <a:r>
+              <a:rPr lang="en-US" altLang="zh-CN" dirty="0"/>
+              <a:t>CAN</a:t>
+            </a:r>
+            <a:r>
+              <a:rPr lang="zh-CN" altLang="en-US" dirty="0"/>
+              <a:t>接收流程</a:t>
+            </a:r>
+          </a:p>
+        </p:txBody>
+      </p:sp>
+      <p:sp>
+        <p:nvSpPr>
+          <p:cNvPr id="3" name="内容占位符 2">
+            <a:extLst>
+              <a:ext uri="{FF2B5EF4-FFF2-40B4-BE49-F238E27FC236}">
+                <a16:creationId xmlns:a16="http://schemas.microsoft.com/office/drawing/2014/main" id="{FF9417E6-BA2E-4B20-A5DE-357252B5756D}"/>
+              </a:ext>
+            </a:extLst>
+          </p:cNvPr>
+          <p:cNvSpPr>
+            <a:spLocks noGrp="1"/>
+          </p:cNvSpPr>
+          <p:nvPr>
+            <p:ph idx="1"/>
+          </p:nvPr>
+        </p:nvSpPr>
+        <p:spPr>
+          <a:xfrm>
+            <a:off x="1141413" y="1443790"/>
+            <a:ext cx="2837029" cy="4122822"/>
+          </a:xfrm>
+        </p:spPr>
+        <p:txBody>
+          <a:bodyPr>
+            <a:normAutofit/>
+          </a:bodyPr>
+          <a:lstStyle/>
+          <a:p>
+            <a:pPr>
+              <a:spcBef>
+                <a:spcPct val="0"/>
+              </a:spcBef>
+              <a:buClrTx/>
+              <a:buNone/>
+            </a:pPr>
+            <a:r>
+              <a:rPr lang="en-US" altLang="zh-CN" sz="2200" cap="all" dirty="0">
+                <a:ln w="3175" cmpd="sng">
+                  <a:noFill/>
+                </a:ln>
+                <a:gradFill flip="none" rotWithShape="1">
+                  <a:gsLst>
+                    <a:gs pos="0">
+                      <a:schemeClr val="tx1"/>
+                    </a:gs>
+                    <a:gs pos="100000">
+                      <a:schemeClr val="tx1">
+                        <a:lumMod val="65000"/>
+                      </a:schemeClr>
+                    </a:gs>
+                  </a:gsLst>
+                  <a:lin ang="5580000" scaled="0"/>
+                  <a:tileRect/>
+                </a:gradFill>
+                <a:effectLst>
+                  <a:glow rad="38100">
+                    <a:schemeClr val="bg1">
+                      <a:lumMod val="65000"/>
+                      <a:lumOff val="35000"/>
+                      <a:alpha val="40000"/>
+                    </a:schemeClr>
+                  </a:glow>
+                  <a:outerShdw blurRad="28575" dist="38100" dir="14040000" algn="tl" rotWithShape="0">
+                    <a:srgbClr val="000000">
+                      <a:alpha val="25000"/>
+                    </a:srgbClr>
+                  </a:outerShdw>
+                </a:effectLst>
+                <a:latin typeface="+mj-lt"/>
+                <a:ea typeface="+mj-ea"/>
+                <a:cs typeface="+mj-cs"/>
+              </a:rPr>
+              <a:t>CAN</a:t>
+            </a:r>
+            <a:r>
+              <a:rPr lang="zh-CN" altLang="en-US" sz="2200" cap="all" dirty="0">
+                <a:ln w="3175" cmpd="sng">
+                  <a:noFill/>
+                </a:ln>
+                <a:gradFill flip="none" rotWithShape="1">
+                  <a:gsLst>
+                    <a:gs pos="0">
+                      <a:schemeClr val="tx1"/>
+                    </a:gs>
+                    <a:gs pos="100000">
+                      <a:schemeClr val="tx1">
+                        <a:lumMod val="65000"/>
+                      </a:schemeClr>
+                    </a:gs>
+                  </a:gsLst>
+                  <a:lin ang="5580000" scaled="0"/>
+                  <a:tileRect/>
+                </a:gradFill>
+                <a:effectLst>
+                  <a:glow rad="38100">
+                    <a:schemeClr val="bg1">
+                      <a:lumMod val="65000"/>
+                      <a:lumOff val="35000"/>
+                      <a:alpha val="40000"/>
+                    </a:schemeClr>
+                  </a:glow>
+                  <a:outerShdw blurRad="28575" dist="38100" dir="14040000" algn="tl" rotWithShape="0">
+                    <a:srgbClr val="000000">
+                      <a:alpha val="25000"/>
+                    </a:srgbClr>
+                  </a:outerShdw>
+                </a:effectLst>
+                <a:latin typeface="+mj-lt"/>
+                <a:ea typeface="+mj-ea"/>
+                <a:cs typeface="+mj-cs"/>
+              </a:rPr>
+              <a:t>接收</a:t>
+            </a:r>
+            <a:r>
+              <a:rPr lang="zh-CN" altLang="zh-CN" sz="2200" cap="all" dirty="0">
+                <a:ln w="3175" cmpd="sng">
+                  <a:noFill/>
+                </a:ln>
+                <a:gradFill flip="none" rotWithShape="1">
+                  <a:gsLst>
+                    <a:gs pos="0">
+                      <a:schemeClr val="tx1"/>
+                    </a:gs>
+                    <a:gs pos="100000">
+                      <a:schemeClr val="tx1">
+                        <a:lumMod val="65000"/>
+                      </a:schemeClr>
+                    </a:gs>
+                  </a:gsLst>
+                  <a:lin ang="5580000" scaled="0"/>
+                  <a:tileRect/>
+                </a:gradFill>
+                <a:effectLst>
+                  <a:glow rad="38100">
+                    <a:schemeClr val="bg1">
+                      <a:lumMod val="65000"/>
+                      <a:lumOff val="35000"/>
+                      <a:alpha val="40000"/>
+                    </a:schemeClr>
+                  </a:glow>
+                  <a:outerShdw blurRad="28575" dist="38100" dir="14040000" algn="tl" rotWithShape="0">
+                    <a:srgbClr val="000000">
+                      <a:alpha val="25000"/>
+                    </a:srgbClr>
+                  </a:outerShdw>
+                </a:effectLst>
+                <a:latin typeface="+mj-lt"/>
+                <a:ea typeface="+mj-ea"/>
+                <a:cs typeface="+mj-cs"/>
+              </a:rPr>
+              <a:t>流程为：</a:t>
+            </a:r>
+            <a:endParaRPr lang="en-US" altLang="zh-CN" sz="2200" cap="all" dirty="0">
+              <a:ln w="3175" cmpd="sng">
+                <a:noFill/>
+              </a:ln>
+              <a:gradFill flip="none" rotWithShape="1">
+                <a:gsLst>
+                  <a:gs pos="0">
+                    <a:schemeClr val="tx1"/>
+                  </a:gs>
+                  <a:gs pos="100000">
+                    <a:schemeClr val="tx1">
+                      <a:lumMod val="65000"/>
+                    </a:schemeClr>
+                  </a:gs>
+                </a:gsLst>
+                <a:lin ang="5580000" scaled="0"/>
+                <a:tileRect/>
+              </a:gradFill>
+              <a:effectLst>
+                <a:glow rad="38100">
+                  <a:schemeClr val="bg1">
+                    <a:lumMod val="65000"/>
+                    <a:lumOff val="35000"/>
+                    <a:alpha val="40000"/>
+                  </a:schemeClr>
+                </a:glow>
+                <a:outerShdw blurRad="28575" dist="38100" dir="14040000" algn="tl" rotWithShape="0">
+                  <a:srgbClr val="000000">
+                    <a:alpha val="25000"/>
+                  </a:srgbClr>
+                </a:outerShdw>
+              </a:effectLst>
+              <a:latin typeface="+mj-lt"/>
+              <a:ea typeface="+mj-ea"/>
+              <a:cs typeface="+mj-cs"/>
+            </a:endParaRPr>
+          </a:p>
+          <a:p>
+            <a:pPr>
+              <a:spcBef>
+                <a:spcPct val="0"/>
+              </a:spcBef>
+              <a:buClrTx/>
+              <a:buNone/>
+            </a:pPr>
+            <a:r>
+              <a:rPr lang="en-US" altLang="zh-CN" sz="2200" cap="all" dirty="0">
+                <a:ln w="3175" cmpd="sng">
+                  <a:noFill/>
+                </a:ln>
+                <a:gradFill flip="none" rotWithShape="1">
+                  <a:gsLst>
+                    <a:gs pos="0">
+                      <a:schemeClr val="tx1"/>
+                    </a:gs>
+                    <a:gs pos="100000">
+                      <a:schemeClr val="tx1">
+                        <a:lumMod val="65000"/>
+                      </a:schemeClr>
+                    </a:gs>
+                  </a:gsLst>
+                  <a:lin ang="5580000" scaled="0"/>
+                  <a:tileRect/>
+                </a:gradFill>
+                <a:effectLst>
+                  <a:glow rad="38100">
+                    <a:schemeClr val="bg1">
+                      <a:lumMod val="65000"/>
+                      <a:lumOff val="35000"/>
+                      <a:alpha val="40000"/>
+                    </a:schemeClr>
+                  </a:glow>
+                  <a:outerShdw blurRad="28575" dist="38100" dir="14040000" algn="tl" rotWithShape="0">
+                    <a:srgbClr val="000000">
+                      <a:alpha val="25000"/>
+                    </a:srgbClr>
+                  </a:outerShdw>
+                </a:effectLst>
+                <a:latin typeface="+mj-lt"/>
+                <a:ea typeface="+mj-ea"/>
+                <a:cs typeface="+mj-cs"/>
+              </a:rPr>
+              <a:t>FIFO</a:t>
+            </a:r>
+            <a:r>
+              <a:rPr lang="zh-CN" altLang="zh-CN" sz="2200" cap="all" dirty="0">
+                <a:ln w="3175" cmpd="sng">
+                  <a:noFill/>
+                </a:ln>
+                <a:gradFill flip="none" rotWithShape="1">
+                  <a:gsLst>
+                    <a:gs pos="0">
+                      <a:schemeClr val="tx1"/>
+                    </a:gs>
+                    <a:gs pos="100000">
+                      <a:schemeClr val="tx1">
+                        <a:lumMod val="65000"/>
+                      </a:schemeClr>
+                    </a:gs>
+                  </a:gsLst>
+                  <a:lin ang="5580000" scaled="0"/>
+                  <a:tileRect/>
+                </a:gradFill>
+                <a:effectLst>
+                  <a:glow rad="38100">
+                    <a:schemeClr val="bg1">
+                      <a:lumMod val="65000"/>
+                      <a:lumOff val="35000"/>
+                      <a:alpha val="40000"/>
+                    </a:schemeClr>
+                  </a:glow>
+                  <a:outerShdw blurRad="28575" dist="38100" dir="14040000" algn="tl" rotWithShape="0">
+                    <a:srgbClr val="000000">
+                      <a:alpha val="25000"/>
+                    </a:srgbClr>
+                  </a:outerShdw>
+                </a:effectLst>
+                <a:latin typeface="+mj-lt"/>
+                <a:ea typeface="+mj-ea"/>
+                <a:cs typeface="+mj-cs"/>
+              </a:rPr>
+              <a:t>空</a:t>
+            </a:r>
+            <a:r>
+              <a:rPr lang="en-US" altLang="zh-CN" sz="2200" cap="all" dirty="0">
+                <a:ln w="3175" cmpd="sng">
+                  <a:noFill/>
+                </a:ln>
+                <a:gradFill flip="none" rotWithShape="1">
+                  <a:gsLst>
+                    <a:gs pos="0">
+                      <a:schemeClr val="tx1"/>
+                    </a:gs>
+                    <a:gs pos="100000">
+                      <a:schemeClr val="tx1">
+                        <a:lumMod val="65000"/>
+                      </a:schemeClr>
+                    </a:gs>
+                  </a:gsLst>
+                  <a:lin ang="5580000" scaled="0"/>
+                  <a:tileRect/>
+                </a:gradFill>
+                <a:effectLst>
+                  <a:glow rad="38100">
+                    <a:schemeClr val="bg1">
+                      <a:lumMod val="65000"/>
+                      <a:lumOff val="35000"/>
+                      <a:alpha val="40000"/>
+                    </a:schemeClr>
+                  </a:glow>
+                  <a:outerShdw blurRad="28575" dist="38100" dir="14040000" algn="tl" rotWithShape="0">
+                    <a:srgbClr val="000000">
+                      <a:alpha val="25000"/>
+                    </a:srgbClr>
+                  </a:outerShdw>
+                </a:effectLst>
+                <a:latin typeface="+mj-lt"/>
+                <a:ea typeface="+mj-ea"/>
+                <a:cs typeface="+mj-cs"/>
+                <a:sym typeface="Wingdings" panose="05000000000000000000" pitchFamily="2" charset="2"/>
+              </a:rPr>
+              <a:t></a:t>
+            </a:r>
+            <a:r>
+              <a:rPr lang="zh-CN" altLang="zh-CN" sz="2200" cap="all" dirty="0">
+                <a:ln w="3175" cmpd="sng">
+                  <a:noFill/>
+                </a:ln>
+                <a:gradFill flip="none" rotWithShape="1">
+                  <a:gsLst>
+                    <a:gs pos="0">
+                      <a:schemeClr val="tx1"/>
+                    </a:gs>
+                    <a:gs pos="100000">
+                      <a:schemeClr val="tx1">
+                        <a:lumMod val="65000"/>
+                      </a:schemeClr>
+                    </a:gs>
+                  </a:gsLst>
+                  <a:lin ang="5580000" scaled="0"/>
+                  <a:tileRect/>
+                </a:gradFill>
+                <a:effectLst>
+                  <a:glow rad="38100">
+                    <a:schemeClr val="bg1">
+                      <a:lumMod val="65000"/>
+                      <a:lumOff val="35000"/>
+                      <a:alpha val="40000"/>
+                    </a:schemeClr>
+                  </a:glow>
+                  <a:outerShdw blurRad="28575" dist="38100" dir="14040000" algn="tl" rotWithShape="0">
+                    <a:srgbClr val="000000">
+                      <a:alpha val="25000"/>
+                    </a:srgbClr>
+                  </a:outerShdw>
+                </a:effectLst>
+                <a:latin typeface="+mj-lt"/>
+                <a:ea typeface="+mj-ea"/>
+                <a:cs typeface="+mj-cs"/>
+              </a:rPr>
+              <a:t>收到有效报文</a:t>
+            </a:r>
+            <a:r>
+              <a:rPr lang="en-US" altLang="zh-CN" sz="2200" cap="all" dirty="0">
+                <a:ln w="3175" cmpd="sng">
+                  <a:noFill/>
+                </a:ln>
+                <a:gradFill flip="none" rotWithShape="1">
+                  <a:gsLst>
+                    <a:gs pos="0">
+                      <a:schemeClr val="tx1"/>
+                    </a:gs>
+                    <a:gs pos="100000">
+                      <a:schemeClr val="tx1">
+                        <a:lumMod val="65000"/>
+                      </a:schemeClr>
+                    </a:gs>
+                  </a:gsLst>
+                  <a:lin ang="5580000" scaled="0"/>
+                  <a:tileRect/>
+                </a:gradFill>
+                <a:effectLst>
+                  <a:glow rad="38100">
+                    <a:schemeClr val="bg1">
+                      <a:lumMod val="65000"/>
+                      <a:lumOff val="35000"/>
+                      <a:alpha val="40000"/>
+                    </a:schemeClr>
+                  </a:glow>
+                  <a:outerShdw blurRad="28575" dist="38100" dir="14040000" algn="tl" rotWithShape="0">
+                    <a:srgbClr val="000000">
+                      <a:alpha val="25000"/>
+                    </a:srgbClr>
+                  </a:outerShdw>
+                </a:effectLst>
+                <a:latin typeface="+mj-lt"/>
+                <a:ea typeface="+mj-ea"/>
+                <a:cs typeface="+mj-cs"/>
+                <a:sym typeface="Wingdings" panose="05000000000000000000" pitchFamily="2" charset="2"/>
+              </a:rPr>
+              <a:t></a:t>
+            </a:r>
+            <a:r>
+              <a:rPr lang="zh-CN" altLang="zh-CN" sz="2200" cap="all" dirty="0">
+                <a:ln w="3175" cmpd="sng">
+                  <a:noFill/>
+                </a:ln>
+                <a:gradFill flip="none" rotWithShape="1">
+                  <a:gsLst>
+                    <a:gs pos="0">
+                      <a:schemeClr val="tx1"/>
+                    </a:gs>
+                    <a:gs pos="100000">
+                      <a:schemeClr val="tx1">
+                        <a:lumMod val="65000"/>
+                      </a:schemeClr>
+                    </a:gs>
+                  </a:gsLst>
+                  <a:lin ang="5580000" scaled="0"/>
+                  <a:tileRect/>
+                </a:gradFill>
+                <a:effectLst>
+                  <a:glow rad="38100">
+                    <a:schemeClr val="bg1">
+                      <a:lumMod val="65000"/>
+                      <a:lumOff val="35000"/>
+                      <a:alpha val="40000"/>
+                    </a:schemeClr>
+                  </a:glow>
+                  <a:outerShdw blurRad="28575" dist="38100" dir="14040000" algn="tl" rotWithShape="0">
+                    <a:srgbClr val="000000">
+                      <a:alpha val="25000"/>
+                    </a:srgbClr>
+                  </a:outerShdw>
+                </a:effectLst>
+                <a:latin typeface="+mj-lt"/>
+                <a:ea typeface="+mj-ea"/>
+                <a:cs typeface="+mj-cs"/>
+              </a:rPr>
+              <a:t>挂号</a:t>
+            </a:r>
+            <a:r>
+              <a:rPr lang="en-US" altLang="zh-CN" sz="2200" cap="all" dirty="0">
+                <a:ln w="3175" cmpd="sng">
+                  <a:noFill/>
+                </a:ln>
+                <a:gradFill flip="none" rotWithShape="1">
+                  <a:gsLst>
+                    <a:gs pos="0">
+                      <a:schemeClr val="tx1"/>
+                    </a:gs>
+                    <a:gs pos="100000">
+                      <a:schemeClr val="tx1">
+                        <a:lumMod val="65000"/>
+                      </a:schemeClr>
+                    </a:gs>
+                  </a:gsLst>
+                  <a:lin ang="5580000" scaled="0"/>
+                  <a:tileRect/>
+                </a:gradFill>
+                <a:effectLst>
+                  <a:glow rad="38100">
+                    <a:schemeClr val="bg1">
+                      <a:lumMod val="65000"/>
+                      <a:lumOff val="35000"/>
+                      <a:alpha val="40000"/>
+                    </a:schemeClr>
+                  </a:glow>
+                  <a:outerShdw blurRad="28575" dist="38100" dir="14040000" algn="tl" rotWithShape="0">
+                    <a:srgbClr val="000000">
+                      <a:alpha val="25000"/>
+                    </a:srgbClr>
+                  </a:outerShdw>
+                </a:effectLst>
+                <a:latin typeface="+mj-lt"/>
+                <a:ea typeface="+mj-ea"/>
+                <a:cs typeface="+mj-cs"/>
+              </a:rPr>
+              <a:t>_1</a:t>
+            </a:r>
+            <a:r>
+              <a:rPr lang="zh-CN" altLang="zh-CN" sz="2200" cap="all" dirty="0">
+                <a:ln w="3175" cmpd="sng">
+                  <a:noFill/>
+                </a:ln>
+                <a:gradFill flip="none" rotWithShape="1">
+                  <a:gsLst>
+                    <a:gs pos="0">
+                      <a:schemeClr val="tx1"/>
+                    </a:gs>
+                    <a:gs pos="100000">
+                      <a:schemeClr val="tx1">
+                        <a:lumMod val="65000"/>
+                      </a:schemeClr>
+                    </a:gs>
+                  </a:gsLst>
+                  <a:lin ang="5580000" scaled="0"/>
+                  <a:tileRect/>
+                </a:gradFill>
+                <a:effectLst>
+                  <a:glow rad="38100">
+                    <a:schemeClr val="bg1">
+                      <a:lumMod val="65000"/>
+                      <a:lumOff val="35000"/>
+                      <a:alpha val="40000"/>
+                    </a:schemeClr>
+                  </a:glow>
+                  <a:outerShdw blurRad="28575" dist="38100" dir="14040000" algn="tl" rotWithShape="0">
+                    <a:srgbClr val="000000">
+                      <a:alpha val="25000"/>
+                    </a:srgbClr>
+                  </a:outerShdw>
+                </a:effectLst>
+                <a:latin typeface="+mj-lt"/>
+                <a:ea typeface="+mj-ea"/>
+                <a:cs typeface="+mj-cs"/>
+              </a:rPr>
+              <a:t>（存入</a:t>
+            </a:r>
+            <a:r>
+              <a:rPr lang="en-US" altLang="zh-CN" sz="2200" cap="all" dirty="0">
+                <a:ln w="3175" cmpd="sng">
+                  <a:noFill/>
+                </a:ln>
+                <a:gradFill flip="none" rotWithShape="1">
+                  <a:gsLst>
+                    <a:gs pos="0">
+                      <a:schemeClr val="tx1"/>
+                    </a:gs>
+                    <a:gs pos="100000">
+                      <a:schemeClr val="tx1">
+                        <a:lumMod val="65000"/>
+                      </a:schemeClr>
+                    </a:gs>
+                  </a:gsLst>
+                  <a:lin ang="5580000" scaled="0"/>
+                  <a:tileRect/>
+                </a:gradFill>
+                <a:effectLst>
+                  <a:glow rad="38100">
+                    <a:schemeClr val="bg1">
+                      <a:lumMod val="65000"/>
+                      <a:lumOff val="35000"/>
+                      <a:alpha val="40000"/>
+                    </a:schemeClr>
+                  </a:glow>
+                  <a:outerShdw blurRad="28575" dist="38100" dir="14040000" algn="tl" rotWithShape="0">
+                    <a:srgbClr val="000000">
+                      <a:alpha val="25000"/>
+                    </a:srgbClr>
+                  </a:outerShdw>
+                </a:effectLst>
+                <a:latin typeface="+mj-lt"/>
+                <a:ea typeface="+mj-ea"/>
+                <a:cs typeface="+mj-cs"/>
+              </a:rPr>
+              <a:t>FIFO</a:t>
+            </a:r>
+            <a:r>
+              <a:rPr lang="zh-CN" altLang="zh-CN" sz="2200" cap="all" dirty="0">
+                <a:ln w="3175" cmpd="sng">
+                  <a:noFill/>
+                </a:ln>
+                <a:gradFill flip="none" rotWithShape="1">
+                  <a:gsLst>
+                    <a:gs pos="0">
+                      <a:schemeClr val="tx1"/>
+                    </a:gs>
+                    <a:gs pos="100000">
+                      <a:schemeClr val="tx1">
+                        <a:lumMod val="65000"/>
+                      </a:schemeClr>
+                    </a:gs>
+                  </a:gsLst>
+                  <a:lin ang="5580000" scaled="0"/>
+                  <a:tileRect/>
+                </a:gradFill>
+                <a:effectLst>
+                  <a:glow rad="38100">
+                    <a:schemeClr val="bg1">
+                      <a:lumMod val="65000"/>
+                      <a:lumOff val="35000"/>
+                      <a:alpha val="40000"/>
+                    </a:schemeClr>
+                  </a:glow>
+                  <a:outerShdw blurRad="28575" dist="38100" dir="14040000" algn="tl" rotWithShape="0">
+                    <a:srgbClr val="000000">
+                      <a:alpha val="25000"/>
+                    </a:srgbClr>
+                  </a:outerShdw>
+                </a:effectLst>
+                <a:latin typeface="+mj-lt"/>
+                <a:ea typeface="+mj-ea"/>
+                <a:cs typeface="+mj-cs"/>
+              </a:rPr>
+              <a:t>的一个邮箱，这个由硬件控制，我们不需要理会）</a:t>
+            </a:r>
+            <a:r>
+              <a:rPr lang="en-US" altLang="zh-CN" sz="2200" cap="all" dirty="0">
+                <a:ln w="3175" cmpd="sng">
+                  <a:noFill/>
+                </a:ln>
+                <a:gradFill flip="none" rotWithShape="1">
+                  <a:gsLst>
+                    <a:gs pos="0">
+                      <a:schemeClr val="tx1"/>
+                    </a:gs>
+                    <a:gs pos="100000">
+                      <a:schemeClr val="tx1">
+                        <a:lumMod val="65000"/>
+                      </a:schemeClr>
+                    </a:gs>
+                  </a:gsLst>
+                  <a:lin ang="5580000" scaled="0"/>
+                  <a:tileRect/>
+                </a:gradFill>
+                <a:effectLst>
+                  <a:glow rad="38100">
+                    <a:schemeClr val="bg1">
+                      <a:lumMod val="65000"/>
+                      <a:lumOff val="35000"/>
+                      <a:alpha val="40000"/>
+                    </a:schemeClr>
+                  </a:glow>
+                  <a:outerShdw blurRad="28575" dist="38100" dir="14040000" algn="tl" rotWithShape="0">
+                    <a:srgbClr val="000000">
+                      <a:alpha val="25000"/>
+                    </a:srgbClr>
+                  </a:outerShdw>
+                </a:effectLst>
+                <a:latin typeface="+mj-lt"/>
+                <a:ea typeface="+mj-ea"/>
+                <a:cs typeface="+mj-cs"/>
+                <a:sym typeface="Wingdings" panose="05000000000000000000" pitchFamily="2" charset="2"/>
+              </a:rPr>
+              <a:t></a:t>
+            </a:r>
+            <a:r>
+              <a:rPr lang="zh-CN" altLang="zh-CN" sz="2200" cap="all" dirty="0">
+                <a:ln w="3175" cmpd="sng">
+                  <a:noFill/>
+                </a:ln>
+                <a:gradFill flip="none" rotWithShape="1">
+                  <a:gsLst>
+                    <a:gs pos="0">
+                      <a:schemeClr val="tx1"/>
+                    </a:gs>
+                    <a:gs pos="100000">
+                      <a:schemeClr val="tx1">
+                        <a:lumMod val="65000"/>
+                      </a:schemeClr>
+                    </a:gs>
+                  </a:gsLst>
+                  <a:lin ang="5580000" scaled="0"/>
+                  <a:tileRect/>
+                </a:gradFill>
+                <a:effectLst>
+                  <a:glow rad="38100">
+                    <a:schemeClr val="bg1">
+                      <a:lumMod val="65000"/>
+                      <a:lumOff val="35000"/>
+                      <a:alpha val="40000"/>
+                    </a:schemeClr>
+                  </a:glow>
+                  <a:outerShdw blurRad="28575" dist="38100" dir="14040000" algn="tl" rotWithShape="0">
+                    <a:srgbClr val="000000">
+                      <a:alpha val="25000"/>
+                    </a:srgbClr>
+                  </a:outerShdw>
+                </a:effectLst>
+                <a:latin typeface="+mj-lt"/>
+                <a:ea typeface="+mj-ea"/>
+                <a:cs typeface="+mj-cs"/>
+              </a:rPr>
+              <a:t>收到有效报文</a:t>
+            </a:r>
+            <a:r>
+              <a:rPr lang="en-US" altLang="zh-CN" sz="2200" cap="all" dirty="0">
+                <a:ln w="3175" cmpd="sng">
+                  <a:noFill/>
+                </a:ln>
+                <a:gradFill flip="none" rotWithShape="1">
+                  <a:gsLst>
+                    <a:gs pos="0">
+                      <a:schemeClr val="tx1"/>
+                    </a:gs>
+                    <a:gs pos="100000">
+                      <a:schemeClr val="tx1">
+                        <a:lumMod val="65000"/>
+                      </a:schemeClr>
+                    </a:gs>
+                  </a:gsLst>
+                  <a:lin ang="5580000" scaled="0"/>
+                  <a:tileRect/>
+                </a:gradFill>
+                <a:effectLst>
+                  <a:glow rad="38100">
+                    <a:schemeClr val="bg1">
+                      <a:lumMod val="65000"/>
+                      <a:lumOff val="35000"/>
+                      <a:alpha val="40000"/>
+                    </a:schemeClr>
+                  </a:glow>
+                  <a:outerShdw blurRad="28575" dist="38100" dir="14040000" algn="tl" rotWithShape="0">
+                    <a:srgbClr val="000000">
+                      <a:alpha val="25000"/>
+                    </a:srgbClr>
+                  </a:outerShdw>
+                </a:effectLst>
+                <a:latin typeface="+mj-lt"/>
+                <a:ea typeface="+mj-ea"/>
+                <a:cs typeface="+mj-cs"/>
+                <a:sym typeface="Wingdings" panose="05000000000000000000" pitchFamily="2" charset="2"/>
+              </a:rPr>
+              <a:t></a:t>
+            </a:r>
+            <a:r>
+              <a:rPr lang="zh-CN" altLang="zh-CN" sz="2200" cap="all" dirty="0">
+                <a:ln w="3175" cmpd="sng">
+                  <a:noFill/>
+                </a:ln>
+                <a:gradFill flip="none" rotWithShape="1">
+                  <a:gsLst>
+                    <a:gs pos="0">
+                      <a:schemeClr val="tx1"/>
+                    </a:gs>
+                    <a:gs pos="100000">
+                      <a:schemeClr val="tx1">
+                        <a:lumMod val="65000"/>
+                      </a:schemeClr>
+                    </a:gs>
+                  </a:gsLst>
+                  <a:lin ang="5580000" scaled="0"/>
+                  <a:tileRect/>
+                </a:gradFill>
+                <a:effectLst>
+                  <a:glow rad="38100">
+                    <a:schemeClr val="bg1">
+                      <a:lumMod val="65000"/>
+                      <a:lumOff val="35000"/>
+                      <a:alpha val="40000"/>
+                    </a:schemeClr>
+                  </a:glow>
+                  <a:outerShdw blurRad="28575" dist="38100" dir="14040000" algn="tl" rotWithShape="0">
+                    <a:srgbClr val="000000">
+                      <a:alpha val="25000"/>
+                    </a:srgbClr>
+                  </a:outerShdw>
+                </a:effectLst>
+                <a:latin typeface="+mj-lt"/>
+                <a:ea typeface="+mj-ea"/>
+                <a:cs typeface="+mj-cs"/>
+              </a:rPr>
+              <a:t>挂号</a:t>
+            </a:r>
+            <a:r>
+              <a:rPr lang="en-US" altLang="zh-CN" sz="2200" cap="all" dirty="0">
+                <a:ln w="3175" cmpd="sng">
+                  <a:noFill/>
+                </a:ln>
+                <a:gradFill flip="none" rotWithShape="1">
+                  <a:gsLst>
+                    <a:gs pos="0">
+                      <a:schemeClr val="tx1"/>
+                    </a:gs>
+                    <a:gs pos="100000">
+                      <a:schemeClr val="tx1">
+                        <a:lumMod val="65000"/>
+                      </a:schemeClr>
+                    </a:gs>
+                  </a:gsLst>
+                  <a:lin ang="5580000" scaled="0"/>
+                  <a:tileRect/>
+                </a:gradFill>
+                <a:effectLst>
+                  <a:glow rad="38100">
+                    <a:schemeClr val="bg1">
+                      <a:lumMod val="65000"/>
+                      <a:lumOff val="35000"/>
+                      <a:alpha val="40000"/>
+                    </a:schemeClr>
+                  </a:glow>
+                  <a:outerShdw blurRad="28575" dist="38100" dir="14040000" algn="tl" rotWithShape="0">
+                    <a:srgbClr val="000000">
+                      <a:alpha val="25000"/>
+                    </a:srgbClr>
+                  </a:outerShdw>
+                </a:effectLst>
+                <a:latin typeface="+mj-lt"/>
+                <a:ea typeface="+mj-ea"/>
+                <a:cs typeface="+mj-cs"/>
+              </a:rPr>
+              <a:t>_2</a:t>
+            </a:r>
+            <a:r>
+              <a:rPr lang="en-US" altLang="zh-CN" sz="2200" cap="all" dirty="0">
+                <a:ln w="3175" cmpd="sng">
+                  <a:noFill/>
+                </a:ln>
+                <a:gradFill flip="none" rotWithShape="1">
+                  <a:gsLst>
+                    <a:gs pos="0">
+                      <a:schemeClr val="tx1"/>
+                    </a:gs>
+                    <a:gs pos="100000">
+                      <a:schemeClr val="tx1">
+                        <a:lumMod val="65000"/>
+                      </a:schemeClr>
+                    </a:gs>
+                  </a:gsLst>
+                  <a:lin ang="5580000" scaled="0"/>
+                  <a:tileRect/>
+                </a:gradFill>
+                <a:effectLst>
+                  <a:glow rad="38100">
+                    <a:schemeClr val="bg1">
+                      <a:lumMod val="65000"/>
+                      <a:lumOff val="35000"/>
+                      <a:alpha val="40000"/>
+                    </a:schemeClr>
+                  </a:glow>
+                  <a:outerShdw blurRad="28575" dist="38100" dir="14040000" algn="tl" rotWithShape="0">
+                    <a:srgbClr val="000000">
+                      <a:alpha val="25000"/>
+                    </a:srgbClr>
+                  </a:outerShdw>
+                </a:effectLst>
+                <a:latin typeface="+mj-lt"/>
+                <a:ea typeface="+mj-ea"/>
+                <a:cs typeface="+mj-cs"/>
+                <a:sym typeface="Wingdings" panose="05000000000000000000" pitchFamily="2" charset="2"/>
+              </a:rPr>
+              <a:t></a:t>
+            </a:r>
+            <a:r>
+              <a:rPr lang="zh-CN" altLang="zh-CN" sz="2200" cap="all" dirty="0">
+                <a:ln w="3175" cmpd="sng">
+                  <a:noFill/>
+                </a:ln>
+                <a:gradFill flip="none" rotWithShape="1">
+                  <a:gsLst>
+                    <a:gs pos="0">
+                      <a:schemeClr val="tx1"/>
+                    </a:gs>
+                    <a:gs pos="100000">
+                      <a:schemeClr val="tx1">
+                        <a:lumMod val="65000"/>
+                      </a:schemeClr>
+                    </a:gs>
+                  </a:gsLst>
+                  <a:lin ang="5580000" scaled="0"/>
+                  <a:tileRect/>
+                </a:gradFill>
+                <a:effectLst>
+                  <a:glow rad="38100">
+                    <a:schemeClr val="bg1">
+                      <a:lumMod val="65000"/>
+                      <a:lumOff val="35000"/>
+                      <a:alpha val="40000"/>
+                    </a:schemeClr>
+                  </a:glow>
+                  <a:outerShdw blurRad="28575" dist="38100" dir="14040000" algn="tl" rotWithShape="0">
+                    <a:srgbClr val="000000">
+                      <a:alpha val="25000"/>
+                    </a:srgbClr>
+                  </a:outerShdw>
+                </a:effectLst>
+                <a:latin typeface="+mj-lt"/>
+                <a:ea typeface="+mj-ea"/>
+                <a:cs typeface="+mj-cs"/>
+              </a:rPr>
+              <a:t>收到有效报文</a:t>
+            </a:r>
+            <a:r>
+              <a:rPr lang="en-US" altLang="zh-CN" sz="2200" cap="all" dirty="0">
+                <a:ln w="3175" cmpd="sng">
+                  <a:noFill/>
+                </a:ln>
+                <a:gradFill flip="none" rotWithShape="1">
+                  <a:gsLst>
+                    <a:gs pos="0">
+                      <a:schemeClr val="tx1"/>
+                    </a:gs>
+                    <a:gs pos="100000">
+                      <a:schemeClr val="tx1">
+                        <a:lumMod val="65000"/>
+                      </a:schemeClr>
+                    </a:gs>
+                  </a:gsLst>
+                  <a:lin ang="5580000" scaled="0"/>
+                  <a:tileRect/>
+                </a:gradFill>
+                <a:effectLst>
+                  <a:glow rad="38100">
+                    <a:schemeClr val="bg1">
+                      <a:lumMod val="65000"/>
+                      <a:lumOff val="35000"/>
+                      <a:alpha val="40000"/>
+                    </a:schemeClr>
+                  </a:glow>
+                  <a:outerShdw blurRad="28575" dist="38100" dir="14040000" algn="tl" rotWithShape="0">
+                    <a:srgbClr val="000000">
+                      <a:alpha val="25000"/>
+                    </a:srgbClr>
+                  </a:outerShdw>
+                </a:effectLst>
+                <a:latin typeface="+mj-lt"/>
+                <a:ea typeface="+mj-ea"/>
+                <a:cs typeface="+mj-cs"/>
+                <a:sym typeface="Wingdings" panose="05000000000000000000" pitchFamily="2" charset="2"/>
+              </a:rPr>
+              <a:t></a:t>
+            </a:r>
+            <a:r>
+              <a:rPr lang="zh-CN" altLang="zh-CN" sz="2200" cap="all" dirty="0">
+                <a:ln w="3175" cmpd="sng">
+                  <a:noFill/>
+                </a:ln>
+                <a:gradFill flip="none" rotWithShape="1">
+                  <a:gsLst>
+                    <a:gs pos="0">
+                      <a:schemeClr val="tx1"/>
+                    </a:gs>
+                    <a:gs pos="100000">
+                      <a:schemeClr val="tx1">
+                        <a:lumMod val="65000"/>
+                      </a:schemeClr>
+                    </a:gs>
+                  </a:gsLst>
+                  <a:lin ang="5580000" scaled="0"/>
+                  <a:tileRect/>
+                </a:gradFill>
+                <a:effectLst>
+                  <a:glow rad="38100">
+                    <a:schemeClr val="bg1">
+                      <a:lumMod val="65000"/>
+                      <a:lumOff val="35000"/>
+                      <a:alpha val="40000"/>
+                    </a:schemeClr>
+                  </a:glow>
+                  <a:outerShdw blurRad="28575" dist="38100" dir="14040000" algn="tl" rotWithShape="0">
+                    <a:srgbClr val="000000">
+                      <a:alpha val="25000"/>
+                    </a:srgbClr>
+                  </a:outerShdw>
+                </a:effectLst>
+                <a:latin typeface="+mj-lt"/>
+                <a:ea typeface="+mj-ea"/>
+                <a:cs typeface="+mj-cs"/>
+              </a:rPr>
+              <a:t>挂号</a:t>
+            </a:r>
+            <a:r>
+              <a:rPr lang="en-US" altLang="zh-CN" sz="2200" cap="all" dirty="0">
+                <a:ln w="3175" cmpd="sng">
+                  <a:noFill/>
+                </a:ln>
+                <a:gradFill flip="none" rotWithShape="1">
+                  <a:gsLst>
+                    <a:gs pos="0">
+                      <a:schemeClr val="tx1"/>
+                    </a:gs>
+                    <a:gs pos="100000">
+                      <a:schemeClr val="tx1">
+                        <a:lumMod val="65000"/>
+                      </a:schemeClr>
+                    </a:gs>
+                  </a:gsLst>
+                  <a:lin ang="5580000" scaled="0"/>
+                  <a:tileRect/>
+                </a:gradFill>
+                <a:effectLst>
+                  <a:glow rad="38100">
+                    <a:schemeClr val="bg1">
+                      <a:lumMod val="65000"/>
+                      <a:lumOff val="35000"/>
+                      <a:alpha val="40000"/>
+                    </a:schemeClr>
+                  </a:glow>
+                  <a:outerShdw blurRad="28575" dist="38100" dir="14040000" algn="tl" rotWithShape="0">
+                    <a:srgbClr val="000000">
+                      <a:alpha val="25000"/>
+                    </a:srgbClr>
+                  </a:outerShdw>
+                </a:effectLst>
+                <a:latin typeface="+mj-lt"/>
+                <a:ea typeface="+mj-ea"/>
+                <a:cs typeface="+mj-cs"/>
+              </a:rPr>
+              <a:t>_3</a:t>
+            </a:r>
+            <a:r>
+              <a:rPr lang="en-US" altLang="zh-CN" sz="2200" cap="all" dirty="0">
+                <a:ln w="3175" cmpd="sng">
+                  <a:noFill/>
+                </a:ln>
+                <a:gradFill flip="none" rotWithShape="1">
+                  <a:gsLst>
+                    <a:gs pos="0">
+                      <a:schemeClr val="tx1"/>
+                    </a:gs>
+                    <a:gs pos="100000">
+                      <a:schemeClr val="tx1">
+                        <a:lumMod val="65000"/>
+                      </a:schemeClr>
+                    </a:gs>
+                  </a:gsLst>
+                  <a:lin ang="5580000" scaled="0"/>
+                  <a:tileRect/>
+                </a:gradFill>
+                <a:effectLst>
+                  <a:glow rad="38100">
+                    <a:schemeClr val="bg1">
+                      <a:lumMod val="65000"/>
+                      <a:lumOff val="35000"/>
+                      <a:alpha val="40000"/>
+                    </a:schemeClr>
+                  </a:glow>
+                  <a:outerShdw blurRad="28575" dist="38100" dir="14040000" algn="tl" rotWithShape="0">
+                    <a:srgbClr val="000000">
+                      <a:alpha val="25000"/>
+                    </a:srgbClr>
+                  </a:outerShdw>
+                </a:effectLst>
+                <a:latin typeface="+mj-lt"/>
+                <a:ea typeface="+mj-ea"/>
+                <a:cs typeface="+mj-cs"/>
+                <a:sym typeface="Wingdings" panose="05000000000000000000" pitchFamily="2" charset="2"/>
+              </a:rPr>
+              <a:t></a:t>
+            </a:r>
+            <a:r>
+              <a:rPr lang="zh-CN" altLang="zh-CN" sz="2200" cap="all" dirty="0">
+                <a:ln w="3175" cmpd="sng">
+                  <a:noFill/>
+                </a:ln>
+                <a:gradFill flip="none" rotWithShape="1">
+                  <a:gsLst>
+                    <a:gs pos="0">
+                      <a:schemeClr val="tx1"/>
+                    </a:gs>
+                    <a:gs pos="100000">
+                      <a:schemeClr val="tx1">
+                        <a:lumMod val="65000"/>
+                      </a:schemeClr>
+                    </a:gs>
+                  </a:gsLst>
+                  <a:lin ang="5580000" scaled="0"/>
+                  <a:tileRect/>
+                </a:gradFill>
+                <a:effectLst>
+                  <a:glow rad="38100">
+                    <a:schemeClr val="bg1">
+                      <a:lumMod val="65000"/>
+                      <a:lumOff val="35000"/>
+                      <a:alpha val="40000"/>
+                    </a:schemeClr>
+                  </a:glow>
+                  <a:outerShdw blurRad="28575" dist="38100" dir="14040000" algn="tl" rotWithShape="0">
+                    <a:srgbClr val="000000">
+                      <a:alpha val="25000"/>
+                    </a:srgbClr>
+                  </a:outerShdw>
+                </a:effectLst>
+                <a:latin typeface="+mj-lt"/>
+                <a:ea typeface="+mj-ea"/>
+                <a:cs typeface="+mj-cs"/>
+              </a:rPr>
+              <a:t>收到有效报文</a:t>
+            </a:r>
+            <a:r>
+              <a:rPr lang="en-US" altLang="zh-CN" sz="2200" cap="all" dirty="0">
+                <a:ln w="3175" cmpd="sng">
+                  <a:noFill/>
+                </a:ln>
+                <a:gradFill flip="none" rotWithShape="1">
+                  <a:gsLst>
+                    <a:gs pos="0">
+                      <a:schemeClr val="tx1"/>
+                    </a:gs>
+                    <a:gs pos="100000">
+                      <a:schemeClr val="tx1">
+                        <a:lumMod val="65000"/>
+                      </a:schemeClr>
+                    </a:gs>
+                  </a:gsLst>
+                  <a:lin ang="5580000" scaled="0"/>
+                  <a:tileRect/>
+                </a:gradFill>
+                <a:effectLst>
+                  <a:glow rad="38100">
+                    <a:schemeClr val="bg1">
+                      <a:lumMod val="65000"/>
+                      <a:lumOff val="35000"/>
+                      <a:alpha val="40000"/>
+                    </a:schemeClr>
+                  </a:glow>
+                  <a:outerShdw blurRad="28575" dist="38100" dir="14040000" algn="tl" rotWithShape="0">
+                    <a:srgbClr val="000000">
+                      <a:alpha val="25000"/>
+                    </a:srgbClr>
+                  </a:outerShdw>
+                </a:effectLst>
+                <a:latin typeface="+mj-lt"/>
+                <a:ea typeface="+mj-ea"/>
+                <a:cs typeface="+mj-cs"/>
+                <a:sym typeface="Wingdings" panose="05000000000000000000" pitchFamily="2" charset="2"/>
+              </a:rPr>
+              <a:t></a:t>
+            </a:r>
+            <a:r>
+              <a:rPr lang="zh-CN" altLang="zh-CN" sz="2200" cap="all" dirty="0">
+                <a:ln w="3175" cmpd="sng">
+                  <a:noFill/>
+                </a:ln>
+                <a:gradFill flip="none" rotWithShape="1">
+                  <a:gsLst>
+                    <a:gs pos="0">
+                      <a:schemeClr val="tx1"/>
+                    </a:gs>
+                    <a:gs pos="100000">
+                      <a:schemeClr val="tx1">
+                        <a:lumMod val="65000"/>
+                      </a:schemeClr>
+                    </a:gs>
+                  </a:gsLst>
+                  <a:lin ang="5580000" scaled="0"/>
+                  <a:tileRect/>
+                </a:gradFill>
+                <a:effectLst>
+                  <a:glow rad="38100">
+                    <a:schemeClr val="bg1">
+                      <a:lumMod val="65000"/>
+                      <a:lumOff val="35000"/>
+                      <a:alpha val="40000"/>
+                    </a:schemeClr>
+                  </a:glow>
+                  <a:outerShdw blurRad="28575" dist="38100" dir="14040000" algn="tl" rotWithShape="0">
+                    <a:srgbClr val="000000">
+                      <a:alpha val="25000"/>
+                    </a:srgbClr>
+                  </a:outerShdw>
+                </a:effectLst>
+                <a:latin typeface="+mj-lt"/>
+                <a:ea typeface="+mj-ea"/>
+                <a:cs typeface="+mj-cs"/>
+              </a:rPr>
+              <a:t>溢出。</a:t>
+            </a:r>
+          </a:p>
+          <a:p>
+            <a:endParaRPr lang="zh-CN" altLang="en-US" dirty="0"/>
+          </a:p>
+        </p:txBody>
+      </p:sp>
+      <p:pic>
+        <p:nvPicPr>
+          <p:cNvPr id="4" name="Picture 4">
+            <a:extLst>
+              <a:ext uri="{FF2B5EF4-FFF2-40B4-BE49-F238E27FC236}">
+                <a16:creationId xmlns:a16="http://schemas.microsoft.com/office/drawing/2014/main" id="{2524BD8E-3B3E-4C99-A284-1AF4D2580AE3}"/>
+              </a:ext>
+            </a:extLst>
+          </p:cNvPr>
+          <p:cNvPicPr>
+            <a:picLocks noChangeAspect="1" noChangeArrowheads="1"/>
+          </p:cNvPicPr>
+          <p:nvPr/>
+        </p:nvPicPr>
+        <p:blipFill>
+          <a:blip r:embed="rId2">
+            <a:extLst>
+              <a:ext uri="{28A0092B-C50C-407E-A947-70E740481C1C}">
+                <a14:useLocalDpi xmlns:a14="http://schemas.microsoft.com/office/drawing/2010/main" val="0"/>
+              </a:ext>
+            </a:extLst>
+          </a:blip>
+          <a:srcRect/>
+          <a:stretch>
+            <a:fillRect/>
+          </a:stretch>
+        </p:blipFill>
+        <p:spPr bwMode="auto">
+          <a:xfrm>
+            <a:off x="3978442" y="898599"/>
+            <a:ext cx="4876801" cy="4668013"/>
+          </a:xfrm>
+          <a:prstGeom prst="rect">
+            <a:avLst/>
+          </a:prstGeom>
+          <a:noFill/>
+          <a:ln>
+            <a:noFill/>
+          </a:ln>
+          <a:extLst>
+            <a:ext uri="{909E8E84-426E-40DD-AFC4-6F175D3DCCD1}">
+              <a14:hiddenFill xmlns:a14="http://schemas.microsoft.com/office/drawing/2010/main">
+                <a:solidFill>
+                  <a:schemeClr val="accent1"/>
+                </a:solidFill>
+              </a14:hiddenFill>
+            </a:ext>
+            <a:ext uri="{91240B29-F687-4F45-9708-019B960494DF}">
+              <a14:hiddenLine xmlns:a14="http://schemas.microsoft.com/office/drawing/2010/main" w="9525">
+                <a:solidFill>
+                  <a:schemeClr val="tx1"/>
+                </a:solidFill>
+                <a:miter lim="800000"/>
+                <a:headEnd/>
+                <a:tailEnd/>
+              </a14:hiddenLine>
+            </a:ext>
+          </a:extLst>
+        </p:spPr>
+      </p:pic>
+      <p:sp>
+        <p:nvSpPr>
+          <p:cNvPr id="5" name="矩形 4">
+            <a:extLst>
+              <a:ext uri="{FF2B5EF4-FFF2-40B4-BE49-F238E27FC236}">
+                <a16:creationId xmlns:a16="http://schemas.microsoft.com/office/drawing/2014/main" id="{76E813F3-5AD6-49D3-929C-46C14116DD22}"/>
+              </a:ext>
+            </a:extLst>
+          </p:cNvPr>
+          <p:cNvSpPr/>
+          <p:nvPr/>
+        </p:nvSpPr>
+        <p:spPr>
+          <a:xfrm>
+            <a:off x="8855243" y="1766263"/>
+            <a:ext cx="2837029" cy="3477875"/>
+          </a:xfrm>
+          <a:prstGeom prst="rect">
+            <a:avLst/>
+          </a:prstGeom>
+        </p:spPr>
+        <p:txBody>
+          <a:bodyPr wrap="square">
+            <a:spAutoFit/>
+          </a:bodyPr>
+          <a:lstStyle/>
+          <a:p>
+            <a:pPr>
+              <a:spcBef>
+                <a:spcPct val="0"/>
+              </a:spcBef>
+            </a:pPr>
+            <a:r>
+              <a:rPr lang="en-US" altLang="zh-CN" sz="2200" cap="all" dirty="0">
+                <a:ln w="3175" cmpd="sng">
+                  <a:noFill/>
+                </a:ln>
+                <a:gradFill flip="none" rotWithShape="1">
+                  <a:gsLst>
+                    <a:gs pos="0">
+                      <a:schemeClr val="tx1"/>
+                    </a:gs>
+                    <a:gs pos="100000">
+                      <a:schemeClr val="tx1">
+                        <a:lumMod val="65000"/>
+                      </a:schemeClr>
+                    </a:gs>
+                  </a:gsLst>
+                  <a:lin ang="5580000" scaled="0"/>
+                  <a:tileRect/>
+                </a:gradFill>
+                <a:effectLst>
+                  <a:glow rad="38100">
+                    <a:schemeClr val="bg1">
+                      <a:lumMod val="65000"/>
+                      <a:lumOff val="35000"/>
+                      <a:alpha val="40000"/>
+                    </a:schemeClr>
+                  </a:glow>
+                  <a:outerShdw blurRad="28575" dist="38100" dir="14040000" algn="tl" rotWithShape="0">
+                    <a:srgbClr val="000000">
+                      <a:alpha val="25000"/>
+                    </a:srgbClr>
+                  </a:outerShdw>
+                </a:effectLst>
+                <a:latin typeface="+mj-lt"/>
+                <a:ea typeface="+mj-ea"/>
+                <a:cs typeface="+mj-cs"/>
+              </a:rPr>
+              <a:t>CAN</a:t>
+            </a:r>
+            <a:r>
+              <a:rPr lang="zh-CN" altLang="en-US" sz="2200" cap="all" dirty="0">
+                <a:ln w="3175" cmpd="sng">
+                  <a:noFill/>
+                </a:ln>
+                <a:gradFill flip="none" rotWithShape="1">
+                  <a:gsLst>
+                    <a:gs pos="0">
+                      <a:schemeClr val="tx1"/>
+                    </a:gs>
+                    <a:gs pos="100000">
+                      <a:schemeClr val="tx1">
+                        <a:lumMod val="65000"/>
+                      </a:schemeClr>
+                    </a:gs>
+                  </a:gsLst>
+                  <a:lin ang="5580000" scaled="0"/>
+                  <a:tileRect/>
+                </a:gradFill>
+                <a:effectLst>
+                  <a:glow rad="38100">
+                    <a:schemeClr val="bg1">
+                      <a:lumMod val="65000"/>
+                      <a:lumOff val="35000"/>
+                      <a:alpha val="40000"/>
+                    </a:schemeClr>
+                  </a:glow>
+                  <a:outerShdw blurRad="28575" dist="38100" dir="14040000" algn="tl" rotWithShape="0">
+                    <a:srgbClr val="000000">
+                      <a:alpha val="25000"/>
+                    </a:srgbClr>
+                  </a:outerShdw>
+                </a:effectLst>
+                <a:latin typeface="+mj-lt"/>
+                <a:ea typeface="+mj-ea"/>
+                <a:cs typeface="+mj-cs"/>
+              </a:rPr>
+              <a:t>收到的有效报文，存储在</a:t>
+            </a:r>
+            <a:r>
+              <a:rPr lang="en-US" altLang="zh-CN" sz="2200" cap="all" dirty="0">
+                <a:ln w="3175" cmpd="sng">
+                  <a:noFill/>
+                </a:ln>
+                <a:gradFill flip="none" rotWithShape="1">
+                  <a:gsLst>
+                    <a:gs pos="0">
+                      <a:schemeClr val="tx1"/>
+                    </a:gs>
+                    <a:gs pos="100000">
+                      <a:schemeClr val="tx1">
+                        <a:lumMod val="65000"/>
+                      </a:schemeClr>
+                    </a:gs>
+                  </a:gsLst>
+                  <a:lin ang="5580000" scaled="0"/>
+                  <a:tileRect/>
+                </a:gradFill>
+                <a:effectLst>
+                  <a:glow rad="38100">
+                    <a:schemeClr val="bg1">
+                      <a:lumMod val="65000"/>
+                      <a:lumOff val="35000"/>
+                      <a:alpha val="40000"/>
+                    </a:schemeClr>
+                  </a:glow>
+                  <a:outerShdw blurRad="28575" dist="38100" dir="14040000" algn="tl" rotWithShape="0">
+                    <a:srgbClr val="000000">
+                      <a:alpha val="25000"/>
+                    </a:srgbClr>
+                  </a:outerShdw>
+                </a:effectLst>
+                <a:latin typeface="+mj-lt"/>
+                <a:ea typeface="+mj-ea"/>
+                <a:cs typeface="+mj-cs"/>
+              </a:rPr>
+              <a:t>3</a:t>
+            </a:r>
+            <a:r>
+              <a:rPr lang="zh-CN" altLang="en-US" sz="2200" cap="all" dirty="0">
+                <a:ln w="3175" cmpd="sng">
+                  <a:noFill/>
+                </a:ln>
+                <a:gradFill flip="none" rotWithShape="1">
+                  <a:gsLst>
+                    <a:gs pos="0">
+                      <a:schemeClr val="tx1"/>
+                    </a:gs>
+                    <a:gs pos="100000">
+                      <a:schemeClr val="tx1">
+                        <a:lumMod val="65000"/>
+                      </a:schemeClr>
+                    </a:gs>
+                  </a:gsLst>
+                  <a:lin ang="5580000" scaled="0"/>
+                  <a:tileRect/>
+                </a:gradFill>
+                <a:effectLst>
+                  <a:glow rad="38100">
+                    <a:schemeClr val="bg1">
+                      <a:lumMod val="65000"/>
+                      <a:lumOff val="35000"/>
+                      <a:alpha val="40000"/>
+                    </a:schemeClr>
+                  </a:glow>
+                  <a:outerShdw blurRad="28575" dist="38100" dir="14040000" algn="tl" rotWithShape="0">
+                    <a:srgbClr val="000000">
+                      <a:alpha val="25000"/>
+                    </a:srgbClr>
+                  </a:outerShdw>
+                </a:effectLst>
+                <a:latin typeface="+mj-lt"/>
+                <a:ea typeface="+mj-ea"/>
+                <a:cs typeface="+mj-cs"/>
+              </a:rPr>
+              <a:t>级邮箱深度的</a:t>
+            </a:r>
+            <a:r>
+              <a:rPr lang="en-US" altLang="zh-CN" sz="2200" cap="all" dirty="0">
+                <a:ln w="3175" cmpd="sng">
+                  <a:noFill/>
+                </a:ln>
+                <a:gradFill flip="none" rotWithShape="1">
+                  <a:gsLst>
+                    <a:gs pos="0">
+                      <a:schemeClr val="tx1"/>
+                    </a:gs>
+                    <a:gs pos="100000">
+                      <a:schemeClr val="tx1">
+                        <a:lumMod val="65000"/>
+                      </a:schemeClr>
+                    </a:gs>
+                  </a:gsLst>
+                  <a:lin ang="5580000" scaled="0"/>
+                  <a:tileRect/>
+                </a:gradFill>
+                <a:effectLst>
+                  <a:glow rad="38100">
+                    <a:schemeClr val="bg1">
+                      <a:lumMod val="65000"/>
+                      <a:lumOff val="35000"/>
+                      <a:alpha val="40000"/>
+                    </a:schemeClr>
+                  </a:glow>
+                  <a:outerShdw blurRad="28575" dist="38100" dir="14040000" algn="tl" rotWithShape="0">
+                    <a:srgbClr val="000000">
+                      <a:alpha val="25000"/>
+                    </a:srgbClr>
+                  </a:outerShdw>
+                </a:effectLst>
+                <a:latin typeface="+mj-lt"/>
+                <a:ea typeface="+mj-ea"/>
+                <a:cs typeface="+mj-cs"/>
+              </a:rPr>
+              <a:t>FIFO</a:t>
+            </a:r>
+            <a:r>
+              <a:rPr lang="zh-CN" altLang="en-US" sz="2200" cap="all" dirty="0">
+                <a:ln w="3175" cmpd="sng">
+                  <a:noFill/>
+                </a:ln>
+                <a:gradFill flip="none" rotWithShape="1">
+                  <a:gsLst>
+                    <a:gs pos="0">
+                      <a:schemeClr val="tx1"/>
+                    </a:gs>
+                    <a:gs pos="100000">
+                      <a:schemeClr val="tx1">
+                        <a:lumMod val="65000"/>
+                      </a:schemeClr>
+                    </a:gs>
+                  </a:gsLst>
+                  <a:lin ang="5580000" scaled="0"/>
+                  <a:tileRect/>
+                </a:gradFill>
+                <a:effectLst>
+                  <a:glow rad="38100">
+                    <a:schemeClr val="bg1">
+                      <a:lumMod val="65000"/>
+                      <a:lumOff val="35000"/>
+                      <a:alpha val="40000"/>
+                    </a:schemeClr>
+                  </a:glow>
+                  <a:outerShdw blurRad="28575" dist="38100" dir="14040000" algn="tl" rotWithShape="0">
+                    <a:srgbClr val="000000">
+                      <a:alpha val="25000"/>
+                    </a:srgbClr>
+                  </a:outerShdw>
+                </a:effectLst>
+                <a:latin typeface="+mj-lt"/>
+                <a:ea typeface="+mj-ea"/>
+                <a:cs typeface="+mj-cs"/>
+              </a:rPr>
+              <a:t>中。</a:t>
+            </a:r>
+            <a:r>
+              <a:rPr lang="en-US" altLang="zh-CN" sz="2200" cap="all" dirty="0">
+                <a:ln w="3175" cmpd="sng">
+                  <a:noFill/>
+                </a:ln>
+                <a:gradFill flip="none" rotWithShape="1">
+                  <a:gsLst>
+                    <a:gs pos="0">
+                      <a:schemeClr val="tx1"/>
+                    </a:gs>
+                    <a:gs pos="100000">
+                      <a:schemeClr val="tx1">
+                        <a:lumMod val="65000"/>
+                      </a:schemeClr>
+                    </a:gs>
+                  </a:gsLst>
+                  <a:lin ang="5580000" scaled="0"/>
+                  <a:tileRect/>
+                </a:gradFill>
+                <a:effectLst>
+                  <a:glow rad="38100">
+                    <a:schemeClr val="bg1">
+                      <a:lumMod val="65000"/>
+                      <a:lumOff val="35000"/>
+                      <a:alpha val="40000"/>
+                    </a:schemeClr>
+                  </a:glow>
+                  <a:outerShdw blurRad="28575" dist="38100" dir="14040000" algn="tl" rotWithShape="0">
+                    <a:srgbClr val="000000">
+                      <a:alpha val="25000"/>
+                    </a:srgbClr>
+                  </a:outerShdw>
+                </a:effectLst>
+                <a:latin typeface="+mj-lt"/>
+                <a:ea typeface="+mj-ea"/>
+                <a:cs typeface="+mj-cs"/>
+              </a:rPr>
+              <a:t>FIFO</a:t>
+            </a:r>
+            <a:r>
+              <a:rPr lang="zh-CN" altLang="en-US" sz="2200" cap="all" dirty="0">
+                <a:ln w="3175" cmpd="sng">
+                  <a:noFill/>
+                </a:ln>
+                <a:gradFill flip="none" rotWithShape="1">
+                  <a:gsLst>
+                    <a:gs pos="0">
+                      <a:schemeClr val="tx1"/>
+                    </a:gs>
+                    <a:gs pos="100000">
+                      <a:schemeClr val="tx1">
+                        <a:lumMod val="65000"/>
+                      </a:schemeClr>
+                    </a:gs>
+                  </a:gsLst>
+                  <a:lin ang="5580000" scaled="0"/>
+                  <a:tileRect/>
+                </a:gradFill>
+                <a:effectLst>
+                  <a:glow rad="38100">
+                    <a:schemeClr val="bg1">
+                      <a:lumMod val="65000"/>
+                      <a:lumOff val="35000"/>
+                      <a:alpha val="40000"/>
+                    </a:schemeClr>
+                  </a:glow>
+                  <a:outerShdw blurRad="28575" dist="38100" dir="14040000" algn="tl" rotWithShape="0">
+                    <a:srgbClr val="000000">
+                      <a:alpha val="25000"/>
+                    </a:srgbClr>
+                  </a:outerShdw>
+                </a:effectLst>
+                <a:latin typeface="+mj-lt"/>
+                <a:ea typeface="+mj-ea"/>
+                <a:cs typeface="+mj-cs"/>
+              </a:rPr>
+              <a:t>接收到的报文数，我们可以通过查询</a:t>
+            </a:r>
+            <a:r>
+              <a:rPr lang="en-US" altLang="zh-CN" sz="2200" cap="all" dirty="0" err="1">
+                <a:ln w="3175" cmpd="sng">
+                  <a:noFill/>
+                </a:ln>
+                <a:gradFill flip="none" rotWithShape="1">
+                  <a:gsLst>
+                    <a:gs pos="0">
+                      <a:schemeClr val="tx1"/>
+                    </a:gs>
+                    <a:gs pos="100000">
+                      <a:schemeClr val="tx1">
+                        <a:lumMod val="65000"/>
+                      </a:schemeClr>
+                    </a:gs>
+                  </a:gsLst>
+                  <a:lin ang="5580000" scaled="0"/>
+                  <a:tileRect/>
+                </a:gradFill>
+                <a:effectLst>
+                  <a:glow rad="38100">
+                    <a:schemeClr val="bg1">
+                      <a:lumMod val="65000"/>
+                      <a:lumOff val="35000"/>
+                      <a:alpha val="40000"/>
+                    </a:schemeClr>
+                  </a:glow>
+                  <a:outerShdw blurRad="28575" dist="38100" dir="14040000" algn="tl" rotWithShape="0">
+                    <a:srgbClr val="000000">
+                      <a:alpha val="25000"/>
+                    </a:srgbClr>
+                  </a:outerShdw>
+                </a:effectLst>
+                <a:latin typeface="+mj-lt"/>
+                <a:ea typeface="+mj-ea"/>
+                <a:cs typeface="+mj-cs"/>
+              </a:rPr>
+              <a:t>CAN_RFxR</a:t>
+            </a:r>
+            <a:r>
+              <a:rPr lang="zh-CN" altLang="en-US" sz="2200" cap="all" dirty="0">
+                <a:ln w="3175" cmpd="sng">
+                  <a:noFill/>
+                </a:ln>
+                <a:gradFill flip="none" rotWithShape="1">
+                  <a:gsLst>
+                    <a:gs pos="0">
+                      <a:schemeClr val="tx1"/>
+                    </a:gs>
+                    <a:gs pos="100000">
+                      <a:schemeClr val="tx1">
+                        <a:lumMod val="65000"/>
+                      </a:schemeClr>
+                    </a:gs>
+                  </a:gsLst>
+                  <a:lin ang="5580000" scaled="0"/>
+                  <a:tileRect/>
+                </a:gradFill>
+                <a:effectLst>
+                  <a:glow rad="38100">
+                    <a:schemeClr val="bg1">
+                      <a:lumMod val="65000"/>
+                      <a:lumOff val="35000"/>
+                      <a:alpha val="40000"/>
+                    </a:schemeClr>
+                  </a:glow>
+                  <a:outerShdw blurRad="28575" dist="38100" dir="14040000" algn="tl" rotWithShape="0">
+                    <a:srgbClr val="000000">
+                      <a:alpha val="25000"/>
+                    </a:srgbClr>
+                  </a:outerShdw>
+                </a:effectLst>
+                <a:latin typeface="+mj-lt"/>
+                <a:ea typeface="+mj-ea"/>
+                <a:cs typeface="+mj-cs"/>
+              </a:rPr>
+              <a:t>的</a:t>
+            </a:r>
+            <a:r>
+              <a:rPr lang="en-US" altLang="zh-CN" sz="2200" cap="all" dirty="0">
+                <a:ln w="3175" cmpd="sng">
+                  <a:noFill/>
+                </a:ln>
+                <a:gradFill flip="none" rotWithShape="1">
+                  <a:gsLst>
+                    <a:gs pos="0">
+                      <a:schemeClr val="tx1"/>
+                    </a:gs>
+                    <a:gs pos="100000">
+                      <a:schemeClr val="tx1">
+                        <a:lumMod val="65000"/>
+                      </a:schemeClr>
+                    </a:gs>
+                  </a:gsLst>
+                  <a:lin ang="5580000" scaled="0"/>
+                  <a:tileRect/>
+                </a:gradFill>
+                <a:effectLst>
+                  <a:glow rad="38100">
+                    <a:schemeClr val="bg1">
+                      <a:lumMod val="65000"/>
+                      <a:lumOff val="35000"/>
+                      <a:alpha val="40000"/>
+                    </a:schemeClr>
+                  </a:glow>
+                  <a:outerShdw blurRad="28575" dist="38100" dir="14040000" algn="tl" rotWithShape="0">
+                    <a:srgbClr val="000000">
+                      <a:alpha val="25000"/>
+                    </a:srgbClr>
+                  </a:outerShdw>
+                </a:effectLst>
+                <a:latin typeface="+mj-lt"/>
+                <a:ea typeface="+mj-ea"/>
+                <a:cs typeface="+mj-cs"/>
+              </a:rPr>
+              <a:t>FMP</a:t>
+            </a:r>
+            <a:r>
+              <a:rPr lang="zh-CN" altLang="en-US" sz="2200" cap="all" dirty="0">
+                <a:ln w="3175" cmpd="sng">
+                  <a:noFill/>
+                </a:ln>
+                <a:gradFill flip="none" rotWithShape="1">
+                  <a:gsLst>
+                    <a:gs pos="0">
+                      <a:schemeClr val="tx1"/>
+                    </a:gs>
+                    <a:gs pos="100000">
+                      <a:schemeClr val="tx1">
+                        <a:lumMod val="65000"/>
+                      </a:schemeClr>
+                    </a:gs>
+                  </a:gsLst>
+                  <a:lin ang="5580000" scaled="0"/>
+                  <a:tileRect/>
+                </a:gradFill>
+                <a:effectLst>
+                  <a:glow rad="38100">
+                    <a:schemeClr val="bg1">
+                      <a:lumMod val="65000"/>
+                      <a:lumOff val="35000"/>
+                      <a:alpha val="40000"/>
+                    </a:schemeClr>
+                  </a:glow>
+                  <a:outerShdw blurRad="28575" dist="38100" dir="14040000" algn="tl" rotWithShape="0">
+                    <a:srgbClr val="000000">
+                      <a:alpha val="25000"/>
+                    </a:srgbClr>
+                  </a:outerShdw>
+                </a:effectLst>
+                <a:latin typeface="+mj-lt"/>
+                <a:ea typeface="+mj-ea"/>
+                <a:cs typeface="+mj-cs"/>
+              </a:rPr>
+              <a:t>寄存器来得到，只要</a:t>
+            </a:r>
+            <a:r>
+              <a:rPr lang="en-US" altLang="zh-CN" sz="2200" cap="all" dirty="0">
+                <a:ln w="3175" cmpd="sng">
+                  <a:noFill/>
+                </a:ln>
+                <a:gradFill flip="none" rotWithShape="1">
+                  <a:gsLst>
+                    <a:gs pos="0">
+                      <a:schemeClr val="tx1"/>
+                    </a:gs>
+                    <a:gs pos="100000">
+                      <a:schemeClr val="tx1">
+                        <a:lumMod val="65000"/>
+                      </a:schemeClr>
+                    </a:gs>
+                  </a:gsLst>
+                  <a:lin ang="5580000" scaled="0"/>
+                  <a:tileRect/>
+                </a:gradFill>
+                <a:effectLst>
+                  <a:glow rad="38100">
+                    <a:schemeClr val="bg1">
+                      <a:lumMod val="65000"/>
+                      <a:lumOff val="35000"/>
+                      <a:alpha val="40000"/>
+                    </a:schemeClr>
+                  </a:glow>
+                  <a:outerShdw blurRad="28575" dist="38100" dir="14040000" algn="tl" rotWithShape="0">
+                    <a:srgbClr val="000000">
+                      <a:alpha val="25000"/>
+                    </a:srgbClr>
+                  </a:outerShdw>
+                </a:effectLst>
+                <a:latin typeface="+mj-lt"/>
+                <a:ea typeface="+mj-ea"/>
+                <a:cs typeface="+mj-cs"/>
+              </a:rPr>
+              <a:t>FMP</a:t>
+            </a:r>
+            <a:r>
+              <a:rPr lang="zh-CN" altLang="en-US" sz="2200" cap="all" dirty="0">
+                <a:ln w="3175" cmpd="sng">
+                  <a:noFill/>
+                </a:ln>
+                <a:gradFill flip="none" rotWithShape="1">
+                  <a:gsLst>
+                    <a:gs pos="0">
+                      <a:schemeClr val="tx1"/>
+                    </a:gs>
+                    <a:gs pos="100000">
+                      <a:schemeClr val="tx1">
+                        <a:lumMod val="65000"/>
+                      </a:schemeClr>
+                    </a:gs>
+                  </a:gsLst>
+                  <a:lin ang="5580000" scaled="0"/>
+                  <a:tileRect/>
+                </a:gradFill>
+                <a:effectLst>
+                  <a:glow rad="38100">
+                    <a:schemeClr val="bg1">
+                      <a:lumMod val="65000"/>
+                      <a:lumOff val="35000"/>
+                      <a:alpha val="40000"/>
+                    </a:schemeClr>
+                  </a:glow>
+                  <a:outerShdw blurRad="28575" dist="38100" dir="14040000" algn="tl" rotWithShape="0">
+                    <a:srgbClr val="000000">
+                      <a:alpha val="25000"/>
+                    </a:srgbClr>
+                  </a:outerShdw>
+                </a:effectLst>
+                <a:latin typeface="+mj-lt"/>
+                <a:ea typeface="+mj-ea"/>
+                <a:cs typeface="+mj-cs"/>
+              </a:rPr>
+              <a:t>不为</a:t>
+            </a:r>
+            <a:r>
+              <a:rPr lang="en-US" altLang="zh-CN" sz="2200" cap="all" dirty="0">
+                <a:ln w="3175" cmpd="sng">
+                  <a:noFill/>
+                </a:ln>
+                <a:gradFill flip="none" rotWithShape="1">
+                  <a:gsLst>
+                    <a:gs pos="0">
+                      <a:schemeClr val="tx1"/>
+                    </a:gs>
+                    <a:gs pos="100000">
+                      <a:schemeClr val="tx1">
+                        <a:lumMod val="65000"/>
+                      </a:schemeClr>
+                    </a:gs>
+                  </a:gsLst>
+                  <a:lin ang="5580000" scaled="0"/>
+                  <a:tileRect/>
+                </a:gradFill>
+                <a:effectLst>
+                  <a:glow rad="38100">
+                    <a:schemeClr val="bg1">
+                      <a:lumMod val="65000"/>
+                      <a:lumOff val="35000"/>
+                      <a:alpha val="40000"/>
+                    </a:schemeClr>
+                  </a:glow>
+                  <a:outerShdw blurRad="28575" dist="38100" dir="14040000" algn="tl" rotWithShape="0">
+                    <a:srgbClr val="000000">
+                      <a:alpha val="25000"/>
+                    </a:srgbClr>
+                  </a:outerShdw>
+                </a:effectLst>
+                <a:latin typeface="+mj-lt"/>
+                <a:ea typeface="+mj-ea"/>
+                <a:cs typeface="+mj-cs"/>
+              </a:rPr>
+              <a:t>0</a:t>
+            </a:r>
+            <a:r>
+              <a:rPr lang="zh-CN" altLang="en-US" sz="2200" cap="all" dirty="0">
+                <a:ln w="3175" cmpd="sng">
+                  <a:noFill/>
+                </a:ln>
+                <a:gradFill flip="none" rotWithShape="1">
+                  <a:gsLst>
+                    <a:gs pos="0">
+                      <a:schemeClr val="tx1"/>
+                    </a:gs>
+                    <a:gs pos="100000">
+                      <a:schemeClr val="tx1">
+                        <a:lumMod val="65000"/>
+                      </a:schemeClr>
+                    </a:gs>
+                  </a:gsLst>
+                  <a:lin ang="5580000" scaled="0"/>
+                  <a:tileRect/>
+                </a:gradFill>
+                <a:effectLst>
+                  <a:glow rad="38100">
+                    <a:schemeClr val="bg1">
+                      <a:lumMod val="65000"/>
+                      <a:lumOff val="35000"/>
+                      <a:alpha val="40000"/>
+                    </a:schemeClr>
+                  </a:glow>
+                  <a:outerShdw blurRad="28575" dist="38100" dir="14040000" algn="tl" rotWithShape="0">
+                    <a:srgbClr val="000000">
+                      <a:alpha val="25000"/>
+                    </a:srgbClr>
+                  </a:outerShdw>
+                </a:effectLst>
+                <a:latin typeface="+mj-lt"/>
+                <a:ea typeface="+mj-ea"/>
+                <a:cs typeface="+mj-cs"/>
+              </a:rPr>
+              <a:t>，我们就可以从</a:t>
+            </a:r>
+            <a:r>
+              <a:rPr lang="en-US" altLang="zh-CN" sz="2200" cap="all" dirty="0">
+                <a:ln w="3175" cmpd="sng">
+                  <a:noFill/>
+                </a:ln>
+                <a:gradFill flip="none" rotWithShape="1">
+                  <a:gsLst>
+                    <a:gs pos="0">
+                      <a:schemeClr val="tx1"/>
+                    </a:gs>
+                    <a:gs pos="100000">
+                      <a:schemeClr val="tx1">
+                        <a:lumMod val="65000"/>
+                      </a:schemeClr>
+                    </a:gs>
+                  </a:gsLst>
+                  <a:lin ang="5580000" scaled="0"/>
+                  <a:tileRect/>
+                </a:gradFill>
+                <a:effectLst>
+                  <a:glow rad="38100">
+                    <a:schemeClr val="bg1">
+                      <a:lumMod val="65000"/>
+                      <a:lumOff val="35000"/>
+                      <a:alpha val="40000"/>
+                    </a:schemeClr>
+                  </a:glow>
+                  <a:outerShdw blurRad="28575" dist="38100" dir="14040000" algn="tl" rotWithShape="0">
+                    <a:srgbClr val="000000">
+                      <a:alpha val="25000"/>
+                    </a:srgbClr>
+                  </a:outerShdw>
+                </a:effectLst>
+                <a:latin typeface="+mj-lt"/>
+                <a:ea typeface="+mj-ea"/>
+                <a:cs typeface="+mj-cs"/>
+              </a:rPr>
+              <a:t>FIFO</a:t>
+            </a:r>
+            <a:r>
+              <a:rPr lang="zh-CN" altLang="en-US" sz="2200" cap="all" dirty="0">
+                <a:ln w="3175" cmpd="sng">
+                  <a:noFill/>
+                </a:ln>
+                <a:gradFill flip="none" rotWithShape="1">
+                  <a:gsLst>
+                    <a:gs pos="0">
+                      <a:schemeClr val="tx1"/>
+                    </a:gs>
+                    <a:gs pos="100000">
+                      <a:schemeClr val="tx1">
+                        <a:lumMod val="65000"/>
+                      </a:schemeClr>
+                    </a:gs>
+                  </a:gsLst>
+                  <a:lin ang="5580000" scaled="0"/>
+                  <a:tileRect/>
+                </a:gradFill>
+                <a:effectLst>
+                  <a:glow rad="38100">
+                    <a:schemeClr val="bg1">
+                      <a:lumMod val="65000"/>
+                      <a:lumOff val="35000"/>
+                      <a:alpha val="40000"/>
+                    </a:schemeClr>
+                  </a:glow>
+                  <a:outerShdw blurRad="28575" dist="38100" dir="14040000" algn="tl" rotWithShape="0">
+                    <a:srgbClr val="000000">
+                      <a:alpha val="25000"/>
+                    </a:srgbClr>
+                  </a:outerShdw>
+                </a:effectLst>
+                <a:latin typeface="+mj-lt"/>
+                <a:ea typeface="+mj-ea"/>
+                <a:cs typeface="+mj-cs"/>
+              </a:rPr>
+              <a:t>读出收到的报文。</a:t>
+            </a:r>
+            <a:endParaRPr lang="en-US" altLang="zh-CN" sz="2200" cap="all" dirty="0">
+              <a:ln w="3175" cmpd="sng">
+                <a:noFill/>
+              </a:ln>
+              <a:gradFill flip="none" rotWithShape="1">
+                <a:gsLst>
+                  <a:gs pos="0">
+                    <a:schemeClr val="tx1"/>
+                  </a:gs>
+                  <a:gs pos="100000">
+                    <a:schemeClr val="tx1">
+                      <a:lumMod val="65000"/>
+                    </a:schemeClr>
+                  </a:gs>
+                </a:gsLst>
+                <a:lin ang="5580000" scaled="0"/>
+                <a:tileRect/>
+              </a:gradFill>
+              <a:effectLst>
+                <a:glow rad="38100">
+                  <a:schemeClr val="bg1">
+                    <a:lumMod val="65000"/>
+                    <a:lumOff val="35000"/>
+                    <a:alpha val="40000"/>
+                  </a:schemeClr>
+                </a:glow>
+                <a:outerShdw blurRad="28575" dist="38100" dir="14040000" algn="tl" rotWithShape="0">
+                  <a:srgbClr val="000000">
+                    <a:alpha val="25000"/>
+                  </a:srgbClr>
+                </a:outerShdw>
+              </a:effectLst>
+              <a:latin typeface="+mj-lt"/>
+              <a:ea typeface="+mj-ea"/>
+              <a:cs typeface="+mj-cs"/>
+            </a:endParaRPr>
           </a:p>
         </p:txBody>
       </p:sp>
     </p:spTree>
     <p:extLst>
       <p:ext uri="{BB962C8B-B14F-4D97-AF65-F5344CB8AC3E}">
-        <p14:creationId xmlns:p14="http://schemas.microsoft.com/office/powerpoint/2010/main" val="1421614870"/>
+        <p14:creationId xmlns:p14="http://schemas.microsoft.com/office/powerpoint/2010/main" val="541069457"/>
+      </p:ext>
+    </p:extLst>
+  </p:cSld>
+  <p:clrMapOvr>
+    <a:masterClrMapping/>
+  </p:clrMapOvr>
+</p:sld>
+</file>
+
+<file path=ppt/slides/slide34.xml><?xml version="1.0" encoding="utf-8"?>
+<p:sld xmlns:a="http://schemas.openxmlformats.org/drawingml/2006/main" xmlns:r="http://schemas.openxmlformats.org/officeDocument/2006/relationships" xmlns:p="http://schemas.openxmlformats.org/presentationml/2006/main">
+  <p:cSld>
+    <p:spTree>
+      <p:nvGrpSpPr>
+        <p:cNvPr id="1" name=""/>
+        <p:cNvGrpSpPr/>
+        <p:nvPr/>
+      </p:nvGrpSpPr>
+      <p:grpSpPr>
+        <a:xfrm>
+          <a:off x="0" y="0"/>
+          <a:ext cx="0" cy="0"/>
+          <a:chOff x="0" y="0"/>
+          <a:chExt cx="0" cy="0"/>
+        </a:xfrm>
+      </p:grpSpPr>
+      <p:sp>
+        <p:nvSpPr>
+          <p:cNvPr id="2" name="标题 1">
+            <a:extLst>
+              <a:ext uri="{FF2B5EF4-FFF2-40B4-BE49-F238E27FC236}">
+                <a16:creationId xmlns:a16="http://schemas.microsoft.com/office/drawing/2014/main" id="{815A4528-3366-4C3D-993D-D26B8BE6398D}"/>
+              </a:ext>
+            </a:extLst>
+          </p:cNvPr>
+          <p:cNvSpPr>
+            <a:spLocks noGrp="1"/>
+          </p:cNvSpPr>
+          <p:nvPr>
+            <p:ph type="title"/>
+          </p:nvPr>
+        </p:nvSpPr>
+        <p:spPr>
+          <a:xfrm>
+            <a:off x="1141413" y="609600"/>
+            <a:ext cx="9905998" cy="786063"/>
+          </a:xfrm>
+        </p:spPr>
+        <p:txBody>
+          <a:bodyPr/>
+          <a:lstStyle/>
+          <a:p>
+            <a:r>
+              <a:rPr lang="en-US" altLang="zh-CN" dirty="0"/>
+              <a:t>STM32</a:t>
+            </a:r>
+            <a:r>
+              <a:rPr lang="zh-CN" altLang="en-US" dirty="0"/>
+              <a:t>的</a:t>
+            </a:r>
+            <a:r>
+              <a:rPr lang="en-US" altLang="zh-CN" dirty="0"/>
+              <a:t>CAN</a:t>
+            </a:r>
+            <a:r>
+              <a:rPr lang="zh-CN" altLang="en-US" dirty="0"/>
+              <a:t>位时序</a:t>
+            </a:r>
+          </a:p>
+        </p:txBody>
+      </p:sp>
+      <p:pic>
+        <p:nvPicPr>
+          <p:cNvPr id="6" name="Picture 3">
+            <a:extLst>
+              <a:ext uri="{FF2B5EF4-FFF2-40B4-BE49-F238E27FC236}">
+                <a16:creationId xmlns:a16="http://schemas.microsoft.com/office/drawing/2014/main" id="{B4A649EC-7A53-42A9-9167-AD4C28C3B82A}"/>
+              </a:ext>
+            </a:extLst>
+          </p:cNvPr>
+          <p:cNvPicPr>
+            <a:picLocks noGrp="1" noChangeAspect="1" noChangeArrowheads="1"/>
+          </p:cNvPicPr>
+          <p:nvPr>
+            <p:ph idx="1"/>
+          </p:nvPr>
+        </p:nvPicPr>
+        <p:blipFill>
+          <a:blip r:embed="rId2">
+            <a:extLst>
+              <a:ext uri="{28A0092B-C50C-407E-A947-70E740481C1C}">
+                <a14:useLocalDpi xmlns:a14="http://schemas.microsoft.com/office/drawing/2010/main" val="0"/>
+              </a:ext>
+            </a:extLst>
+          </a:blip>
+          <a:srcRect/>
+          <a:stretch>
+            <a:fillRect/>
+          </a:stretch>
+        </p:blipFill>
+        <p:spPr bwMode="auto">
+          <a:xfrm>
+            <a:off x="1141412" y="1395663"/>
+            <a:ext cx="9462419" cy="4949573"/>
+          </a:xfrm>
+          <a:prstGeom prst="rect">
+            <a:avLst/>
+          </a:prstGeom>
+          <a:noFill/>
+          <a:ln>
+            <a:noFill/>
+          </a:ln>
+          <a:extLst>
+            <a:ext uri="{909E8E84-426E-40DD-AFC4-6F175D3DCCD1}">
+              <a14:hiddenFill xmlns:a14="http://schemas.microsoft.com/office/drawing/2010/main">
+                <a:solidFill>
+                  <a:schemeClr val="accent1"/>
+                </a:solidFill>
+              </a14:hiddenFill>
+            </a:ext>
+            <a:ext uri="{91240B29-F687-4F45-9708-019B960494DF}">
+              <a14:hiddenLine xmlns:a14="http://schemas.microsoft.com/office/drawing/2010/main" w="9525">
+                <a:solidFill>
+                  <a:schemeClr val="tx1"/>
+                </a:solidFill>
+                <a:miter lim="800000"/>
+                <a:headEnd/>
+                <a:tailEnd/>
+              </a14:hiddenLine>
+            </a:ext>
+          </a:extLst>
+        </p:spPr>
+      </p:pic>
+    </p:spTree>
+    <p:extLst>
+      <p:ext uri="{BB962C8B-B14F-4D97-AF65-F5344CB8AC3E}">
+        <p14:creationId xmlns:p14="http://schemas.microsoft.com/office/powerpoint/2010/main" val="3063287136"/>
       </p:ext>
     </p:extLst>
   </p:cSld>

--- a/CAN总线.pptx
+++ b/CAN总线.pptx
@@ -39,6 +39,9 @@
     <p:sldId id="289" r:id="rId33"/>
     <p:sldId id="290" r:id="rId34"/>
     <p:sldId id="291" r:id="rId35"/>
+    <p:sldId id="292" r:id="rId36"/>
+    <p:sldId id="293" r:id="rId37"/>
+    <p:sldId id="294" r:id="rId38"/>
   </p:sldIdLst>
   <p:sldSz cx="12192000" cy="6858000"/>
   <p:notesSz cx="6858000" cy="9144000"/>
@@ -359,7 +362,7 @@
             <a:fld id="{B61BEF0D-F0BB-DE4B-95CE-6DB70DBA9567}" type="datetimeFigureOut">
               <a:rPr lang="en-US" dirty="0"/>
               <a:pPr/>
-              <a:t>5/16/2018</a:t>
+              <a:t>5/17/2018</a:t>
             </a:fld>
             <a:endParaRPr lang="en-US" dirty="0"/>
           </a:p>
@@ -647,7 +650,7 @@
             <a:fld id="{B61BEF0D-F0BB-DE4B-95CE-6DB70DBA9567}" type="datetimeFigureOut">
               <a:rPr lang="en-US" dirty="0"/>
               <a:pPr/>
-              <a:t>5/16/2018</a:t>
+              <a:t>5/17/2018</a:t>
             </a:fld>
             <a:endParaRPr lang="en-US" dirty="0"/>
           </a:p>
@@ -903,7 +906,7 @@
             <a:fld id="{B61BEF0D-F0BB-DE4B-95CE-6DB70DBA9567}" type="datetimeFigureOut">
               <a:rPr lang="en-US" dirty="0"/>
               <a:pPr/>
-              <a:t>5/16/2018</a:t>
+              <a:t>5/17/2018</a:t>
             </a:fld>
             <a:endParaRPr lang="en-US" dirty="0"/>
           </a:p>
@@ -1369,7 +1372,7 @@
             <a:fld id="{B61BEF0D-F0BB-DE4B-95CE-6DB70DBA9567}" type="datetimeFigureOut">
               <a:rPr lang="en-US" dirty="0"/>
               <a:pPr/>
-              <a:t>5/16/2018</a:t>
+              <a:t>5/17/2018</a:t>
             </a:fld>
             <a:endParaRPr lang="en-US" dirty="0"/>
           </a:p>
@@ -1546,7 +1549,7 @@
             <a:fld id="{B61BEF0D-F0BB-DE4B-95CE-6DB70DBA9567}" type="datetimeFigureOut">
               <a:rPr lang="en-US" dirty="0"/>
               <a:pPr/>
-              <a:t>5/16/2018</a:t>
+              <a:t>5/17/2018</a:t>
             </a:fld>
             <a:endParaRPr lang="en-US" dirty="0"/>
           </a:p>
@@ -2119,7 +2122,7 @@
             <a:fld id="{B61BEF0D-F0BB-DE4B-95CE-6DB70DBA9567}" type="datetimeFigureOut">
               <a:rPr lang="en-US" dirty="0"/>
               <a:pPr/>
-              <a:t>5/16/2018</a:t>
+              <a:t>5/17/2018</a:t>
             </a:fld>
             <a:endParaRPr lang="en-US" dirty="0"/>
           </a:p>
@@ -2448,7 +2451,7 @@
             <a:fld id="{B61BEF0D-F0BB-DE4B-95CE-6DB70DBA9567}" type="datetimeFigureOut">
               <a:rPr lang="en-US" dirty="0"/>
               <a:pPr/>
-              <a:t>5/16/2018</a:t>
+              <a:t>5/17/2018</a:t>
             </a:fld>
             <a:endParaRPr lang="en-US" dirty="0"/>
           </a:p>
@@ -2620,7 +2623,7 @@
             <a:fld id="{B61BEF0D-F0BB-DE4B-95CE-6DB70DBA9567}" type="datetimeFigureOut">
               <a:rPr lang="en-US" dirty="0"/>
               <a:pPr/>
-              <a:t>5/16/2018</a:t>
+              <a:t>5/17/2018</a:t>
             </a:fld>
             <a:endParaRPr lang="en-US" dirty="0"/>
           </a:p>
@@ -2797,7 +2800,7 @@
             <a:fld id="{B61BEF0D-F0BB-DE4B-95CE-6DB70DBA9567}" type="datetimeFigureOut">
               <a:rPr lang="en-US" dirty="0"/>
               <a:pPr/>
-              <a:t>5/16/2018</a:t>
+              <a:t>5/17/2018</a:t>
             </a:fld>
             <a:endParaRPr lang="en-US" dirty="0"/>
           </a:p>
@@ -2964,7 +2967,7 @@
             <a:fld id="{B61BEF0D-F0BB-DE4B-95CE-6DB70DBA9567}" type="datetimeFigureOut">
               <a:rPr lang="en-US" dirty="0"/>
               <a:pPr/>
-              <a:t>5/16/2018</a:t>
+              <a:t>5/17/2018</a:t>
             </a:fld>
             <a:endParaRPr lang="en-US" dirty="0"/>
           </a:p>
@@ -3218,7 +3221,7 @@
             <a:fld id="{B61BEF0D-F0BB-DE4B-95CE-6DB70DBA9567}" type="datetimeFigureOut">
               <a:rPr lang="en-US" dirty="0"/>
               <a:pPr/>
-              <a:t>5/16/2018</a:t>
+              <a:t>5/17/2018</a:t>
             </a:fld>
             <a:endParaRPr lang="en-US" dirty="0"/>
           </a:p>
@@ -3507,7 +3510,7 @@
             <a:fld id="{B61BEF0D-F0BB-DE4B-95CE-6DB70DBA9567}" type="datetimeFigureOut">
               <a:rPr lang="en-US" dirty="0"/>
               <a:pPr/>
-              <a:t>5/16/2018</a:t>
+              <a:t>5/17/2018</a:t>
             </a:fld>
             <a:endParaRPr lang="en-US" dirty="0"/>
           </a:p>
@@ -3934,7 +3937,7 @@
             <a:fld id="{B61BEF0D-F0BB-DE4B-95CE-6DB70DBA9567}" type="datetimeFigureOut">
               <a:rPr lang="en-US" dirty="0"/>
               <a:pPr/>
-              <a:t>5/16/2018</a:t>
+              <a:t>5/17/2018</a:t>
             </a:fld>
             <a:endParaRPr lang="en-US" dirty="0"/>
           </a:p>
@@ -4049,7 +4052,7 @@
             <a:fld id="{B61BEF0D-F0BB-DE4B-95CE-6DB70DBA9567}" type="datetimeFigureOut">
               <a:rPr lang="en-US" dirty="0"/>
               <a:pPr/>
-              <a:t>5/16/2018</a:t>
+              <a:t>5/17/2018</a:t>
             </a:fld>
             <a:endParaRPr lang="en-US" dirty="0"/>
           </a:p>
@@ -4141,7 +4144,7 @@
             <a:fld id="{B61BEF0D-F0BB-DE4B-95CE-6DB70DBA9567}" type="datetimeFigureOut">
               <a:rPr lang="en-US" dirty="0"/>
               <a:pPr/>
-              <a:t>5/16/2018</a:t>
+              <a:t>5/17/2018</a:t>
             </a:fld>
             <a:endParaRPr lang="en-US" dirty="0"/>
           </a:p>
@@ -4421,7 +4424,7 @@
             <a:fld id="{B61BEF0D-F0BB-DE4B-95CE-6DB70DBA9567}" type="datetimeFigureOut">
               <a:rPr lang="en-US" dirty="0"/>
               <a:pPr/>
-              <a:t>5/16/2018</a:t>
+              <a:t>5/17/2018</a:t>
             </a:fld>
             <a:endParaRPr lang="en-US" dirty="0"/>
           </a:p>
@@ -4709,7 +4712,7 @@
             <a:fld id="{B61BEF0D-F0BB-DE4B-95CE-6DB70DBA9567}" type="datetimeFigureOut">
               <a:rPr lang="en-US" dirty="0"/>
               <a:pPr/>
-              <a:t>5/16/2018</a:t>
+              <a:t>5/17/2018</a:t>
             </a:fld>
             <a:endParaRPr lang="en-US" dirty="0"/>
           </a:p>
@@ -4937,7 +4940,7 @@
             <a:fld id="{B61BEF0D-F0BB-DE4B-95CE-6DB70DBA9567}" type="datetimeFigureOut">
               <a:rPr lang="en-US" dirty="0"/>
               <a:pPr/>
-              <a:t>5/16/2018</a:t>
+              <a:t>5/17/2018</a:t>
             </a:fld>
             <a:endParaRPr lang="en-US" dirty="0"/>
           </a:p>
@@ -8809,9 +8812,56 @@
             </a:r>
             <a:r>
               <a:rPr lang="zh-CN" altLang="en-US" b="1" dirty="0"/>
+              <a:t>）标准格式的</a:t>
+            </a:r>
+            <a:r>
+              <a:rPr lang="en-US" altLang="zh-CN" b="1" dirty="0"/>
+              <a:t>ID </a:t>
+            </a:r>
+            <a:r>
+              <a:rPr lang="zh-CN" altLang="en-US" b="1" dirty="0"/>
+              <a:t>有</a:t>
+            </a:r>
+            <a:r>
+              <a:rPr lang="en-US" altLang="zh-CN" b="1" dirty="0"/>
+              <a:t>11 </a:t>
+            </a:r>
+            <a:r>
+              <a:rPr lang="zh-CN" altLang="en-US" b="1" dirty="0"/>
+              <a:t>个位。从</a:t>
+            </a:r>
+            <a:r>
+              <a:rPr lang="en-US" altLang="zh-CN" b="1" dirty="0"/>
+              <a:t>ID28 </a:t>
+            </a:r>
+            <a:r>
+              <a:rPr lang="zh-CN" altLang="en-US" b="1" dirty="0"/>
+              <a:t>到</a:t>
+            </a:r>
+            <a:r>
+              <a:rPr lang="en-US" altLang="zh-CN" b="1" dirty="0"/>
+              <a:t>ID18 </a:t>
+            </a:r>
+            <a:r>
+              <a:rPr lang="zh-CN" altLang="en-US" b="1" dirty="0"/>
+              <a:t>被依次发送。禁止高</a:t>
+            </a:r>
+            <a:r>
+              <a:rPr lang="en-US" altLang="zh-CN" b="1" dirty="0"/>
+              <a:t>7 </a:t>
+            </a:r>
+            <a:r>
+              <a:rPr lang="zh-CN" altLang="en-US" b="1" dirty="0"/>
+              <a:t>位都为隐性。（禁止设定：</a:t>
+            </a:r>
+            <a:r>
+              <a:rPr lang="en-US" altLang="zh-CN" b="1" dirty="0"/>
+              <a:t>ID=1111111XXXX</a:t>
+            </a:r>
+            <a:r>
+              <a:rPr lang="zh-CN" altLang="en-US" b="1" dirty="0"/>
               <a:t>）</a:t>
             </a:r>
-            <a:endParaRPr lang="en-US" altLang="zh-CN" b="1" dirty="0"/>
           </a:p>
           <a:p>
             <a:pPr marL="0" indent="0">
@@ -8823,7 +8873,7 @@
             </a:r>
             <a:r>
               <a:rPr lang="zh-CN" altLang="en-US" b="1" dirty="0"/>
-              <a:t>标准格式的</a:t>
+              <a:t>扩展格式的 </a:t>
             </a:r>
             <a:r>
               <a:rPr lang="en-US" altLang="zh-CN" b="1" dirty="0"/>
@@ -8835,11 +8885,19 @@
             </a:r>
             <a:r>
               <a:rPr lang="en-US" altLang="zh-CN" b="1" dirty="0"/>
-              <a:t>11 </a:t>
+              <a:t>29 </a:t>
             </a:r>
             <a:r>
               <a:rPr lang="zh-CN" altLang="en-US" b="1" dirty="0"/>
-              <a:t>个位。从</a:t>
+              <a:t>个位。基本</a:t>
+            </a:r>
+            <a:r>
+              <a:rPr lang="en-US" altLang="zh-CN" b="1" dirty="0"/>
+              <a:t>ID </a:t>
+            </a:r>
+            <a:r>
+              <a:rPr lang="zh-CN" altLang="en-US" b="1" dirty="0"/>
+              <a:t>从</a:t>
             </a:r>
             <a:r>
               <a:rPr lang="en-US" altLang="zh-CN" b="1" dirty="0"/>
@@ -8851,11 +8909,51 @@
             </a:r>
             <a:r>
               <a:rPr lang="en-US" altLang="zh-CN" b="1" dirty="0"/>
-              <a:t>ID18 </a:t>
+              <a:t>ID18</a:t>
             </a:r>
             <a:r>
               <a:rPr lang="zh-CN" altLang="en-US" b="1" dirty="0"/>
-              <a:t>被依次发送。禁止高</a:t>
+              <a:t>，扩展</a:t>
+            </a:r>
+            <a:r>
+              <a:rPr lang="en-US" altLang="zh-CN" b="1" dirty="0"/>
+              <a:t>ID </a:t>
+            </a:r>
+            <a:r>
+              <a:rPr lang="zh-CN" altLang="en-US" b="1" dirty="0"/>
+              <a:t>由</a:t>
+            </a:r>
+            <a:r>
+              <a:rPr lang="en-US" altLang="zh-CN" b="1" dirty="0"/>
+              <a:t>ID17 </a:t>
+            </a:r>
+            <a:r>
+              <a:rPr lang="zh-CN" altLang="en-US" b="1" dirty="0"/>
+              <a:t>到</a:t>
+            </a:r>
+            <a:r>
+              <a:rPr lang="en-US" altLang="zh-CN" b="1" dirty="0"/>
+              <a:t>ID0 </a:t>
+            </a:r>
+            <a:r>
+              <a:rPr lang="zh-CN" altLang="en-US" b="1" dirty="0"/>
+              <a:t>表示。基本</a:t>
+            </a:r>
+            <a:r>
+              <a:rPr lang="en-US" altLang="zh-CN" b="1" dirty="0"/>
+              <a:t>ID </a:t>
+            </a:r>
+            <a:r>
+              <a:rPr lang="zh-CN" altLang="en-US" b="1" dirty="0"/>
+              <a:t>和标准格式的</a:t>
+            </a:r>
+            <a:r>
+              <a:rPr lang="en-US" altLang="zh-CN" b="1" dirty="0"/>
+              <a:t>ID </a:t>
+            </a:r>
+            <a:r>
+              <a:rPr lang="zh-CN" altLang="en-US" b="1" dirty="0"/>
+              <a:t>相同。禁止高</a:t>
             </a:r>
             <a:r>
               <a:rPr lang="en-US" altLang="zh-CN" b="1" dirty="0"/>
@@ -8863,7 +8961,7 @@
             </a:r>
             <a:r>
               <a:rPr lang="zh-CN" altLang="en-US" b="1" dirty="0"/>
-              <a:t>位都为隐性。（禁止设定：</a:t>
+              <a:t>位都为隐性。（禁止设定：基本</a:t>
             </a:r>
             <a:r>
               <a:rPr lang="en-US" altLang="zh-CN" b="1" dirty="0"/>
@@ -8873,129 +8971,21 @@
               <a:rPr lang="zh-CN" altLang="en-US" b="1" dirty="0"/>
               <a:t>）</a:t>
             </a:r>
+            <a:endParaRPr lang="en-US" altLang="zh-CN" b="1" dirty="0"/>
           </a:p>
           <a:p>
             <a:pPr marL="0" indent="0">
               <a:buNone/>
             </a:pPr>
             <a:r>
-              <a:rPr lang="en-US" altLang="zh-CN" b="1" dirty="0"/>
-              <a:t>	</a:t>
-            </a:r>
-            <a:r>
-              <a:rPr lang="zh-CN" altLang="en-US" b="1" dirty="0"/>
-              <a:t>扩展格式的 </a:t>
-            </a:r>
-            <a:r>
-              <a:rPr lang="en-US" altLang="zh-CN" b="1" dirty="0"/>
-              <a:t>ID </a:t>
-            </a:r>
-            <a:r>
-              <a:rPr lang="zh-CN" altLang="en-US" b="1" dirty="0"/>
-              <a:t>有</a:t>
-            </a:r>
-            <a:r>
-              <a:rPr lang="en-US" altLang="zh-CN" b="1" dirty="0"/>
-              <a:t>29 </a:t>
-            </a:r>
-            <a:r>
-              <a:rPr lang="zh-CN" altLang="en-US" b="1" dirty="0"/>
-              <a:t>个位。基本</a:t>
-            </a:r>
-            <a:r>
-              <a:rPr lang="en-US" altLang="zh-CN" b="1" dirty="0"/>
-              <a:t>ID </a:t>
-            </a:r>
-            <a:r>
-              <a:rPr lang="zh-CN" altLang="en-US" b="1" dirty="0"/>
-              <a:t>从</a:t>
-            </a:r>
-            <a:r>
-              <a:rPr lang="en-US" altLang="zh-CN" b="1" dirty="0"/>
-              <a:t>ID28 </a:t>
-            </a:r>
-            <a:r>
-              <a:rPr lang="zh-CN" altLang="en-US" b="1" dirty="0"/>
-              <a:t>到</a:t>
-            </a:r>
-            <a:r>
-              <a:rPr lang="en-US" altLang="zh-CN" b="1" dirty="0"/>
-              <a:t>ID18</a:t>
-            </a:r>
-            <a:r>
-              <a:rPr lang="zh-CN" altLang="en-US" b="1" dirty="0"/>
-              <a:t>，扩展</a:t>
-            </a:r>
-            <a:r>
-              <a:rPr lang="en-US" altLang="zh-CN" b="1" dirty="0"/>
-              <a:t>ID </a:t>
-            </a:r>
-            <a:r>
-              <a:rPr lang="zh-CN" altLang="en-US" b="1" dirty="0"/>
-              <a:t>由</a:t>
-            </a:r>
-            <a:r>
-              <a:rPr lang="en-US" altLang="zh-CN" b="1" dirty="0"/>
-              <a:t>ID17 </a:t>
-            </a:r>
-            <a:r>
-              <a:rPr lang="zh-CN" altLang="en-US" b="1" dirty="0"/>
-              <a:t>到</a:t>
-            </a:r>
-            <a:r>
-              <a:rPr lang="en-US" altLang="zh-CN" b="1" dirty="0"/>
-              <a:t>ID0 </a:t>
-            </a:r>
-            <a:r>
-              <a:rPr lang="zh-CN" altLang="en-US" b="1" dirty="0"/>
-              <a:t>表示。基本</a:t>
-            </a:r>
-            <a:r>
-              <a:rPr lang="en-US" altLang="zh-CN" b="1" dirty="0"/>
-              <a:t>ID </a:t>
-            </a:r>
-            <a:r>
-              <a:rPr lang="zh-CN" altLang="en-US" b="1" dirty="0"/>
-              <a:t>和</a:t>
-            </a:r>
-          </a:p>
-          <a:p>
-            <a:pPr marL="0" indent="0">
-              <a:buNone/>
-            </a:pPr>
-            <a:r>
-              <a:rPr lang="en-US" altLang="zh-CN" b="1" dirty="0"/>
-              <a:t>	</a:t>
-            </a:r>
-            <a:r>
-              <a:rPr lang="zh-CN" altLang="en-US" b="1" dirty="0"/>
-              <a:t>标准格式的</a:t>
-            </a:r>
-            <a:r>
-              <a:rPr lang="en-US" altLang="zh-CN" b="1" dirty="0"/>
-              <a:t>ID </a:t>
-            </a:r>
-            <a:r>
-              <a:rPr lang="zh-CN" altLang="en-US" b="1" dirty="0"/>
-              <a:t>相同。禁止高</a:t>
-            </a:r>
-            <a:r>
-              <a:rPr lang="en-US" altLang="zh-CN" b="1" dirty="0"/>
-              <a:t>7 </a:t>
-            </a:r>
-            <a:r>
-              <a:rPr lang="zh-CN" altLang="en-US" b="1" dirty="0"/>
-              <a:t>位都为隐性。（禁止设定：基本</a:t>
-            </a:r>
-            <a:r>
-              <a:rPr lang="en-US" altLang="zh-CN" b="1" dirty="0"/>
-              <a:t>ID=1111111XXXX</a:t>
-            </a:r>
-            <a:r>
-              <a:rPr lang="zh-CN" altLang="en-US" b="1" dirty="0"/>
-              <a:t>）</a:t>
-            </a:r>
-            <a:endParaRPr lang="en-US" altLang="zh-CN" b="1" dirty="0"/>
+              <a:rPr lang="en-US" altLang="zh-CN" b="1" i="1" u="sng" dirty="0"/>
+              <a:t>	ID</a:t>
+            </a:r>
+            <a:r>
+              <a:rPr lang="zh-CN" altLang="en-US" b="1" i="1" u="sng" dirty="0"/>
+              <a:t>决定数据帧发送的优先级，也决定着其他设备是否会接收这个数据帧</a:t>
+            </a:r>
+            <a:endParaRPr lang="en-US" altLang="zh-CN" b="1" i="1" u="sng" dirty="0"/>
           </a:p>
           <a:p>
             <a:pPr marL="0" indent="0">
@@ -13454,8 +13444,8 @@
           </a:p>
         </p:txBody>
       </p:sp>
-      <mc:AlternateContent xmlns:mc="http://schemas.openxmlformats.org/markup-compatibility/2006">
-        <mc:Choice xmlns:a14="http://schemas.microsoft.com/office/drawing/2010/main" Requires="a14">
+      <mc:AlternateContent xmlns:mc="http://schemas.openxmlformats.org/markup-compatibility/2006" xmlns:a14="http://schemas.microsoft.com/office/drawing/2010/main">
+        <mc:Choice Requires="a14">
           <p:sp>
             <p:nvSpPr>
               <p:cNvPr id="3" name="内容占位符 2">
@@ -13630,6 +13620,22 @@
                 </a:r>
                 <a:r>
                   <a:rPr lang="zh-CN" altLang="en-US" sz="2400" b="1" dirty="0"/>
+                  <a:t>个，</a:t>
+                </a:r>
+                <a:r>
+                  <a:rPr lang="en-US" altLang="zh-CN" sz="2400" b="1" dirty="0"/>
+                  <a:t>F103</a:t>
+                </a:r>
+                <a:r>
+                  <a:rPr lang="zh-CN" altLang="en-US" sz="2400" b="1" dirty="0"/>
+                  <a:t>为</a:t>
+                </a:r>
+                <a:r>
+                  <a:rPr lang="en-US" altLang="zh-CN" sz="2400" b="1" dirty="0"/>
+                  <a:t>14</a:t>
+                </a:r>
+                <a:r>
+                  <a:rPr lang="zh-CN" altLang="en-US" sz="2400" b="1" dirty="0"/>
                   <a:t>个）</a:t>
                 </a:r>
                 <a:endParaRPr lang="en-US" altLang="zh-CN" sz="2400" b="1" dirty="0"/>
@@ -13637,7 +13643,7 @@
             </p:txBody>
           </p:sp>
         </mc:Choice>
-        <mc:Fallback>
+        <mc:Fallback xmlns="">
           <p:sp>
             <p:nvSpPr>
               <p:cNvPr id="3" name="内容占位符 2">
@@ -17728,6 +17734,368 @@
     <p:extLst>
       <p:ext uri="{BB962C8B-B14F-4D97-AF65-F5344CB8AC3E}">
         <p14:creationId xmlns:p14="http://schemas.microsoft.com/office/powerpoint/2010/main" val="3063287136"/>
+      </p:ext>
+    </p:extLst>
+  </p:cSld>
+  <p:clrMapOvr>
+    <a:masterClrMapping/>
+  </p:clrMapOvr>
+</p:sld>
+</file>
+
+<file path=ppt/slides/slide35.xml><?xml version="1.0" encoding="utf-8"?>
+<p:sld xmlns:a="http://schemas.openxmlformats.org/drawingml/2006/main" xmlns:r="http://schemas.openxmlformats.org/officeDocument/2006/relationships" xmlns:p="http://schemas.openxmlformats.org/presentationml/2006/main">
+  <p:cSld>
+    <p:spTree>
+      <p:nvGrpSpPr>
+        <p:cNvPr id="1" name=""/>
+        <p:cNvGrpSpPr/>
+        <p:nvPr/>
+      </p:nvGrpSpPr>
+      <p:grpSpPr>
+        <a:xfrm>
+          <a:off x="0" y="0"/>
+          <a:ext cx="0" cy="0"/>
+          <a:chOff x="0" y="0"/>
+          <a:chExt cx="0" cy="0"/>
+        </a:xfrm>
+      </p:grpSpPr>
+      <p:sp>
+        <p:nvSpPr>
+          <p:cNvPr id="3" name="内容占位符 2">
+            <a:extLst>
+              <a:ext uri="{FF2B5EF4-FFF2-40B4-BE49-F238E27FC236}">
+                <a16:creationId xmlns:a16="http://schemas.microsoft.com/office/drawing/2014/main" id="{45098815-3681-4994-B22B-47EA76F6048F}"/>
+              </a:ext>
+            </a:extLst>
+          </p:cNvPr>
+          <p:cNvSpPr>
+            <a:spLocks noGrp="1"/>
+          </p:cNvSpPr>
+          <p:nvPr>
+            <p:ph idx="1"/>
+          </p:nvPr>
+        </p:nvSpPr>
+        <p:spPr>
+          <a:xfrm>
+            <a:off x="1141413" y="657727"/>
+            <a:ext cx="9905998" cy="5133474"/>
+          </a:xfrm>
+        </p:spPr>
+        <p:txBody>
+          <a:bodyPr>
+            <a:normAutofit/>
+          </a:bodyPr>
+          <a:lstStyle/>
+          <a:p>
+            <a:pPr marL="0" indent="0">
+              <a:buNone/>
+            </a:pPr>
+            <a:r>
+              <a:rPr lang="en-US" altLang="zh-CN" sz="2800" b="1" dirty="0"/>
+              <a:t>	CAN</a:t>
+            </a:r>
+            <a:r>
+              <a:rPr lang="zh-CN" altLang="en-US" sz="2800" b="1" dirty="0"/>
+              <a:t>的中断由发送中断、接收</a:t>
+            </a:r>
+            <a:r>
+              <a:rPr lang="en-US" altLang="zh-CN" sz="2800" b="1" dirty="0"/>
+              <a:t>FIFO</a:t>
+            </a:r>
+            <a:r>
+              <a:rPr lang="zh-CN" altLang="en-US" sz="2800" b="1" dirty="0"/>
+              <a:t>中断、错误中断构成。发送中断由三个发送邮箱任意一个为空的事件构成。接收</a:t>
+            </a:r>
+            <a:r>
+              <a:rPr lang="en-US" altLang="zh-CN" sz="2800" b="1" dirty="0"/>
+              <a:t>FIFO</a:t>
+            </a:r>
+            <a:r>
+              <a:rPr lang="zh-CN" altLang="en-US" sz="2800" b="1" dirty="0"/>
+              <a:t>中断分为</a:t>
+            </a:r>
+            <a:r>
+              <a:rPr lang="en-US" altLang="zh-CN" sz="2800" b="1" dirty="0"/>
+              <a:t>FIFO0</a:t>
+            </a:r>
+            <a:r>
+              <a:rPr lang="zh-CN" altLang="en-US" sz="2800" b="1" dirty="0"/>
+              <a:t>和</a:t>
+            </a:r>
+            <a:r>
+              <a:rPr lang="en-US" altLang="zh-CN" sz="2800" b="1" dirty="0"/>
+              <a:t>FIFO1</a:t>
+            </a:r>
+            <a:r>
+              <a:rPr lang="zh-CN" altLang="en-US" sz="2800" b="1" dirty="0"/>
+              <a:t>中断，接收</a:t>
+            </a:r>
+            <a:r>
+              <a:rPr lang="en-US" altLang="zh-CN" sz="2800" b="1" dirty="0"/>
+              <a:t>FIFO</a:t>
+            </a:r>
+            <a:r>
+              <a:rPr lang="zh-CN" altLang="en-US" sz="2800" b="1" dirty="0"/>
+              <a:t>收到新的报文或报文溢出的事件可以引起中断。</a:t>
+            </a:r>
+            <a:endParaRPr lang="en-US" altLang="zh-CN" sz="2800" b="1" dirty="0"/>
+          </a:p>
+          <a:p>
+            <a:pPr marL="0" indent="0">
+              <a:buNone/>
+            </a:pPr>
+            <a:r>
+              <a:rPr lang="en-US" altLang="zh-CN" sz="2800" b="1" dirty="0"/>
+              <a:t>	</a:t>
+            </a:r>
+            <a:r>
+              <a:rPr lang="zh-CN" altLang="en-US" sz="2800" b="1" dirty="0"/>
+              <a:t>本实验中使用的</a:t>
+            </a:r>
+            <a:r>
+              <a:rPr lang="en-US" altLang="zh-CN" sz="2800" b="1" dirty="0"/>
+              <a:t>RX0</a:t>
+            </a:r>
+            <a:r>
+              <a:rPr lang="zh-CN" altLang="en-US" sz="2800" b="1" dirty="0"/>
+              <a:t>中断通道即为</a:t>
+            </a:r>
+            <a:r>
+              <a:rPr lang="en-US" altLang="zh-CN" sz="2800" b="1" dirty="0"/>
+              <a:t>FIFO0</a:t>
+            </a:r>
+            <a:r>
+              <a:rPr lang="zh-CN" altLang="en-US" sz="2800" b="1" dirty="0"/>
+              <a:t>中断通道，当</a:t>
+            </a:r>
+            <a:r>
+              <a:rPr lang="en-US" altLang="zh-CN" sz="2800" b="1" dirty="0"/>
+              <a:t>FIFO0</a:t>
+            </a:r>
+            <a:r>
+              <a:rPr lang="zh-CN" altLang="en-US" sz="2800" b="1" dirty="0"/>
+              <a:t>收到新报文时引起中断，就在相应的中断服务函数读取这个新报文。</a:t>
+            </a:r>
+          </a:p>
+        </p:txBody>
+      </p:sp>
+    </p:spTree>
+    <p:extLst>
+      <p:ext uri="{BB962C8B-B14F-4D97-AF65-F5344CB8AC3E}">
+        <p14:creationId xmlns:p14="http://schemas.microsoft.com/office/powerpoint/2010/main" val="2513141223"/>
+      </p:ext>
+    </p:extLst>
+  </p:cSld>
+  <p:clrMapOvr>
+    <a:masterClrMapping/>
+  </p:clrMapOvr>
+</p:sld>
+</file>
+
+<file path=ppt/slides/slide36.xml><?xml version="1.0" encoding="utf-8"?>
+<p:sld xmlns:a="http://schemas.openxmlformats.org/drawingml/2006/main" xmlns:r="http://schemas.openxmlformats.org/officeDocument/2006/relationships" xmlns:p="http://schemas.openxmlformats.org/presentationml/2006/main">
+  <p:cSld>
+    <p:spTree>
+      <p:nvGrpSpPr>
+        <p:cNvPr id="1" name=""/>
+        <p:cNvGrpSpPr/>
+        <p:nvPr/>
+      </p:nvGrpSpPr>
+      <p:grpSpPr>
+        <a:xfrm>
+          <a:off x="0" y="0"/>
+          <a:ext cx="0" cy="0"/>
+          <a:chOff x="0" y="0"/>
+          <a:chExt cx="0" cy="0"/>
+        </a:xfrm>
+      </p:grpSpPr>
+      <p:sp>
+        <p:nvSpPr>
+          <p:cNvPr id="3" name="内容占位符 2">
+            <a:extLst>
+              <a:ext uri="{FF2B5EF4-FFF2-40B4-BE49-F238E27FC236}">
+                <a16:creationId xmlns:a16="http://schemas.microsoft.com/office/drawing/2014/main" id="{B972DF57-9C28-4774-BC6C-87B5252FEC9B}"/>
+              </a:ext>
+            </a:extLst>
+          </p:cNvPr>
+          <p:cNvSpPr>
+            <a:spLocks noGrp="1"/>
+          </p:cNvSpPr>
+          <p:nvPr>
+            <p:ph idx="1"/>
+          </p:nvPr>
+        </p:nvSpPr>
+        <p:spPr>
+          <a:xfrm>
+            <a:off x="1141413" y="385011"/>
+            <a:ext cx="9905998" cy="6208294"/>
+          </a:xfrm>
+        </p:spPr>
+        <p:txBody>
+          <a:bodyPr>
+            <a:normAutofit/>
+          </a:bodyPr>
+          <a:lstStyle/>
+          <a:p>
+            <a:r>
+              <a:rPr lang="en-US" altLang="zh-CN" sz="2400" b="1" dirty="0"/>
+              <a:t>CAN</a:t>
+            </a:r>
+            <a:r>
+              <a:rPr lang="zh-CN" altLang="en-US" sz="2400" b="1" dirty="0"/>
+              <a:t>模式</a:t>
+            </a:r>
+            <a:endParaRPr lang="en-US" altLang="zh-CN" sz="2400" b="1" dirty="0"/>
+          </a:p>
+          <a:p>
+            <a:pPr marL="0" indent="0">
+              <a:buNone/>
+            </a:pPr>
+            <a:r>
+              <a:rPr lang="en-US" altLang="zh-CN" sz="2400" b="1" dirty="0"/>
+              <a:t>	CAN</a:t>
+            </a:r>
+            <a:r>
+              <a:rPr lang="zh-CN" altLang="en-US" sz="2400" b="1" dirty="0"/>
+              <a:t>功能非常强大，涉及到很多协议，</a:t>
+            </a:r>
+            <a:r>
+              <a:rPr lang="en-US" altLang="zh-CN" sz="2400" b="1" dirty="0"/>
+              <a:t>CAN</a:t>
+            </a:r>
+            <a:r>
+              <a:rPr lang="zh-CN" altLang="en-US" sz="2400" b="1" dirty="0"/>
+              <a:t>的两根线都是发送数据的，不像</a:t>
+            </a:r>
+            <a:r>
+              <a:rPr lang="en-US" altLang="zh-CN" sz="2400" b="1" dirty="0"/>
+              <a:t>IIC</a:t>
+            </a:r>
+            <a:r>
+              <a:rPr lang="zh-CN" altLang="en-US" sz="2400" b="1" dirty="0"/>
+              <a:t>、</a:t>
+            </a:r>
+            <a:r>
+              <a:rPr lang="en-US" altLang="zh-CN" sz="2400" b="1" dirty="0"/>
+              <a:t>SPI</a:t>
+            </a:r>
+            <a:r>
+              <a:rPr lang="zh-CN" altLang="en-US" sz="2400" b="1" dirty="0"/>
+              <a:t>协议有片选、时钟，</a:t>
+            </a:r>
+            <a:r>
+              <a:rPr lang="en-US" altLang="zh-CN" sz="2400" b="1" dirty="0"/>
+              <a:t>CAN</a:t>
+            </a:r>
+            <a:r>
+              <a:rPr lang="zh-CN" altLang="en-US" sz="2400" b="1" dirty="0"/>
+              <a:t>通过两根线发送数据，需要把数据结构不断打包、封装，按照一定的格式进行发送。</a:t>
+            </a:r>
+          </a:p>
+        </p:txBody>
+      </p:sp>
+    </p:spTree>
+    <p:extLst>
+      <p:ext uri="{BB962C8B-B14F-4D97-AF65-F5344CB8AC3E}">
+        <p14:creationId xmlns:p14="http://schemas.microsoft.com/office/powerpoint/2010/main" val="477237284"/>
+      </p:ext>
+    </p:extLst>
+  </p:cSld>
+  <p:clrMapOvr>
+    <a:masterClrMapping/>
+  </p:clrMapOvr>
+</p:sld>
+</file>
+
+<file path=ppt/slides/slide37.xml><?xml version="1.0" encoding="utf-8"?>
+<p:sld xmlns:a="http://schemas.openxmlformats.org/drawingml/2006/main" xmlns:r="http://schemas.openxmlformats.org/officeDocument/2006/relationships" xmlns:p="http://schemas.openxmlformats.org/presentationml/2006/main">
+  <p:cSld>
+    <p:spTree>
+      <p:nvGrpSpPr>
+        <p:cNvPr id="1" name=""/>
+        <p:cNvGrpSpPr/>
+        <p:nvPr/>
+      </p:nvGrpSpPr>
+      <p:grpSpPr>
+        <a:xfrm>
+          <a:off x="0" y="0"/>
+          <a:ext cx="0" cy="0"/>
+          <a:chOff x="0" y="0"/>
+          <a:chExt cx="0" cy="0"/>
+        </a:xfrm>
+      </p:grpSpPr>
+      <p:pic>
+        <p:nvPicPr>
+          <p:cNvPr id="4" name="内容占位符 3">
+            <a:extLst>
+              <a:ext uri="{FF2B5EF4-FFF2-40B4-BE49-F238E27FC236}">
+                <a16:creationId xmlns:a16="http://schemas.microsoft.com/office/drawing/2014/main" id="{A755AB44-87DE-4BC5-88CE-C8BD49322798}"/>
+              </a:ext>
+            </a:extLst>
+          </p:cNvPr>
+          <p:cNvPicPr>
+            <a:picLocks noGrp="1" noChangeAspect="1"/>
+          </p:cNvPicPr>
+          <p:nvPr>
+            <p:ph idx="1"/>
+          </p:nvPr>
+        </p:nvPicPr>
+        <p:blipFill>
+          <a:blip r:embed="rId2"/>
+          <a:stretch>
+            <a:fillRect/>
+          </a:stretch>
+        </p:blipFill>
+        <p:spPr>
+          <a:xfrm>
+            <a:off x="4004840" y="20865"/>
+            <a:ext cx="6588210" cy="6837135"/>
+          </a:xfrm>
+          <a:prstGeom prst="rect">
+            <a:avLst/>
+          </a:prstGeom>
+        </p:spPr>
+      </p:pic>
+      <p:sp>
+        <p:nvSpPr>
+          <p:cNvPr id="6" name="文本占位符 5">
+            <a:extLst>
+              <a:ext uri="{FF2B5EF4-FFF2-40B4-BE49-F238E27FC236}">
+                <a16:creationId xmlns:a16="http://schemas.microsoft.com/office/drawing/2014/main" id="{A93D5A7E-3A7C-4BCB-B366-0623D5C46D35}"/>
+              </a:ext>
+            </a:extLst>
+          </p:cNvPr>
+          <p:cNvSpPr>
+            <a:spLocks noGrp="1"/>
+          </p:cNvSpPr>
+          <p:nvPr>
+            <p:ph type="body" sz="half" idx="2"/>
+          </p:nvPr>
+        </p:nvSpPr>
+        <p:spPr>
+          <a:xfrm>
+            <a:off x="678424" y="529542"/>
+            <a:ext cx="3549121" cy="813122"/>
+          </a:xfrm>
+        </p:spPr>
+        <p:txBody>
+          <a:bodyPr>
+            <a:normAutofit/>
+          </a:bodyPr>
+          <a:lstStyle/>
+          <a:p>
+            <a:r>
+              <a:rPr lang="zh-CN" altLang="en-US" sz="2800" b="1" dirty="0"/>
+              <a:t>程序执行流程（例）</a:t>
+            </a:r>
+          </a:p>
+        </p:txBody>
+      </p:sp>
+    </p:spTree>
+    <p:extLst>
+      <p:ext uri="{BB962C8B-B14F-4D97-AF65-F5344CB8AC3E}">
+        <p14:creationId xmlns:p14="http://schemas.microsoft.com/office/powerpoint/2010/main" val="664481945"/>
       </p:ext>
     </p:extLst>
   </p:cSld>
